--- a/Blockchain Ticketing System Mid Defence presentation.pptx
+++ b/Blockchain Ticketing System Mid Defence presentation.pptx
@@ -20747,7 +20747,7 @@
         </p:nvSpPr>
         <p:spPr>
           <a:xfrm>
-            <a:off x="619741" y="3269495"/>
+            <a:off x="863893" y="3269495"/>
             <a:ext cx="4858349" cy="369332"/>
           </a:xfrm>
           <a:prstGeom prst="rect">
@@ -20762,7 +20762,7 @@
           <a:lstStyle/>
           <a:p>
             <a:r>
-              <a:rPr lang="en-US" altLang="zh-CN" b="1" spc="300" dirty="0">
+              <a:rPr lang="en-US" altLang="zh-CN" b="1" dirty="0">
                 <a:solidFill>
                   <a:srgbClr val="8AC9F2"/>
                 </a:solidFill>
@@ -20776,9 +20776,9 @@
                 <a:cs typeface="+mn-ea"/>
                 <a:sym typeface="+mn-lt"/>
               </a:rPr>
-              <a:t>  Functional requirements </a:t>
+              <a:t>System Features</a:t>
             </a:r>
-            <a:endParaRPr lang="zh-CN" altLang="en-US" b="1" spc="300" dirty="0">
+            <a:endParaRPr lang="zh-CN" altLang="en-US" b="1" dirty="0">
               <a:solidFill>
                 <a:srgbClr val="8AC9F2"/>
               </a:solidFill>

--- a/Blockchain Ticketing System Mid Defence presentation.pptx
+++ b/Blockchain Ticketing System Mid Defence presentation.pptx
@@ -9542,21 +9542,7 @@
                     <a:schemeClr val="bg1"/>
                   </a:solidFill>
                 </a:rPr>
-                <a:t>Users have the flexibility to pay for their </a:t>
-              </a:r>
-            </a:p>
-            <a:p>
-              <a:pPr marL="285750" indent="-285750">
-                <a:buFont typeface="Arial" panose="020B0604020202020204" pitchFamily="34" charset="0"/>
-                <a:buChar char="•"/>
-              </a:pPr>
-              <a:r>
-                <a:rPr lang="en-US" dirty="0">
-                  <a:solidFill>
-                    <a:schemeClr val="bg1"/>
-                  </a:solidFill>
-                </a:rPr>
-                <a:t>tickets using different methods like</a:t>
+                <a:t>Users have the flexibility to pay for their tickets using different methods like</a:t>
               </a:r>
             </a:p>
             <a:p>
@@ -16475,7 +16461,7 @@
                   <a:schemeClr val="bg1"/>
                 </a:solidFill>
               </a:rPr>
-              <a:t>The system should provide fast response times for search queries and booking processes, ensuring that users can complete transactions quickly.</a:t>
+              <a:t>The system should provide fast response times for task that user want to perform(like : Search, booking, payment).</a:t>
             </a:r>
           </a:p>
           <a:p>
@@ -25458,7 +25444,7 @@
             </a:pPr>
             <a:r>
               <a:rPr lang="en-US" dirty="0"/>
-              <a:t>Exploration of blockchain technology, software development, and travel industry intricacies.</a:t>
+              <a:t>Exploration of blockchain technology, software development, and travel industry difficulties.</a:t>
             </a:r>
           </a:p>
           <a:p>
@@ -29055,7 +29041,7 @@
             <a:endParaRPr lang="en-US" sz="2000" dirty="0"/>
           </a:p>
           <a:p>
-            <a:pPr marL="342900" indent="-342900">
+            <a:pPr marL="800100" lvl="1" indent="-342900">
               <a:buFont typeface="Arial" panose="020B0604020202020204" pitchFamily="34" charset="0"/>
               <a:buChar char="•"/>
             </a:pPr>
@@ -29065,7 +29051,7 @@
             </a:r>
           </a:p>
           <a:p>
-            <a:pPr marL="342900" indent="-342900">
+            <a:pPr marL="800100" lvl="1" indent="-342900">
               <a:buFont typeface="Arial" panose="020B0604020202020204" pitchFamily="34" charset="0"/>
               <a:buChar char="•"/>
             </a:pPr>
@@ -29075,7 +29061,7 @@
             </a:r>
           </a:p>
           <a:p>
-            <a:pPr marL="342900" indent="-342900">
+            <a:pPr marL="800100" lvl="1" indent="-342900">
               <a:buFont typeface="Arial" panose="020B0604020202020204" pitchFamily="34" charset="0"/>
               <a:buChar char="•"/>
             </a:pPr>
@@ -29085,7 +29071,7 @@
             </a:r>
           </a:p>
           <a:p>
-            <a:pPr marL="342900" indent="-342900">
+            <a:pPr marL="800100" lvl="1" indent="-342900">
               <a:buFont typeface="Arial" panose="020B0604020202020204" pitchFamily="34" charset="0"/>
               <a:buChar char="•"/>
             </a:pPr>
@@ -29095,6 +29081,10 @@
             </a:r>
           </a:p>
           <a:p>
+            <a:pPr marL="342900" indent="-342900">
+              <a:buFont typeface="Arial" panose="020B0604020202020204" pitchFamily="34" charset="0"/>
+              <a:buChar char="•"/>
+            </a:pPr>
             <a:r>
               <a:rPr lang="en-US" sz="2000" dirty="0"/>
               <a:t>Users can access the system 		   through web browsers.</a:t>
@@ -29181,7 +29171,7 @@
             <a:endParaRPr lang="en-US" sz="2000" dirty="0"/>
           </a:p>
           <a:p>
-            <a:pPr marL="342900" indent="-342900">
+            <a:pPr marL="800100" lvl="1" indent="-342900">
               <a:buFont typeface="Arial" panose="020B0604020202020204" pitchFamily="34" charset="0"/>
               <a:buChar char="•"/>
             </a:pPr>
@@ -29191,7 +29181,7 @@
             </a:r>
           </a:p>
           <a:p>
-            <a:pPr marL="342900" indent="-342900">
+            <a:pPr marL="800100" lvl="1" indent="-342900">
               <a:buFont typeface="Arial" panose="020B0604020202020204" pitchFamily="34" charset="0"/>
               <a:buChar char="•"/>
             </a:pPr>
@@ -29201,7 +29191,7 @@
             </a:r>
           </a:p>
           <a:p>
-            <a:pPr marL="342900" indent="-342900">
+            <a:pPr marL="800100" lvl="1" indent="-342900">
               <a:buFont typeface="Arial" panose="020B0604020202020204" pitchFamily="34" charset="0"/>
               <a:buChar char="•"/>
             </a:pPr>
@@ -29211,7 +29201,7 @@
             </a:r>
           </a:p>
           <a:p>
-            <a:pPr marL="342900" indent="-342900">
+            <a:pPr marL="800100" lvl="1" indent="-342900">
               <a:buFont typeface="Arial" panose="020B0604020202020204" pitchFamily="34" charset="0"/>
               <a:buChar char="•"/>
             </a:pPr>
@@ -29221,7 +29211,7 @@
             </a:r>
           </a:p>
           <a:p>
-            <a:pPr marL="342900" indent="-342900">
+            <a:pPr marL="800100" lvl="1" indent="-342900">
               <a:buFont typeface="Arial" panose="020B0604020202020204" pitchFamily="34" charset="0"/>
               <a:buChar char="•"/>
             </a:pPr>

--- a/Blockchain Ticketing System Mid Defence presentation.pptx
+++ b/Blockchain Ticketing System Mid Defence presentation.pptx
@@ -6,44 +6,45 @@
     <p:sldMasterId id="2147483665" r:id="rId2"/>
   </p:sldMasterIdLst>
   <p:notesMasterIdLst>
-    <p:notesMasterId r:id="rId33"/>
+    <p:notesMasterId r:id="rId34"/>
   </p:notesMasterIdLst>
   <p:sldIdLst>
     <p:sldId id="259" r:id="rId3"/>
-    <p:sldId id="260" r:id="rId4"/>
-    <p:sldId id="1816" r:id="rId5"/>
-    <p:sldId id="1788" r:id="rId6"/>
-    <p:sldId id="1783" r:id="rId7"/>
-    <p:sldId id="266" r:id="rId8"/>
-    <p:sldId id="267" r:id="rId9"/>
-    <p:sldId id="262" r:id="rId10"/>
-    <p:sldId id="263" r:id="rId11"/>
-    <p:sldId id="276" r:id="rId12"/>
-    <p:sldId id="1796" r:id="rId13"/>
-    <p:sldId id="1797" r:id="rId14"/>
-    <p:sldId id="1798" r:id="rId15"/>
-    <p:sldId id="1801" r:id="rId16"/>
-    <p:sldId id="1799" r:id="rId17"/>
-    <p:sldId id="1800" r:id="rId18"/>
-    <p:sldId id="278" r:id="rId19"/>
-    <p:sldId id="264" r:id="rId20"/>
-    <p:sldId id="1810" r:id="rId21"/>
-    <p:sldId id="1784" r:id="rId22"/>
-    <p:sldId id="1805" r:id="rId23"/>
-    <p:sldId id="1806" r:id="rId24"/>
-    <p:sldId id="1807" r:id="rId25"/>
-    <p:sldId id="1808" r:id="rId26"/>
-    <p:sldId id="1811" r:id="rId27"/>
-    <p:sldId id="1812" r:id="rId28"/>
-    <p:sldId id="1813" r:id="rId29"/>
-    <p:sldId id="1814" r:id="rId30"/>
-    <p:sldId id="1815" r:id="rId31"/>
-    <p:sldId id="265" r:id="rId32"/>
+    <p:sldId id="1817" r:id="rId4"/>
+    <p:sldId id="260" r:id="rId5"/>
+    <p:sldId id="1816" r:id="rId6"/>
+    <p:sldId id="1788" r:id="rId7"/>
+    <p:sldId id="1783" r:id="rId8"/>
+    <p:sldId id="266" r:id="rId9"/>
+    <p:sldId id="267" r:id="rId10"/>
+    <p:sldId id="262" r:id="rId11"/>
+    <p:sldId id="263" r:id="rId12"/>
+    <p:sldId id="276" r:id="rId13"/>
+    <p:sldId id="1796" r:id="rId14"/>
+    <p:sldId id="1797" r:id="rId15"/>
+    <p:sldId id="1798" r:id="rId16"/>
+    <p:sldId id="1801" r:id="rId17"/>
+    <p:sldId id="1799" r:id="rId18"/>
+    <p:sldId id="1800" r:id="rId19"/>
+    <p:sldId id="278" r:id="rId20"/>
+    <p:sldId id="264" r:id="rId21"/>
+    <p:sldId id="1810" r:id="rId22"/>
+    <p:sldId id="1784" r:id="rId23"/>
+    <p:sldId id="1805" r:id="rId24"/>
+    <p:sldId id="1806" r:id="rId25"/>
+    <p:sldId id="1807" r:id="rId26"/>
+    <p:sldId id="1808" r:id="rId27"/>
+    <p:sldId id="1811" r:id="rId28"/>
+    <p:sldId id="1812" r:id="rId29"/>
+    <p:sldId id="1813" r:id="rId30"/>
+    <p:sldId id="1814" r:id="rId31"/>
+    <p:sldId id="1815" r:id="rId32"/>
+    <p:sldId id="265" r:id="rId33"/>
   </p:sldIdLst>
   <p:sldSz cx="12192000" cy="6858000"/>
   <p:notesSz cx="6858000" cy="9144000"/>
   <p:custDataLst>
-    <p:tags r:id="rId34"/>
+    <p:tags r:id="rId35"/>
   </p:custDataLst>
   <p:defaultTextStyle>
     <a:defPPr>
@@ -242,7 +243,7 @@
             <a:fld id="{7EAA7DE3-963A-4FA3-8810-650877D3A974}" type="datetimeFigureOut">
               <a:rPr lang="zh-CN" altLang="en-US" smtClean="0"/>
               <a:pPr/>
-              <a:t>2023/11/23</a:t>
+              <a:t>2023/11/24</a:t>
             </a:fld>
             <a:endParaRPr lang="zh-CN" altLang="en-US"/>
           </a:p>
@@ -661,7 +662,7 @@
             <a:fld id="{DA7161E0-BBCB-4308-AF55-20BFEF60B66F}" type="slidenum">
               <a:rPr lang="zh-CN" altLang="en-US" smtClean="0"/>
               <a:pPr/>
-              <a:t>11</a:t>
+              <a:t>12</a:t>
             </a:fld>
             <a:endParaRPr lang="zh-CN" altLang="en-US"/>
           </a:p>
@@ -746,7 +747,7 @@
             <a:fld id="{DA7161E0-BBCB-4308-AF55-20BFEF60B66F}" type="slidenum">
               <a:rPr lang="zh-CN" altLang="en-US" smtClean="0"/>
               <a:pPr/>
-              <a:t>12</a:t>
+              <a:t>13</a:t>
             </a:fld>
             <a:endParaRPr lang="zh-CN" altLang="en-US"/>
           </a:p>
@@ -831,7 +832,7 @@
             <a:fld id="{DA7161E0-BBCB-4308-AF55-20BFEF60B66F}" type="slidenum">
               <a:rPr lang="zh-CN" altLang="en-US" smtClean="0"/>
               <a:pPr/>
-              <a:t>13</a:t>
+              <a:t>14</a:t>
             </a:fld>
             <a:endParaRPr lang="zh-CN" altLang="en-US"/>
           </a:p>
@@ -916,7 +917,7 @@
             <a:fld id="{DA7161E0-BBCB-4308-AF55-20BFEF60B66F}" type="slidenum">
               <a:rPr lang="zh-CN" altLang="en-US" smtClean="0"/>
               <a:pPr/>
-              <a:t>14</a:t>
+              <a:t>15</a:t>
             </a:fld>
             <a:endParaRPr lang="zh-CN" altLang="en-US"/>
           </a:p>
@@ -1001,7 +1002,7 @@
             <a:fld id="{DA7161E0-BBCB-4308-AF55-20BFEF60B66F}" type="slidenum">
               <a:rPr lang="zh-CN" altLang="en-US" smtClean="0"/>
               <a:pPr/>
-              <a:t>15</a:t>
+              <a:t>16</a:t>
             </a:fld>
             <a:endParaRPr lang="zh-CN" altLang="en-US"/>
           </a:p>
@@ -1086,7 +1087,7 @@
             <a:fld id="{DA7161E0-BBCB-4308-AF55-20BFEF60B66F}" type="slidenum">
               <a:rPr lang="zh-CN" altLang="en-US" smtClean="0"/>
               <a:pPr/>
-              <a:t>16</a:t>
+              <a:t>17</a:t>
             </a:fld>
             <a:endParaRPr lang="zh-CN" altLang="en-US"/>
           </a:p>
@@ -1171,7 +1172,7 @@
             <a:fld id="{DA7161E0-BBCB-4308-AF55-20BFEF60B66F}" type="slidenum">
               <a:rPr lang="zh-CN" altLang="en-US" smtClean="0"/>
               <a:pPr/>
-              <a:t>17</a:t>
+              <a:t>18</a:t>
             </a:fld>
             <a:endParaRPr lang="zh-CN" altLang="en-US"/>
           </a:p>
@@ -1256,7 +1257,7 @@
             <a:fld id="{DA7161E0-BBCB-4308-AF55-20BFEF60B66F}" type="slidenum">
               <a:rPr lang="zh-CN" altLang="en-US" smtClean="0"/>
               <a:pPr/>
-              <a:t>18</a:t>
+              <a:t>19</a:t>
             </a:fld>
             <a:endParaRPr lang="zh-CN" altLang="en-US"/>
           </a:p>
@@ -1341,7 +1342,7 @@
             <a:fld id="{DA7161E0-BBCB-4308-AF55-20BFEF60B66F}" type="slidenum">
               <a:rPr lang="zh-CN" altLang="en-US" smtClean="0"/>
               <a:pPr/>
-              <a:t>20</a:t>
+              <a:t>21</a:t>
             </a:fld>
             <a:endParaRPr lang="zh-CN" altLang="en-US"/>
           </a:p>
@@ -1426,7 +1427,7 @@
             <a:fld id="{DA7161E0-BBCB-4308-AF55-20BFEF60B66F}" type="slidenum">
               <a:rPr lang="zh-CN" altLang="en-US" smtClean="0"/>
               <a:pPr/>
-              <a:t>24</a:t>
+              <a:t>25</a:t>
             </a:fld>
             <a:endParaRPr lang="zh-CN" altLang="en-US"/>
           </a:p>
@@ -1511,7 +1512,7 @@
             <a:fld id="{DA7161E0-BBCB-4308-AF55-20BFEF60B66F}" type="slidenum">
               <a:rPr lang="zh-CN" altLang="en-US" smtClean="0"/>
               <a:pPr/>
-              <a:t>2</a:t>
+              <a:t>3</a:t>
             </a:fld>
             <a:endParaRPr lang="zh-CN" altLang="en-US"/>
           </a:p>
@@ -1596,7 +1597,7 @@
             <a:fld id="{DA7161E0-BBCB-4308-AF55-20BFEF60B66F}" type="slidenum">
               <a:rPr lang="zh-CN" altLang="en-US" smtClean="0"/>
               <a:pPr/>
-              <a:t>30</a:t>
+              <a:t>31</a:t>
             </a:fld>
             <a:endParaRPr lang="zh-CN" altLang="en-US"/>
           </a:p>
@@ -1681,7 +1682,7 @@
             <a:fld id="{DA7161E0-BBCB-4308-AF55-20BFEF60B66F}" type="slidenum">
               <a:rPr lang="zh-CN" altLang="en-US" smtClean="0"/>
               <a:pPr/>
-              <a:t>4</a:t>
+              <a:t>5</a:t>
             </a:fld>
             <a:endParaRPr lang="zh-CN" altLang="en-US"/>
           </a:p>
@@ -1766,7 +1767,7 @@
             <a:fld id="{DA7161E0-BBCB-4308-AF55-20BFEF60B66F}" type="slidenum">
               <a:rPr lang="zh-CN" altLang="en-US" smtClean="0"/>
               <a:pPr/>
-              <a:t>5</a:t>
+              <a:t>6</a:t>
             </a:fld>
             <a:endParaRPr lang="zh-CN" altLang="en-US"/>
           </a:p>
@@ -1851,7 +1852,7 @@
             <a:fld id="{DA7161E0-BBCB-4308-AF55-20BFEF60B66F}" type="slidenum">
               <a:rPr lang="zh-CN" altLang="en-US" smtClean="0"/>
               <a:pPr/>
-              <a:t>6</a:t>
+              <a:t>7</a:t>
             </a:fld>
             <a:endParaRPr lang="zh-CN" altLang="en-US"/>
           </a:p>
@@ -1936,7 +1937,7 @@
             <a:fld id="{DA7161E0-BBCB-4308-AF55-20BFEF60B66F}" type="slidenum">
               <a:rPr lang="zh-CN" altLang="en-US" smtClean="0"/>
               <a:pPr/>
-              <a:t>7</a:t>
+              <a:t>8</a:t>
             </a:fld>
             <a:endParaRPr lang="zh-CN" altLang="en-US"/>
           </a:p>
@@ -2021,7 +2022,7 @@
             <a:fld id="{DA7161E0-BBCB-4308-AF55-20BFEF60B66F}" type="slidenum">
               <a:rPr lang="zh-CN" altLang="en-US" smtClean="0"/>
               <a:pPr/>
-              <a:t>8</a:t>
+              <a:t>9</a:t>
             </a:fld>
             <a:endParaRPr lang="zh-CN" altLang="en-US"/>
           </a:p>
@@ -2106,7 +2107,7 @@
             <a:fld id="{DA7161E0-BBCB-4308-AF55-20BFEF60B66F}" type="slidenum">
               <a:rPr lang="zh-CN" altLang="en-US" smtClean="0"/>
               <a:pPr/>
-              <a:t>9</a:t>
+              <a:t>10</a:t>
             </a:fld>
             <a:endParaRPr lang="zh-CN" altLang="en-US"/>
           </a:p>
@@ -2191,7 +2192,7 @@
             <a:fld id="{DA7161E0-BBCB-4308-AF55-20BFEF60B66F}" type="slidenum">
               <a:rPr lang="zh-CN" altLang="en-US" smtClean="0"/>
               <a:pPr/>
-              <a:t>10</a:t>
+              <a:t>11</a:t>
             </a:fld>
             <a:endParaRPr lang="zh-CN" altLang="en-US"/>
           </a:p>
@@ -3143,7 +3144,7 @@
             <a:fld id="{2E3AAC11-D570-4EA9-AFC0-30FB72BA45EB}" type="datetimeFigureOut">
               <a:rPr lang="zh-CN" altLang="en-US" smtClean="0"/>
               <a:pPr/>
-              <a:t>2023/11/23</a:t>
+              <a:t>2023/11/24</a:t>
             </a:fld>
             <a:endParaRPr lang="zh-CN" altLang="en-US"/>
           </a:p>
@@ -3365,7 +3366,7 @@
             <a:fld id="{2E3AAC11-D570-4EA9-AFC0-30FB72BA45EB}" type="datetimeFigureOut">
               <a:rPr lang="zh-CN" altLang="en-US" smtClean="0"/>
               <a:pPr/>
-              <a:t>2023/11/23</a:t>
+              <a:t>2023/11/24</a:t>
             </a:fld>
             <a:endParaRPr lang="zh-CN" altLang="en-US"/>
           </a:p>
@@ -5893,6 +5894,2589 @@
 </file>
 
 <file path=ppt/slides/slide10.xml><?xml version="1.0" encoding="utf-8"?>
+<p:sld xmlns:a="http://schemas.openxmlformats.org/drawingml/2006/main" xmlns:r="http://schemas.openxmlformats.org/officeDocument/2006/relationships" xmlns:p="http://schemas.openxmlformats.org/presentationml/2006/main" showMasterSp="0">
+  <p:cSld>
+    <p:spTree>
+      <p:nvGrpSpPr>
+        <p:cNvPr id="1" name=""/>
+        <p:cNvGrpSpPr/>
+        <p:nvPr/>
+      </p:nvGrpSpPr>
+      <p:grpSpPr>
+        <a:xfrm>
+          <a:off x="0" y="0"/>
+          <a:ext cx="0" cy="0"/>
+          <a:chOff x="0" y="0"/>
+          <a:chExt cx="0" cy="0"/>
+        </a:xfrm>
+      </p:grpSpPr>
+      <p:sp>
+        <p:nvSpPr>
+          <p:cNvPr id="2" name="直角三角形 1">
+            <a:extLst>
+              <a:ext uri="{FF2B5EF4-FFF2-40B4-BE49-F238E27FC236}">
+                <a16:creationId xmlns:a16="http://schemas.microsoft.com/office/drawing/2014/main" id="{81A8968E-CA28-4462-B524-0D077240D1D5}"/>
+              </a:ext>
+            </a:extLst>
+          </p:cNvPr>
+          <p:cNvSpPr/>
+          <p:nvPr/>
+        </p:nvSpPr>
+        <p:spPr>
+          <a:xfrm flipH="1" flipV="1">
+            <a:off x="10536821" y="0"/>
+            <a:ext cx="1655179" cy="1545219"/>
+          </a:xfrm>
+          <a:prstGeom prst="rtTriangle">
+            <a:avLst/>
+          </a:prstGeom>
+          <a:solidFill>
+            <a:srgbClr val="96172D">
+              <a:alpha val="90000"/>
+            </a:srgbClr>
+          </a:solidFill>
+          <a:ln>
+            <a:noFill/>
+          </a:ln>
+        </p:spPr>
+        <p:style>
+          <a:lnRef idx="2">
+            <a:schemeClr val="accent1">
+              <a:shade val="50000"/>
+            </a:schemeClr>
+          </a:lnRef>
+          <a:fillRef idx="1">
+            <a:schemeClr val="accent1"/>
+          </a:fillRef>
+          <a:effectRef idx="0">
+            <a:schemeClr val="accent1"/>
+          </a:effectRef>
+          <a:fontRef idx="minor">
+            <a:schemeClr val="lt1"/>
+          </a:fontRef>
+        </p:style>
+        <p:txBody>
+          <a:bodyPr rtlCol="0" anchor="ctr"/>
+          <a:lstStyle/>
+          <a:p>
+            <a:pPr algn="ctr"/>
+            <a:endParaRPr lang="zh-CN" altLang="en-US">
+              <a:cs typeface="+mn-ea"/>
+              <a:sym typeface="+mn-lt"/>
+            </a:endParaRPr>
+          </a:p>
+        </p:txBody>
+      </p:sp>
+      <p:sp>
+        <p:nvSpPr>
+          <p:cNvPr id="23" name="文本框 22">
+            <a:extLst>
+              <a:ext uri="{FF2B5EF4-FFF2-40B4-BE49-F238E27FC236}">
+                <a16:creationId xmlns:a16="http://schemas.microsoft.com/office/drawing/2014/main" id="{654B535E-51CD-482D-853B-17C2FC501CE7}"/>
+              </a:ext>
+            </a:extLst>
+          </p:cNvPr>
+          <p:cNvSpPr txBox="1"/>
+          <p:nvPr/>
+        </p:nvSpPr>
+        <p:spPr>
+          <a:xfrm>
+            <a:off x="2009113" y="2859503"/>
+            <a:ext cx="9304459" cy="923330"/>
+          </a:xfrm>
+          <a:prstGeom prst="rect">
+            <a:avLst/>
+          </a:prstGeom>
+          <a:noFill/>
+        </p:spPr>
+        <p:txBody>
+          <a:bodyPr vert="horz" wrap="square" rtlCol="0">
+            <a:spAutoFit/>
+          </a:bodyPr>
+          <a:lstStyle/>
+          <a:p>
+            <a:pPr algn="ctr"/>
+            <a:r>
+              <a:rPr lang="en-US" altLang="zh-CN" sz="5400" b="1" dirty="0">
+                <a:solidFill>
+                  <a:srgbClr val="8AC9F2"/>
+                </a:solidFill>
+                <a:effectLst>
+                  <a:outerShdw blurRad="38100" dist="38100" dir="2700000" algn="tl">
+                    <a:srgbClr val="000000">
+                      <a:alpha val="43137"/>
+                    </a:srgbClr>
+                  </a:outerShdw>
+                </a:effectLst>
+                <a:cs typeface="+mn-ea"/>
+                <a:sym typeface="+mn-lt"/>
+              </a:rPr>
+              <a:t>System Features</a:t>
+            </a:r>
+            <a:endParaRPr lang="zh-CN" altLang="en-US" sz="5400" b="1" dirty="0">
+              <a:solidFill>
+                <a:srgbClr val="8AC9F2"/>
+              </a:solidFill>
+              <a:effectLst>
+                <a:outerShdw blurRad="38100" dist="38100" dir="2700000" algn="tl">
+                  <a:srgbClr val="000000">
+                    <a:alpha val="43137"/>
+                  </a:srgbClr>
+                </a:outerShdw>
+              </a:effectLst>
+              <a:cs typeface="+mn-ea"/>
+              <a:sym typeface="+mn-lt"/>
+            </a:endParaRPr>
+          </a:p>
+        </p:txBody>
+      </p:sp>
+      <p:grpSp>
+        <p:nvGrpSpPr>
+          <p:cNvPr id="25" name="组合 24">
+            <a:extLst>
+              <a:ext uri="{FF2B5EF4-FFF2-40B4-BE49-F238E27FC236}">
+                <a16:creationId xmlns:a16="http://schemas.microsoft.com/office/drawing/2014/main" id="{7C7B49B9-E6A4-4F40-B958-4C25D74CFCC9}"/>
+              </a:ext>
+            </a:extLst>
+          </p:cNvPr>
+          <p:cNvGrpSpPr/>
+          <p:nvPr/>
+        </p:nvGrpSpPr>
+        <p:grpSpPr>
+          <a:xfrm flipH="1">
+            <a:off x="3535606" y="2103698"/>
+            <a:ext cx="3829895" cy="581629"/>
+            <a:chOff x="204786" y="159327"/>
+            <a:chExt cx="11782427" cy="918137"/>
+          </a:xfrm>
+        </p:grpSpPr>
+        <p:cxnSp>
+          <p:nvCxnSpPr>
+            <p:cNvPr id="26" name="直接连接符 25">
+              <a:extLst>
+                <a:ext uri="{FF2B5EF4-FFF2-40B4-BE49-F238E27FC236}">
+                  <a16:creationId xmlns:a16="http://schemas.microsoft.com/office/drawing/2014/main" id="{A202BDD7-9EE6-4474-8C07-0299A5DEAFB5}"/>
+                </a:ext>
+              </a:extLst>
+            </p:cNvPr>
+            <p:cNvCxnSpPr/>
+            <p:nvPr/>
+          </p:nvCxnSpPr>
+          <p:spPr>
+            <a:xfrm flipH="1">
+              <a:off x="6697926" y="234950"/>
+              <a:ext cx="5289287" cy="0"/>
+            </a:xfrm>
+            <a:prstGeom prst="line">
+              <a:avLst/>
+            </a:prstGeom>
+            <a:ln w="28575">
+              <a:solidFill>
+                <a:srgbClr val="8AC9F2"/>
+              </a:solidFill>
+            </a:ln>
+          </p:spPr>
+          <p:style>
+            <a:lnRef idx="1">
+              <a:schemeClr val="accent1"/>
+            </a:lnRef>
+            <a:fillRef idx="0">
+              <a:schemeClr val="accent1"/>
+            </a:fillRef>
+            <a:effectRef idx="0">
+              <a:schemeClr val="accent1"/>
+            </a:effectRef>
+            <a:fontRef idx="minor">
+              <a:schemeClr val="tx1"/>
+            </a:fontRef>
+          </p:style>
+        </p:cxnSp>
+        <p:sp>
+          <p:nvSpPr>
+            <p:cNvPr id="27" name="任意多边形 5">
+              <a:extLst>
+                <a:ext uri="{FF2B5EF4-FFF2-40B4-BE49-F238E27FC236}">
+                  <a16:creationId xmlns:a16="http://schemas.microsoft.com/office/drawing/2014/main" id="{12B8DC25-0E1A-486A-9D56-6BCFDED46765}"/>
+                </a:ext>
+              </a:extLst>
+            </p:cNvPr>
+            <p:cNvSpPr/>
+            <p:nvPr/>
+          </p:nvSpPr>
+          <p:spPr>
+            <a:xfrm flipH="1">
+              <a:off x="204786" y="596611"/>
+              <a:ext cx="11772553" cy="287015"/>
+            </a:xfrm>
+            <a:custGeom>
+              <a:avLst/>
+              <a:gdLst>
+                <a:gd name="connsiteX0" fmla="*/ 0 w 11702472"/>
+                <a:gd name="connsiteY0" fmla="*/ 0 h 628073"/>
+                <a:gd name="connsiteX1" fmla="*/ 5181600 w 11702472"/>
+                <a:gd name="connsiteY1" fmla="*/ 0 h 628073"/>
+                <a:gd name="connsiteX2" fmla="*/ 6068291 w 11702472"/>
+                <a:gd name="connsiteY2" fmla="*/ 628073 h 628073"/>
+                <a:gd name="connsiteX3" fmla="*/ 11702472 w 11702472"/>
+                <a:gd name="connsiteY3" fmla="*/ 628073 h 628073"/>
+              </a:gdLst>
+              <a:ahLst/>
+              <a:cxnLst>
+                <a:cxn ang="0">
+                  <a:pos x="connsiteX0" y="connsiteY0"/>
+                </a:cxn>
+                <a:cxn ang="0">
+                  <a:pos x="connsiteX1" y="connsiteY1"/>
+                </a:cxn>
+                <a:cxn ang="0">
+                  <a:pos x="connsiteX2" y="connsiteY2"/>
+                </a:cxn>
+                <a:cxn ang="0">
+                  <a:pos x="connsiteX3" y="connsiteY3"/>
+                </a:cxn>
+              </a:cxnLst>
+              <a:rect l="l" t="t" r="r" b="b"/>
+              <a:pathLst>
+                <a:path w="11702472" h="628073">
+                  <a:moveTo>
+                    <a:pt x="0" y="0"/>
+                  </a:moveTo>
+                  <a:lnTo>
+                    <a:pt x="5181600" y="0"/>
+                  </a:lnTo>
+                  <a:lnTo>
+                    <a:pt x="6068291" y="628073"/>
+                  </a:lnTo>
+                  <a:lnTo>
+                    <a:pt x="11702472" y="628073"/>
+                  </a:lnTo>
+                </a:path>
+              </a:pathLst>
+            </a:custGeom>
+            <a:ln w="28575">
+              <a:solidFill>
+                <a:srgbClr val="8AC9F2"/>
+              </a:solidFill>
+            </a:ln>
+          </p:spPr>
+          <p:style>
+            <a:lnRef idx="1">
+              <a:schemeClr val="accent1"/>
+            </a:lnRef>
+            <a:fillRef idx="0">
+              <a:schemeClr val="accent1"/>
+            </a:fillRef>
+            <a:effectRef idx="0">
+              <a:schemeClr val="accent1"/>
+            </a:effectRef>
+            <a:fontRef idx="minor">
+              <a:schemeClr val="tx1"/>
+            </a:fontRef>
+          </p:style>
+          <p:txBody>
+            <a:bodyPr rtlCol="0" anchor="ctr"/>
+            <a:lstStyle/>
+            <a:p>
+              <a:pPr algn="ctr"/>
+              <a:endParaRPr lang="zh-CN" altLang="en-US">
+                <a:cs typeface="+mn-ea"/>
+                <a:sym typeface="+mn-lt"/>
+              </a:endParaRPr>
+            </a:p>
+          </p:txBody>
+        </p:sp>
+        <p:cxnSp>
+          <p:nvCxnSpPr>
+            <p:cNvPr id="28" name="直接连接符 27">
+              <a:extLst>
+                <a:ext uri="{FF2B5EF4-FFF2-40B4-BE49-F238E27FC236}">
+                  <a16:creationId xmlns:a16="http://schemas.microsoft.com/office/drawing/2014/main" id="{7BA281FC-B9E3-4AAD-8DFB-A96DBB07D9CD}"/>
+                </a:ext>
+              </a:extLst>
+            </p:cNvPr>
+            <p:cNvCxnSpPr/>
+            <p:nvPr/>
+          </p:nvCxnSpPr>
+          <p:spPr>
+            <a:xfrm flipH="1">
+              <a:off x="204787" y="1033735"/>
+              <a:ext cx="5696378" cy="0"/>
+            </a:xfrm>
+            <a:prstGeom prst="line">
+              <a:avLst/>
+            </a:prstGeom>
+            <a:ln w="28575">
+              <a:solidFill>
+                <a:srgbClr val="8AC9F2"/>
+              </a:solidFill>
+            </a:ln>
+          </p:spPr>
+          <p:style>
+            <a:lnRef idx="1">
+              <a:schemeClr val="accent1"/>
+            </a:lnRef>
+            <a:fillRef idx="0">
+              <a:schemeClr val="accent1"/>
+            </a:fillRef>
+            <a:effectRef idx="0">
+              <a:schemeClr val="accent1"/>
+            </a:effectRef>
+            <a:fontRef idx="minor">
+              <a:schemeClr val="tx1"/>
+            </a:fontRef>
+          </p:style>
+        </p:cxnSp>
+        <p:sp>
+          <p:nvSpPr>
+            <p:cNvPr id="29" name="矩形 28">
+              <a:extLst>
+                <a:ext uri="{FF2B5EF4-FFF2-40B4-BE49-F238E27FC236}">
+                  <a16:creationId xmlns:a16="http://schemas.microsoft.com/office/drawing/2014/main" id="{EE3856D4-45C4-458B-87D5-F37AEEA76182}"/>
+                </a:ext>
+              </a:extLst>
+            </p:cNvPr>
+            <p:cNvSpPr/>
+            <p:nvPr/>
+          </p:nvSpPr>
+          <p:spPr>
+            <a:xfrm flipH="1">
+              <a:off x="10938182" y="159327"/>
+              <a:ext cx="622542" cy="157018"/>
+            </a:xfrm>
+            <a:prstGeom prst="rect">
+              <a:avLst/>
+            </a:prstGeom>
+            <a:solidFill>
+              <a:srgbClr val="8AC9F2"/>
+            </a:solidFill>
+            <a:ln>
+              <a:solidFill>
+                <a:srgbClr val="8AC9F2"/>
+              </a:solidFill>
+            </a:ln>
+          </p:spPr>
+          <p:style>
+            <a:lnRef idx="2">
+              <a:schemeClr val="accent1">
+                <a:shade val="50000"/>
+              </a:schemeClr>
+            </a:lnRef>
+            <a:fillRef idx="1">
+              <a:schemeClr val="accent1"/>
+            </a:fillRef>
+            <a:effectRef idx="0">
+              <a:schemeClr val="accent1"/>
+            </a:effectRef>
+            <a:fontRef idx="minor">
+              <a:schemeClr val="lt1"/>
+            </a:fontRef>
+          </p:style>
+          <p:txBody>
+            <a:bodyPr rtlCol="0" anchor="ctr"/>
+            <a:lstStyle/>
+            <a:p>
+              <a:pPr algn="ctr"/>
+              <a:endParaRPr lang="zh-CN" altLang="en-US">
+                <a:solidFill>
+                  <a:srgbClr val="00B0F0"/>
+                </a:solidFill>
+                <a:cs typeface="+mn-ea"/>
+                <a:sym typeface="+mn-lt"/>
+              </a:endParaRPr>
+            </a:p>
+          </p:txBody>
+        </p:sp>
+        <p:sp>
+          <p:nvSpPr>
+            <p:cNvPr id="30" name="矩形 29">
+              <a:extLst>
+                <a:ext uri="{FF2B5EF4-FFF2-40B4-BE49-F238E27FC236}">
+                  <a16:creationId xmlns:a16="http://schemas.microsoft.com/office/drawing/2014/main" id="{1FF86D5D-D6AC-44F8-B792-CC1D14C740A0}"/>
+                </a:ext>
+              </a:extLst>
+            </p:cNvPr>
+            <p:cNvSpPr/>
+            <p:nvPr/>
+          </p:nvSpPr>
+          <p:spPr>
+            <a:xfrm flipH="1">
+              <a:off x="472605" y="984664"/>
+              <a:ext cx="1898478" cy="92800"/>
+            </a:xfrm>
+            <a:prstGeom prst="rect">
+              <a:avLst/>
+            </a:prstGeom>
+            <a:solidFill>
+              <a:srgbClr val="8AC9F2"/>
+            </a:solidFill>
+            <a:ln>
+              <a:solidFill>
+                <a:srgbClr val="8AC9F2"/>
+              </a:solidFill>
+            </a:ln>
+          </p:spPr>
+          <p:style>
+            <a:lnRef idx="2">
+              <a:schemeClr val="accent1">
+                <a:shade val="50000"/>
+              </a:schemeClr>
+            </a:lnRef>
+            <a:fillRef idx="1">
+              <a:schemeClr val="accent1"/>
+            </a:fillRef>
+            <a:effectRef idx="0">
+              <a:schemeClr val="accent1"/>
+            </a:effectRef>
+            <a:fontRef idx="minor">
+              <a:schemeClr val="lt1"/>
+            </a:fontRef>
+          </p:style>
+          <p:txBody>
+            <a:bodyPr rtlCol="0" anchor="ctr"/>
+            <a:lstStyle/>
+            <a:p>
+              <a:pPr algn="ctr"/>
+              <a:endParaRPr lang="zh-CN" altLang="en-US">
+                <a:solidFill>
+                  <a:srgbClr val="00B0F0"/>
+                </a:solidFill>
+                <a:cs typeface="+mn-ea"/>
+                <a:sym typeface="+mn-lt"/>
+              </a:endParaRPr>
+            </a:p>
+          </p:txBody>
+        </p:sp>
+        <p:sp>
+          <p:nvSpPr>
+            <p:cNvPr id="31" name="矩形 30">
+              <a:extLst>
+                <a:ext uri="{FF2B5EF4-FFF2-40B4-BE49-F238E27FC236}">
+                  <a16:creationId xmlns:a16="http://schemas.microsoft.com/office/drawing/2014/main" id="{FF190DAE-C56B-46D0-B365-9E9FFFBF3DCD}"/>
+                </a:ext>
+              </a:extLst>
+            </p:cNvPr>
+            <p:cNvSpPr/>
+            <p:nvPr/>
+          </p:nvSpPr>
+          <p:spPr>
+            <a:xfrm flipH="1">
+              <a:off x="10776682" y="373784"/>
+              <a:ext cx="75494" cy="157018"/>
+            </a:xfrm>
+            <a:prstGeom prst="rect">
+              <a:avLst/>
+            </a:prstGeom>
+            <a:solidFill>
+              <a:srgbClr val="00B0F0"/>
+            </a:solidFill>
+            <a:ln>
+              <a:solidFill>
+                <a:srgbClr val="8AC9F2"/>
+              </a:solidFill>
+            </a:ln>
+          </p:spPr>
+          <p:style>
+            <a:lnRef idx="2">
+              <a:schemeClr val="accent1">
+                <a:shade val="50000"/>
+              </a:schemeClr>
+            </a:lnRef>
+            <a:fillRef idx="1">
+              <a:schemeClr val="accent1"/>
+            </a:fillRef>
+            <a:effectRef idx="0">
+              <a:schemeClr val="accent1"/>
+            </a:effectRef>
+            <a:fontRef idx="minor">
+              <a:schemeClr val="lt1"/>
+            </a:fontRef>
+          </p:style>
+          <p:txBody>
+            <a:bodyPr rtlCol="0" anchor="ctr"/>
+            <a:lstStyle/>
+            <a:p>
+              <a:pPr algn="ctr"/>
+              <a:endParaRPr lang="zh-CN" altLang="en-US">
+                <a:solidFill>
+                  <a:srgbClr val="00B0F0"/>
+                </a:solidFill>
+                <a:cs typeface="+mn-ea"/>
+                <a:sym typeface="+mn-lt"/>
+              </a:endParaRPr>
+            </a:p>
+          </p:txBody>
+        </p:sp>
+        <p:sp>
+          <p:nvSpPr>
+            <p:cNvPr id="32" name="矩形 31">
+              <a:extLst>
+                <a:ext uri="{FF2B5EF4-FFF2-40B4-BE49-F238E27FC236}">
+                  <a16:creationId xmlns:a16="http://schemas.microsoft.com/office/drawing/2014/main" id="{D4DB76E8-FD83-43B3-BE88-3587271360CB}"/>
+                </a:ext>
+              </a:extLst>
+            </p:cNvPr>
+            <p:cNvSpPr/>
+            <p:nvPr/>
+          </p:nvSpPr>
+          <p:spPr>
+            <a:xfrm flipH="1">
+              <a:off x="9028105" y="373784"/>
+              <a:ext cx="75494" cy="157018"/>
+            </a:xfrm>
+            <a:prstGeom prst="rect">
+              <a:avLst/>
+            </a:prstGeom>
+            <a:solidFill>
+              <a:srgbClr val="00B0F0"/>
+            </a:solidFill>
+            <a:ln>
+              <a:solidFill>
+                <a:srgbClr val="8AC9F2"/>
+              </a:solidFill>
+            </a:ln>
+          </p:spPr>
+          <p:style>
+            <a:lnRef idx="2">
+              <a:schemeClr val="accent1">
+                <a:shade val="50000"/>
+              </a:schemeClr>
+            </a:lnRef>
+            <a:fillRef idx="1">
+              <a:schemeClr val="accent1"/>
+            </a:fillRef>
+            <a:effectRef idx="0">
+              <a:schemeClr val="accent1"/>
+            </a:effectRef>
+            <a:fontRef idx="minor">
+              <a:schemeClr val="lt1"/>
+            </a:fontRef>
+          </p:style>
+          <p:txBody>
+            <a:bodyPr rtlCol="0" anchor="ctr"/>
+            <a:lstStyle/>
+            <a:p>
+              <a:pPr algn="ctr"/>
+              <a:endParaRPr lang="zh-CN" altLang="en-US">
+                <a:solidFill>
+                  <a:srgbClr val="00B0F0"/>
+                </a:solidFill>
+                <a:cs typeface="+mn-ea"/>
+                <a:sym typeface="+mn-lt"/>
+              </a:endParaRPr>
+            </a:p>
+          </p:txBody>
+        </p:sp>
+        <p:sp>
+          <p:nvSpPr>
+            <p:cNvPr id="33" name="平行四边形 32">
+              <a:extLst>
+                <a:ext uri="{FF2B5EF4-FFF2-40B4-BE49-F238E27FC236}">
+                  <a16:creationId xmlns:a16="http://schemas.microsoft.com/office/drawing/2014/main" id="{CA2AB9D8-85EA-45EA-A4AC-EE56423D8231}"/>
+                </a:ext>
+              </a:extLst>
+            </p:cNvPr>
+            <p:cNvSpPr/>
+            <p:nvPr/>
+          </p:nvSpPr>
+          <p:spPr>
+            <a:xfrm>
+              <a:off x="8077200" y="703736"/>
+              <a:ext cx="228008" cy="152616"/>
+            </a:xfrm>
+            <a:prstGeom prst="parallelogram">
+              <a:avLst>
+                <a:gd name="adj" fmla="val 85851"/>
+              </a:avLst>
+            </a:prstGeom>
+            <a:solidFill>
+              <a:srgbClr val="00B0F0"/>
+            </a:solidFill>
+            <a:ln>
+              <a:solidFill>
+                <a:srgbClr val="8AC9F2"/>
+              </a:solidFill>
+            </a:ln>
+          </p:spPr>
+          <p:style>
+            <a:lnRef idx="2">
+              <a:schemeClr val="accent1">
+                <a:shade val="50000"/>
+              </a:schemeClr>
+            </a:lnRef>
+            <a:fillRef idx="1">
+              <a:schemeClr val="accent1"/>
+            </a:fillRef>
+            <a:effectRef idx="0">
+              <a:schemeClr val="accent1"/>
+            </a:effectRef>
+            <a:fontRef idx="minor">
+              <a:schemeClr val="lt1"/>
+            </a:fontRef>
+          </p:style>
+          <p:txBody>
+            <a:bodyPr rtlCol="0" anchor="ctr"/>
+            <a:lstStyle/>
+            <a:p>
+              <a:pPr algn="ctr"/>
+              <a:endParaRPr lang="zh-CN" altLang="en-US">
+                <a:solidFill>
+                  <a:srgbClr val="00B0F0"/>
+                </a:solidFill>
+                <a:cs typeface="+mn-ea"/>
+                <a:sym typeface="+mn-lt"/>
+              </a:endParaRPr>
+            </a:p>
+          </p:txBody>
+        </p:sp>
+        <p:sp>
+          <p:nvSpPr>
+            <p:cNvPr id="34" name="平行四边形 33">
+              <a:extLst>
+                <a:ext uri="{FF2B5EF4-FFF2-40B4-BE49-F238E27FC236}">
+                  <a16:creationId xmlns:a16="http://schemas.microsoft.com/office/drawing/2014/main" id="{5DC59707-5DAB-496E-B198-F4A8A04AFA9D}"/>
+                </a:ext>
+              </a:extLst>
+            </p:cNvPr>
+            <p:cNvSpPr/>
+            <p:nvPr/>
+          </p:nvSpPr>
+          <p:spPr>
+            <a:xfrm>
+              <a:off x="8218436" y="703736"/>
+              <a:ext cx="228008" cy="152616"/>
+            </a:xfrm>
+            <a:prstGeom prst="parallelogram">
+              <a:avLst>
+                <a:gd name="adj" fmla="val 85851"/>
+              </a:avLst>
+            </a:prstGeom>
+            <a:solidFill>
+              <a:srgbClr val="00B0F0"/>
+            </a:solidFill>
+            <a:ln>
+              <a:solidFill>
+                <a:srgbClr val="8AC9F2"/>
+              </a:solidFill>
+            </a:ln>
+          </p:spPr>
+          <p:style>
+            <a:lnRef idx="2">
+              <a:schemeClr val="accent1">
+                <a:shade val="50000"/>
+              </a:schemeClr>
+            </a:lnRef>
+            <a:fillRef idx="1">
+              <a:schemeClr val="accent1"/>
+            </a:fillRef>
+            <a:effectRef idx="0">
+              <a:schemeClr val="accent1"/>
+            </a:effectRef>
+            <a:fontRef idx="minor">
+              <a:schemeClr val="lt1"/>
+            </a:fontRef>
+          </p:style>
+          <p:txBody>
+            <a:bodyPr rtlCol="0" anchor="ctr"/>
+            <a:lstStyle/>
+            <a:p>
+              <a:pPr algn="ctr"/>
+              <a:endParaRPr lang="zh-CN" altLang="en-US">
+                <a:solidFill>
+                  <a:srgbClr val="00B0F0"/>
+                </a:solidFill>
+                <a:cs typeface="+mn-ea"/>
+                <a:sym typeface="+mn-lt"/>
+              </a:endParaRPr>
+            </a:p>
+          </p:txBody>
+        </p:sp>
+        <p:sp>
+          <p:nvSpPr>
+            <p:cNvPr id="35" name="平行四边形 34">
+              <a:extLst>
+                <a:ext uri="{FF2B5EF4-FFF2-40B4-BE49-F238E27FC236}">
+                  <a16:creationId xmlns:a16="http://schemas.microsoft.com/office/drawing/2014/main" id="{E921E137-6C8D-4D54-B32B-49ED31BFC0C5}"/>
+                </a:ext>
+              </a:extLst>
+            </p:cNvPr>
+            <p:cNvSpPr/>
+            <p:nvPr/>
+          </p:nvSpPr>
+          <p:spPr>
+            <a:xfrm>
+              <a:off x="8359672" y="703736"/>
+              <a:ext cx="228008" cy="152616"/>
+            </a:xfrm>
+            <a:prstGeom prst="parallelogram">
+              <a:avLst>
+                <a:gd name="adj" fmla="val 85851"/>
+              </a:avLst>
+            </a:prstGeom>
+            <a:solidFill>
+              <a:srgbClr val="00B0F0"/>
+            </a:solidFill>
+            <a:ln>
+              <a:solidFill>
+                <a:srgbClr val="8AC9F2"/>
+              </a:solidFill>
+            </a:ln>
+          </p:spPr>
+          <p:style>
+            <a:lnRef idx="2">
+              <a:schemeClr val="accent1">
+                <a:shade val="50000"/>
+              </a:schemeClr>
+            </a:lnRef>
+            <a:fillRef idx="1">
+              <a:schemeClr val="accent1"/>
+            </a:fillRef>
+            <a:effectRef idx="0">
+              <a:schemeClr val="accent1"/>
+            </a:effectRef>
+            <a:fontRef idx="minor">
+              <a:schemeClr val="lt1"/>
+            </a:fontRef>
+          </p:style>
+          <p:txBody>
+            <a:bodyPr rtlCol="0" anchor="ctr"/>
+            <a:lstStyle/>
+            <a:p>
+              <a:pPr algn="ctr"/>
+              <a:endParaRPr lang="zh-CN" altLang="en-US">
+                <a:solidFill>
+                  <a:srgbClr val="00B0F0"/>
+                </a:solidFill>
+                <a:cs typeface="+mn-ea"/>
+                <a:sym typeface="+mn-lt"/>
+              </a:endParaRPr>
+            </a:p>
+          </p:txBody>
+        </p:sp>
+        <p:sp>
+          <p:nvSpPr>
+            <p:cNvPr id="36" name="平行四边形 35">
+              <a:extLst>
+                <a:ext uri="{FF2B5EF4-FFF2-40B4-BE49-F238E27FC236}">
+                  <a16:creationId xmlns:a16="http://schemas.microsoft.com/office/drawing/2014/main" id="{E8C9A7A1-BCFA-4A83-8EE3-D44F91FF68AB}"/>
+                </a:ext>
+              </a:extLst>
+            </p:cNvPr>
+            <p:cNvSpPr/>
+            <p:nvPr/>
+          </p:nvSpPr>
+          <p:spPr>
+            <a:xfrm>
+              <a:off x="8500908" y="703736"/>
+              <a:ext cx="228008" cy="152616"/>
+            </a:xfrm>
+            <a:prstGeom prst="parallelogram">
+              <a:avLst>
+                <a:gd name="adj" fmla="val 85851"/>
+              </a:avLst>
+            </a:prstGeom>
+            <a:solidFill>
+              <a:srgbClr val="00B0F0"/>
+            </a:solidFill>
+            <a:ln>
+              <a:solidFill>
+                <a:srgbClr val="8AC9F2"/>
+              </a:solidFill>
+            </a:ln>
+          </p:spPr>
+          <p:style>
+            <a:lnRef idx="2">
+              <a:schemeClr val="accent1">
+                <a:shade val="50000"/>
+              </a:schemeClr>
+            </a:lnRef>
+            <a:fillRef idx="1">
+              <a:schemeClr val="accent1"/>
+            </a:fillRef>
+            <a:effectRef idx="0">
+              <a:schemeClr val="accent1"/>
+            </a:effectRef>
+            <a:fontRef idx="minor">
+              <a:schemeClr val="lt1"/>
+            </a:fontRef>
+          </p:style>
+          <p:txBody>
+            <a:bodyPr rtlCol="0" anchor="ctr"/>
+            <a:lstStyle/>
+            <a:p>
+              <a:pPr algn="ctr"/>
+              <a:endParaRPr lang="zh-CN" altLang="en-US">
+                <a:solidFill>
+                  <a:srgbClr val="00B0F0"/>
+                </a:solidFill>
+                <a:cs typeface="+mn-ea"/>
+                <a:sym typeface="+mn-lt"/>
+              </a:endParaRPr>
+            </a:p>
+          </p:txBody>
+        </p:sp>
+        <p:sp>
+          <p:nvSpPr>
+            <p:cNvPr id="37" name="平行四边形 36">
+              <a:extLst>
+                <a:ext uri="{FF2B5EF4-FFF2-40B4-BE49-F238E27FC236}">
+                  <a16:creationId xmlns:a16="http://schemas.microsoft.com/office/drawing/2014/main" id="{08164ECD-6B29-4DA1-83BC-EF2DE43CFFEB}"/>
+                </a:ext>
+              </a:extLst>
+            </p:cNvPr>
+            <p:cNvSpPr/>
+            <p:nvPr/>
+          </p:nvSpPr>
+          <p:spPr>
+            <a:xfrm>
+              <a:off x="8642144" y="703736"/>
+              <a:ext cx="228008" cy="152616"/>
+            </a:xfrm>
+            <a:prstGeom prst="parallelogram">
+              <a:avLst>
+                <a:gd name="adj" fmla="val 85851"/>
+              </a:avLst>
+            </a:prstGeom>
+            <a:solidFill>
+              <a:srgbClr val="00B0F0"/>
+            </a:solidFill>
+            <a:ln>
+              <a:solidFill>
+                <a:srgbClr val="8AC9F2"/>
+              </a:solidFill>
+            </a:ln>
+          </p:spPr>
+          <p:style>
+            <a:lnRef idx="2">
+              <a:schemeClr val="accent1">
+                <a:shade val="50000"/>
+              </a:schemeClr>
+            </a:lnRef>
+            <a:fillRef idx="1">
+              <a:schemeClr val="accent1"/>
+            </a:fillRef>
+            <a:effectRef idx="0">
+              <a:schemeClr val="accent1"/>
+            </a:effectRef>
+            <a:fontRef idx="minor">
+              <a:schemeClr val="lt1"/>
+            </a:fontRef>
+          </p:style>
+          <p:txBody>
+            <a:bodyPr rtlCol="0" anchor="ctr"/>
+            <a:lstStyle/>
+            <a:p>
+              <a:pPr algn="ctr"/>
+              <a:endParaRPr lang="zh-CN" altLang="en-US">
+                <a:solidFill>
+                  <a:srgbClr val="00B0F0"/>
+                </a:solidFill>
+                <a:cs typeface="+mn-ea"/>
+                <a:sym typeface="+mn-lt"/>
+              </a:endParaRPr>
+            </a:p>
+          </p:txBody>
+        </p:sp>
+        <p:sp>
+          <p:nvSpPr>
+            <p:cNvPr id="38" name="平行四边形 37">
+              <a:extLst>
+                <a:ext uri="{FF2B5EF4-FFF2-40B4-BE49-F238E27FC236}">
+                  <a16:creationId xmlns:a16="http://schemas.microsoft.com/office/drawing/2014/main" id="{CEF13614-08B8-43B7-8638-CD100ECCE1A7}"/>
+                </a:ext>
+              </a:extLst>
+            </p:cNvPr>
+            <p:cNvSpPr/>
+            <p:nvPr/>
+          </p:nvSpPr>
+          <p:spPr>
+            <a:xfrm>
+              <a:off x="8783380" y="703736"/>
+              <a:ext cx="228008" cy="152616"/>
+            </a:xfrm>
+            <a:prstGeom prst="parallelogram">
+              <a:avLst>
+                <a:gd name="adj" fmla="val 85851"/>
+              </a:avLst>
+            </a:prstGeom>
+            <a:solidFill>
+              <a:srgbClr val="00B0F0"/>
+            </a:solidFill>
+            <a:ln>
+              <a:solidFill>
+                <a:srgbClr val="8AC9F2"/>
+              </a:solidFill>
+            </a:ln>
+          </p:spPr>
+          <p:style>
+            <a:lnRef idx="2">
+              <a:schemeClr val="accent1">
+                <a:shade val="50000"/>
+              </a:schemeClr>
+            </a:lnRef>
+            <a:fillRef idx="1">
+              <a:schemeClr val="accent1"/>
+            </a:fillRef>
+            <a:effectRef idx="0">
+              <a:schemeClr val="accent1"/>
+            </a:effectRef>
+            <a:fontRef idx="minor">
+              <a:schemeClr val="lt1"/>
+            </a:fontRef>
+          </p:style>
+          <p:txBody>
+            <a:bodyPr rtlCol="0" anchor="ctr"/>
+            <a:lstStyle/>
+            <a:p>
+              <a:pPr algn="ctr"/>
+              <a:endParaRPr lang="zh-CN" altLang="en-US">
+                <a:solidFill>
+                  <a:srgbClr val="00B0F0"/>
+                </a:solidFill>
+                <a:cs typeface="+mn-ea"/>
+                <a:sym typeface="+mn-lt"/>
+              </a:endParaRPr>
+            </a:p>
+          </p:txBody>
+        </p:sp>
+        <p:sp>
+          <p:nvSpPr>
+            <p:cNvPr id="39" name="平行四边形 38">
+              <a:extLst>
+                <a:ext uri="{FF2B5EF4-FFF2-40B4-BE49-F238E27FC236}">
+                  <a16:creationId xmlns:a16="http://schemas.microsoft.com/office/drawing/2014/main" id="{FBF7A9E3-2493-4871-896D-F3CABDF7B4DC}"/>
+                </a:ext>
+              </a:extLst>
+            </p:cNvPr>
+            <p:cNvSpPr/>
+            <p:nvPr/>
+          </p:nvSpPr>
+          <p:spPr>
+            <a:xfrm>
+              <a:off x="8924616" y="703736"/>
+              <a:ext cx="228008" cy="152616"/>
+            </a:xfrm>
+            <a:prstGeom prst="parallelogram">
+              <a:avLst>
+                <a:gd name="adj" fmla="val 85851"/>
+              </a:avLst>
+            </a:prstGeom>
+            <a:solidFill>
+              <a:srgbClr val="00B0F0"/>
+            </a:solidFill>
+            <a:ln>
+              <a:solidFill>
+                <a:srgbClr val="8AC9F2"/>
+              </a:solidFill>
+            </a:ln>
+          </p:spPr>
+          <p:style>
+            <a:lnRef idx="2">
+              <a:schemeClr val="accent1">
+                <a:shade val="50000"/>
+              </a:schemeClr>
+            </a:lnRef>
+            <a:fillRef idx="1">
+              <a:schemeClr val="accent1"/>
+            </a:fillRef>
+            <a:effectRef idx="0">
+              <a:schemeClr val="accent1"/>
+            </a:effectRef>
+            <a:fontRef idx="minor">
+              <a:schemeClr val="lt1"/>
+            </a:fontRef>
+          </p:style>
+          <p:txBody>
+            <a:bodyPr rtlCol="0" anchor="ctr"/>
+            <a:lstStyle/>
+            <a:p>
+              <a:pPr algn="ctr"/>
+              <a:endParaRPr lang="zh-CN" altLang="en-US">
+                <a:solidFill>
+                  <a:srgbClr val="00B0F0"/>
+                </a:solidFill>
+                <a:cs typeface="+mn-ea"/>
+                <a:sym typeface="+mn-lt"/>
+              </a:endParaRPr>
+            </a:p>
+          </p:txBody>
+        </p:sp>
+        <p:sp>
+          <p:nvSpPr>
+            <p:cNvPr id="40" name="平行四边形 39">
+              <a:extLst>
+                <a:ext uri="{FF2B5EF4-FFF2-40B4-BE49-F238E27FC236}">
+                  <a16:creationId xmlns:a16="http://schemas.microsoft.com/office/drawing/2014/main" id="{97FEB269-0DCC-4D4D-931A-AEBFAD5A6AF9}"/>
+                </a:ext>
+              </a:extLst>
+            </p:cNvPr>
+            <p:cNvSpPr/>
+            <p:nvPr/>
+          </p:nvSpPr>
+          <p:spPr>
+            <a:xfrm>
+              <a:off x="9065852" y="703736"/>
+              <a:ext cx="228008" cy="152616"/>
+            </a:xfrm>
+            <a:prstGeom prst="parallelogram">
+              <a:avLst>
+                <a:gd name="adj" fmla="val 85851"/>
+              </a:avLst>
+            </a:prstGeom>
+            <a:solidFill>
+              <a:srgbClr val="00B0F0"/>
+            </a:solidFill>
+            <a:ln>
+              <a:solidFill>
+                <a:srgbClr val="8AC9F2"/>
+              </a:solidFill>
+            </a:ln>
+          </p:spPr>
+          <p:style>
+            <a:lnRef idx="2">
+              <a:schemeClr val="accent1">
+                <a:shade val="50000"/>
+              </a:schemeClr>
+            </a:lnRef>
+            <a:fillRef idx="1">
+              <a:schemeClr val="accent1"/>
+            </a:fillRef>
+            <a:effectRef idx="0">
+              <a:schemeClr val="accent1"/>
+            </a:effectRef>
+            <a:fontRef idx="minor">
+              <a:schemeClr val="lt1"/>
+            </a:fontRef>
+          </p:style>
+          <p:txBody>
+            <a:bodyPr rtlCol="0" anchor="ctr"/>
+            <a:lstStyle/>
+            <a:p>
+              <a:pPr algn="ctr"/>
+              <a:endParaRPr lang="zh-CN" altLang="en-US">
+                <a:solidFill>
+                  <a:srgbClr val="00B0F0"/>
+                </a:solidFill>
+                <a:cs typeface="+mn-ea"/>
+                <a:sym typeface="+mn-lt"/>
+              </a:endParaRPr>
+            </a:p>
+          </p:txBody>
+        </p:sp>
+        <p:sp>
+          <p:nvSpPr>
+            <p:cNvPr id="41" name="平行四边形 40">
+              <a:extLst>
+                <a:ext uri="{FF2B5EF4-FFF2-40B4-BE49-F238E27FC236}">
+                  <a16:creationId xmlns:a16="http://schemas.microsoft.com/office/drawing/2014/main" id="{4EB2EC09-CEAC-4189-90B9-6882B0747ACE}"/>
+                </a:ext>
+              </a:extLst>
+            </p:cNvPr>
+            <p:cNvSpPr/>
+            <p:nvPr/>
+          </p:nvSpPr>
+          <p:spPr>
+            <a:xfrm>
+              <a:off x="9207088" y="703736"/>
+              <a:ext cx="228008" cy="152616"/>
+            </a:xfrm>
+            <a:prstGeom prst="parallelogram">
+              <a:avLst>
+                <a:gd name="adj" fmla="val 85851"/>
+              </a:avLst>
+            </a:prstGeom>
+            <a:solidFill>
+              <a:srgbClr val="00B0F0"/>
+            </a:solidFill>
+            <a:ln>
+              <a:solidFill>
+                <a:srgbClr val="8AC9F2"/>
+              </a:solidFill>
+            </a:ln>
+          </p:spPr>
+          <p:style>
+            <a:lnRef idx="2">
+              <a:schemeClr val="accent1">
+                <a:shade val="50000"/>
+              </a:schemeClr>
+            </a:lnRef>
+            <a:fillRef idx="1">
+              <a:schemeClr val="accent1"/>
+            </a:fillRef>
+            <a:effectRef idx="0">
+              <a:schemeClr val="accent1"/>
+            </a:effectRef>
+            <a:fontRef idx="minor">
+              <a:schemeClr val="lt1"/>
+            </a:fontRef>
+          </p:style>
+          <p:txBody>
+            <a:bodyPr rtlCol="0" anchor="ctr"/>
+            <a:lstStyle/>
+            <a:p>
+              <a:pPr algn="ctr"/>
+              <a:endParaRPr lang="zh-CN" altLang="en-US">
+                <a:solidFill>
+                  <a:srgbClr val="00B0F0"/>
+                </a:solidFill>
+                <a:cs typeface="+mn-ea"/>
+                <a:sym typeface="+mn-lt"/>
+              </a:endParaRPr>
+            </a:p>
+          </p:txBody>
+        </p:sp>
+        <p:sp>
+          <p:nvSpPr>
+            <p:cNvPr id="42" name="平行四边形 41">
+              <a:extLst>
+                <a:ext uri="{FF2B5EF4-FFF2-40B4-BE49-F238E27FC236}">
+                  <a16:creationId xmlns:a16="http://schemas.microsoft.com/office/drawing/2014/main" id="{82332C4C-9E83-4CA0-AF3C-E410B4AE2345}"/>
+                </a:ext>
+              </a:extLst>
+            </p:cNvPr>
+            <p:cNvSpPr/>
+            <p:nvPr/>
+          </p:nvSpPr>
+          <p:spPr>
+            <a:xfrm>
+              <a:off x="9348324" y="703736"/>
+              <a:ext cx="228008" cy="152616"/>
+            </a:xfrm>
+            <a:prstGeom prst="parallelogram">
+              <a:avLst>
+                <a:gd name="adj" fmla="val 85851"/>
+              </a:avLst>
+            </a:prstGeom>
+            <a:solidFill>
+              <a:srgbClr val="00B0F0"/>
+            </a:solidFill>
+            <a:ln>
+              <a:solidFill>
+                <a:srgbClr val="8AC9F2"/>
+              </a:solidFill>
+            </a:ln>
+          </p:spPr>
+          <p:style>
+            <a:lnRef idx="2">
+              <a:schemeClr val="accent1">
+                <a:shade val="50000"/>
+              </a:schemeClr>
+            </a:lnRef>
+            <a:fillRef idx="1">
+              <a:schemeClr val="accent1"/>
+            </a:fillRef>
+            <a:effectRef idx="0">
+              <a:schemeClr val="accent1"/>
+            </a:effectRef>
+            <a:fontRef idx="minor">
+              <a:schemeClr val="lt1"/>
+            </a:fontRef>
+          </p:style>
+          <p:txBody>
+            <a:bodyPr rtlCol="0" anchor="ctr"/>
+            <a:lstStyle/>
+            <a:p>
+              <a:pPr algn="ctr"/>
+              <a:endParaRPr lang="zh-CN" altLang="en-US">
+                <a:solidFill>
+                  <a:srgbClr val="00B0F0"/>
+                </a:solidFill>
+                <a:cs typeface="+mn-ea"/>
+                <a:sym typeface="+mn-lt"/>
+              </a:endParaRPr>
+            </a:p>
+          </p:txBody>
+        </p:sp>
+        <p:sp>
+          <p:nvSpPr>
+            <p:cNvPr id="43" name="平行四边形 42">
+              <a:extLst>
+                <a:ext uri="{FF2B5EF4-FFF2-40B4-BE49-F238E27FC236}">
+                  <a16:creationId xmlns:a16="http://schemas.microsoft.com/office/drawing/2014/main" id="{1D7A9779-E011-4DCC-960B-C2E80961E33D}"/>
+                </a:ext>
+              </a:extLst>
+            </p:cNvPr>
+            <p:cNvSpPr/>
+            <p:nvPr/>
+          </p:nvSpPr>
+          <p:spPr>
+            <a:xfrm>
+              <a:off x="9489560" y="703736"/>
+              <a:ext cx="228008" cy="152616"/>
+            </a:xfrm>
+            <a:prstGeom prst="parallelogram">
+              <a:avLst>
+                <a:gd name="adj" fmla="val 85851"/>
+              </a:avLst>
+            </a:prstGeom>
+            <a:solidFill>
+              <a:srgbClr val="00B0F0"/>
+            </a:solidFill>
+            <a:ln>
+              <a:solidFill>
+                <a:srgbClr val="8AC9F2"/>
+              </a:solidFill>
+            </a:ln>
+          </p:spPr>
+          <p:style>
+            <a:lnRef idx="2">
+              <a:schemeClr val="accent1">
+                <a:shade val="50000"/>
+              </a:schemeClr>
+            </a:lnRef>
+            <a:fillRef idx="1">
+              <a:schemeClr val="accent1"/>
+            </a:fillRef>
+            <a:effectRef idx="0">
+              <a:schemeClr val="accent1"/>
+            </a:effectRef>
+            <a:fontRef idx="minor">
+              <a:schemeClr val="lt1"/>
+            </a:fontRef>
+          </p:style>
+          <p:txBody>
+            <a:bodyPr rtlCol="0" anchor="ctr"/>
+            <a:lstStyle/>
+            <a:p>
+              <a:pPr algn="ctr"/>
+              <a:endParaRPr lang="zh-CN" altLang="en-US">
+                <a:solidFill>
+                  <a:srgbClr val="00B0F0"/>
+                </a:solidFill>
+                <a:cs typeface="+mn-ea"/>
+                <a:sym typeface="+mn-lt"/>
+              </a:endParaRPr>
+            </a:p>
+          </p:txBody>
+        </p:sp>
+        <p:sp>
+          <p:nvSpPr>
+            <p:cNvPr id="44" name="平行四边形 43">
+              <a:extLst>
+                <a:ext uri="{FF2B5EF4-FFF2-40B4-BE49-F238E27FC236}">
+                  <a16:creationId xmlns:a16="http://schemas.microsoft.com/office/drawing/2014/main" id="{CDE236C9-B805-4E1F-8F56-3A09EB9B9392}"/>
+                </a:ext>
+              </a:extLst>
+            </p:cNvPr>
+            <p:cNvSpPr/>
+            <p:nvPr/>
+          </p:nvSpPr>
+          <p:spPr>
+            <a:xfrm>
+              <a:off x="9630796" y="703736"/>
+              <a:ext cx="228008" cy="152616"/>
+            </a:xfrm>
+            <a:prstGeom prst="parallelogram">
+              <a:avLst>
+                <a:gd name="adj" fmla="val 85851"/>
+              </a:avLst>
+            </a:prstGeom>
+            <a:solidFill>
+              <a:srgbClr val="00B0F0"/>
+            </a:solidFill>
+            <a:ln>
+              <a:solidFill>
+                <a:srgbClr val="8AC9F2"/>
+              </a:solidFill>
+            </a:ln>
+          </p:spPr>
+          <p:style>
+            <a:lnRef idx="2">
+              <a:schemeClr val="accent1">
+                <a:shade val="50000"/>
+              </a:schemeClr>
+            </a:lnRef>
+            <a:fillRef idx="1">
+              <a:schemeClr val="accent1"/>
+            </a:fillRef>
+            <a:effectRef idx="0">
+              <a:schemeClr val="accent1"/>
+            </a:effectRef>
+            <a:fontRef idx="minor">
+              <a:schemeClr val="lt1"/>
+            </a:fontRef>
+          </p:style>
+          <p:txBody>
+            <a:bodyPr rtlCol="0" anchor="ctr"/>
+            <a:lstStyle/>
+            <a:p>
+              <a:pPr algn="ctr"/>
+              <a:endParaRPr lang="zh-CN" altLang="en-US">
+                <a:solidFill>
+                  <a:srgbClr val="00B0F0"/>
+                </a:solidFill>
+                <a:cs typeface="+mn-ea"/>
+                <a:sym typeface="+mn-lt"/>
+              </a:endParaRPr>
+            </a:p>
+          </p:txBody>
+        </p:sp>
+        <p:sp>
+          <p:nvSpPr>
+            <p:cNvPr id="45" name="平行四边形 44">
+              <a:extLst>
+                <a:ext uri="{FF2B5EF4-FFF2-40B4-BE49-F238E27FC236}">
+                  <a16:creationId xmlns:a16="http://schemas.microsoft.com/office/drawing/2014/main" id="{B78DB060-547A-4081-AC56-25F144593D62}"/>
+                </a:ext>
+              </a:extLst>
+            </p:cNvPr>
+            <p:cNvSpPr/>
+            <p:nvPr/>
+          </p:nvSpPr>
+          <p:spPr>
+            <a:xfrm>
+              <a:off x="9772032" y="703736"/>
+              <a:ext cx="228008" cy="152616"/>
+            </a:xfrm>
+            <a:prstGeom prst="parallelogram">
+              <a:avLst>
+                <a:gd name="adj" fmla="val 85851"/>
+              </a:avLst>
+            </a:prstGeom>
+            <a:solidFill>
+              <a:srgbClr val="00B0F0"/>
+            </a:solidFill>
+            <a:ln>
+              <a:solidFill>
+                <a:srgbClr val="8AC9F2"/>
+              </a:solidFill>
+            </a:ln>
+          </p:spPr>
+          <p:style>
+            <a:lnRef idx="2">
+              <a:schemeClr val="accent1">
+                <a:shade val="50000"/>
+              </a:schemeClr>
+            </a:lnRef>
+            <a:fillRef idx="1">
+              <a:schemeClr val="accent1"/>
+            </a:fillRef>
+            <a:effectRef idx="0">
+              <a:schemeClr val="accent1"/>
+            </a:effectRef>
+            <a:fontRef idx="minor">
+              <a:schemeClr val="lt1"/>
+            </a:fontRef>
+          </p:style>
+          <p:txBody>
+            <a:bodyPr rtlCol="0" anchor="ctr"/>
+            <a:lstStyle/>
+            <a:p>
+              <a:pPr algn="ctr"/>
+              <a:endParaRPr lang="zh-CN" altLang="en-US">
+                <a:solidFill>
+                  <a:srgbClr val="00B0F0"/>
+                </a:solidFill>
+                <a:cs typeface="+mn-ea"/>
+                <a:sym typeface="+mn-lt"/>
+              </a:endParaRPr>
+            </a:p>
+          </p:txBody>
+        </p:sp>
+        <p:sp>
+          <p:nvSpPr>
+            <p:cNvPr id="46" name="平行四边形 45">
+              <a:extLst>
+                <a:ext uri="{FF2B5EF4-FFF2-40B4-BE49-F238E27FC236}">
+                  <a16:creationId xmlns:a16="http://schemas.microsoft.com/office/drawing/2014/main" id="{B6FB55EC-28EF-4984-ACAE-8B4FBA7012B1}"/>
+                </a:ext>
+              </a:extLst>
+            </p:cNvPr>
+            <p:cNvSpPr/>
+            <p:nvPr/>
+          </p:nvSpPr>
+          <p:spPr>
+            <a:xfrm>
+              <a:off x="9913268" y="703736"/>
+              <a:ext cx="228008" cy="152616"/>
+            </a:xfrm>
+            <a:prstGeom prst="parallelogram">
+              <a:avLst>
+                <a:gd name="adj" fmla="val 85851"/>
+              </a:avLst>
+            </a:prstGeom>
+            <a:solidFill>
+              <a:srgbClr val="00B0F0"/>
+            </a:solidFill>
+            <a:ln>
+              <a:solidFill>
+                <a:srgbClr val="8AC9F2"/>
+              </a:solidFill>
+            </a:ln>
+          </p:spPr>
+          <p:style>
+            <a:lnRef idx="2">
+              <a:schemeClr val="accent1">
+                <a:shade val="50000"/>
+              </a:schemeClr>
+            </a:lnRef>
+            <a:fillRef idx="1">
+              <a:schemeClr val="accent1"/>
+            </a:fillRef>
+            <a:effectRef idx="0">
+              <a:schemeClr val="accent1"/>
+            </a:effectRef>
+            <a:fontRef idx="minor">
+              <a:schemeClr val="lt1"/>
+            </a:fontRef>
+          </p:style>
+          <p:txBody>
+            <a:bodyPr rtlCol="0" anchor="ctr"/>
+            <a:lstStyle/>
+            <a:p>
+              <a:pPr algn="ctr"/>
+              <a:endParaRPr lang="zh-CN" altLang="en-US">
+                <a:solidFill>
+                  <a:srgbClr val="00B0F0"/>
+                </a:solidFill>
+                <a:cs typeface="+mn-ea"/>
+                <a:sym typeface="+mn-lt"/>
+              </a:endParaRPr>
+            </a:p>
+          </p:txBody>
+        </p:sp>
+        <p:sp>
+          <p:nvSpPr>
+            <p:cNvPr id="47" name="平行四边形 46">
+              <a:extLst>
+                <a:ext uri="{FF2B5EF4-FFF2-40B4-BE49-F238E27FC236}">
+                  <a16:creationId xmlns:a16="http://schemas.microsoft.com/office/drawing/2014/main" id="{98FE23BF-1420-4367-A998-4C48C30DA5C2}"/>
+                </a:ext>
+              </a:extLst>
+            </p:cNvPr>
+            <p:cNvSpPr/>
+            <p:nvPr/>
+          </p:nvSpPr>
+          <p:spPr>
+            <a:xfrm>
+              <a:off x="10054504" y="703736"/>
+              <a:ext cx="228008" cy="152616"/>
+            </a:xfrm>
+            <a:prstGeom prst="parallelogram">
+              <a:avLst>
+                <a:gd name="adj" fmla="val 85851"/>
+              </a:avLst>
+            </a:prstGeom>
+            <a:solidFill>
+              <a:srgbClr val="00B0F0"/>
+            </a:solidFill>
+            <a:ln>
+              <a:solidFill>
+                <a:srgbClr val="8AC9F2"/>
+              </a:solidFill>
+            </a:ln>
+          </p:spPr>
+          <p:style>
+            <a:lnRef idx="2">
+              <a:schemeClr val="accent1">
+                <a:shade val="50000"/>
+              </a:schemeClr>
+            </a:lnRef>
+            <a:fillRef idx="1">
+              <a:schemeClr val="accent1"/>
+            </a:fillRef>
+            <a:effectRef idx="0">
+              <a:schemeClr val="accent1"/>
+            </a:effectRef>
+            <a:fontRef idx="minor">
+              <a:schemeClr val="lt1"/>
+            </a:fontRef>
+          </p:style>
+          <p:txBody>
+            <a:bodyPr rtlCol="0" anchor="ctr"/>
+            <a:lstStyle/>
+            <a:p>
+              <a:pPr algn="ctr"/>
+              <a:endParaRPr lang="zh-CN" altLang="en-US">
+                <a:solidFill>
+                  <a:srgbClr val="00B0F0"/>
+                </a:solidFill>
+                <a:cs typeface="+mn-ea"/>
+                <a:sym typeface="+mn-lt"/>
+              </a:endParaRPr>
+            </a:p>
+          </p:txBody>
+        </p:sp>
+        <p:sp>
+          <p:nvSpPr>
+            <p:cNvPr id="48" name="平行四边形 47">
+              <a:extLst>
+                <a:ext uri="{FF2B5EF4-FFF2-40B4-BE49-F238E27FC236}">
+                  <a16:creationId xmlns:a16="http://schemas.microsoft.com/office/drawing/2014/main" id="{18B16B14-962F-492B-8F9B-F080D6157525}"/>
+                </a:ext>
+              </a:extLst>
+            </p:cNvPr>
+            <p:cNvSpPr/>
+            <p:nvPr/>
+          </p:nvSpPr>
+          <p:spPr>
+            <a:xfrm>
+              <a:off x="10195740" y="703736"/>
+              <a:ext cx="228008" cy="152616"/>
+            </a:xfrm>
+            <a:prstGeom prst="parallelogram">
+              <a:avLst>
+                <a:gd name="adj" fmla="val 85851"/>
+              </a:avLst>
+            </a:prstGeom>
+            <a:solidFill>
+              <a:srgbClr val="00B0F0"/>
+            </a:solidFill>
+            <a:ln>
+              <a:solidFill>
+                <a:srgbClr val="8AC9F2"/>
+              </a:solidFill>
+            </a:ln>
+          </p:spPr>
+          <p:style>
+            <a:lnRef idx="2">
+              <a:schemeClr val="accent1">
+                <a:shade val="50000"/>
+              </a:schemeClr>
+            </a:lnRef>
+            <a:fillRef idx="1">
+              <a:schemeClr val="accent1"/>
+            </a:fillRef>
+            <a:effectRef idx="0">
+              <a:schemeClr val="accent1"/>
+            </a:effectRef>
+            <a:fontRef idx="minor">
+              <a:schemeClr val="lt1"/>
+            </a:fontRef>
+          </p:style>
+          <p:txBody>
+            <a:bodyPr rtlCol="0" anchor="ctr"/>
+            <a:lstStyle/>
+            <a:p>
+              <a:pPr algn="ctr"/>
+              <a:endParaRPr lang="zh-CN" altLang="en-US">
+                <a:solidFill>
+                  <a:srgbClr val="00B0F0"/>
+                </a:solidFill>
+                <a:cs typeface="+mn-ea"/>
+                <a:sym typeface="+mn-lt"/>
+              </a:endParaRPr>
+            </a:p>
+          </p:txBody>
+        </p:sp>
+        <p:sp>
+          <p:nvSpPr>
+            <p:cNvPr id="49" name="平行四边形 48">
+              <a:extLst>
+                <a:ext uri="{FF2B5EF4-FFF2-40B4-BE49-F238E27FC236}">
+                  <a16:creationId xmlns:a16="http://schemas.microsoft.com/office/drawing/2014/main" id="{195C36B9-C63B-4940-AE3C-F68DF8BA2620}"/>
+                </a:ext>
+              </a:extLst>
+            </p:cNvPr>
+            <p:cNvSpPr/>
+            <p:nvPr/>
+          </p:nvSpPr>
+          <p:spPr>
+            <a:xfrm>
+              <a:off x="10336976" y="703736"/>
+              <a:ext cx="228008" cy="152616"/>
+            </a:xfrm>
+            <a:prstGeom prst="parallelogram">
+              <a:avLst>
+                <a:gd name="adj" fmla="val 85851"/>
+              </a:avLst>
+            </a:prstGeom>
+            <a:solidFill>
+              <a:srgbClr val="00B0F0"/>
+            </a:solidFill>
+            <a:ln>
+              <a:solidFill>
+                <a:srgbClr val="8AC9F2"/>
+              </a:solidFill>
+            </a:ln>
+          </p:spPr>
+          <p:style>
+            <a:lnRef idx="2">
+              <a:schemeClr val="accent1">
+                <a:shade val="50000"/>
+              </a:schemeClr>
+            </a:lnRef>
+            <a:fillRef idx="1">
+              <a:schemeClr val="accent1"/>
+            </a:fillRef>
+            <a:effectRef idx="0">
+              <a:schemeClr val="accent1"/>
+            </a:effectRef>
+            <a:fontRef idx="minor">
+              <a:schemeClr val="lt1"/>
+            </a:fontRef>
+          </p:style>
+          <p:txBody>
+            <a:bodyPr rtlCol="0" anchor="ctr"/>
+            <a:lstStyle/>
+            <a:p>
+              <a:pPr algn="ctr"/>
+              <a:endParaRPr lang="zh-CN" altLang="en-US">
+                <a:solidFill>
+                  <a:srgbClr val="00B0F0"/>
+                </a:solidFill>
+                <a:cs typeface="+mn-ea"/>
+                <a:sym typeface="+mn-lt"/>
+              </a:endParaRPr>
+            </a:p>
+          </p:txBody>
+        </p:sp>
+        <p:sp>
+          <p:nvSpPr>
+            <p:cNvPr id="50" name="平行四边形 49">
+              <a:extLst>
+                <a:ext uri="{FF2B5EF4-FFF2-40B4-BE49-F238E27FC236}">
+                  <a16:creationId xmlns:a16="http://schemas.microsoft.com/office/drawing/2014/main" id="{7813A685-CF74-4CBF-B639-E6D85C5280BE}"/>
+                </a:ext>
+              </a:extLst>
+            </p:cNvPr>
+            <p:cNvSpPr/>
+            <p:nvPr/>
+          </p:nvSpPr>
+          <p:spPr>
+            <a:xfrm>
+              <a:off x="10478212" y="703736"/>
+              <a:ext cx="228008" cy="152616"/>
+            </a:xfrm>
+            <a:prstGeom prst="parallelogram">
+              <a:avLst>
+                <a:gd name="adj" fmla="val 85851"/>
+              </a:avLst>
+            </a:prstGeom>
+            <a:solidFill>
+              <a:srgbClr val="00B0F0"/>
+            </a:solidFill>
+            <a:ln>
+              <a:solidFill>
+                <a:srgbClr val="8AC9F2"/>
+              </a:solidFill>
+            </a:ln>
+          </p:spPr>
+          <p:style>
+            <a:lnRef idx="2">
+              <a:schemeClr val="accent1">
+                <a:shade val="50000"/>
+              </a:schemeClr>
+            </a:lnRef>
+            <a:fillRef idx="1">
+              <a:schemeClr val="accent1"/>
+            </a:fillRef>
+            <a:effectRef idx="0">
+              <a:schemeClr val="accent1"/>
+            </a:effectRef>
+            <a:fontRef idx="minor">
+              <a:schemeClr val="lt1"/>
+            </a:fontRef>
+          </p:style>
+          <p:txBody>
+            <a:bodyPr rtlCol="0" anchor="ctr"/>
+            <a:lstStyle/>
+            <a:p>
+              <a:pPr algn="ctr"/>
+              <a:endParaRPr lang="zh-CN" altLang="en-US">
+                <a:solidFill>
+                  <a:srgbClr val="00B0F0"/>
+                </a:solidFill>
+                <a:cs typeface="+mn-ea"/>
+                <a:sym typeface="+mn-lt"/>
+              </a:endParaRPr>
+            </a:p>
+          </p:txBody>
+        </p:sp>
+        <p:sp>
+          <p:nvSpPr>
+            <p:cNvPr id="51" name="平行四边形 50">
+              <a:extLst>
+                <a:ext uri="{FF2B5EF4-FFF2-40B4-BE49-F238E27FC236}">
+                  <a16:creationId xmlns:a16="http://schemas.microsoft.com/office/drawing/2014/main" id="{C21C4AC7-C51A-4EF7-8754-9B0EEA3CE171}"/>
+                </a:ext>
+              </a:extLst>
+            </p:cNvPr>
+            <p:cNvSpPr/>
+            <p:nvPr/>
+          </p:nvSpPr>
+          <p:spPr>
+            <a:xfrm>
+              <a:off x="10619448" y="703736"/>
+              <a:ext cx="228008" cy="152616"/>
+            </a:xfrm>
+            <a:prstGeom prst="parallelogram">
+              <a:avLst>
+                <a:gd name="adj" fmla="val 85851"/>
+              </a:avLst>
+            </a:prstGeom>
+            <a:solidFill>
+              <a:srgbClr val="00B0F0"/>
+            </a:solidFill>
+            <a:ln>
+              <a:solidFill>
+                <a:srgbClr val="8AC9F2"/>
+              </a:solidFill>
+            </a:ln>
+          </p:spPr>
+          <p:style>
+            <a:lnRef idx="2">
+              <a:schemeClr val="accent1">
+                <a:shade val="50000"/>
+              </a:schemeClr>
+            </a:lnRef>
+            <a:fillRef idx="1">
+              <a:schemeClr val="accent1"/>
+            </a:fillRef>
+            <a:effectRef idx="0">
+              <a:schemeClr val="accent1"/>
+            </a:effectRef>
+            <a:fontRef idx="minor">
+              <a:schemeClr val="lt1"/>
+            </a:fontRef>
+          </p:style>
+          <p:txBody>
+            <a:bodyPr rtlCol="0" anchor="ctr"/>
+            <a:lstStyle/>
+            <a:p>
+              <a:pPr algn="ctr"/>
+              <a:endParaRPr lang="zh-CN" altLang="en-US">
+                <a:solidFill>
+                  <a:srgbClr val="00B0F0"/>
+                </a:solidFill>
+                <a:cs typeface="+mn-ea"/>
+                <a:sym typeface="+mn-lt"/>
+              </a:endParaRPr>
+            </a:p>
+          </p:txBody>
+        </p:sp>
+        <p:sp>
+          <p:nvSpPr>
+            <p:cNvPr id="52" name="平行四边形 51">
+              <a:extLst>
+                <a:ext uri="{FF2B5EF4-FFF2-40B4-BE49-F238E27FC236}">
+                  <a16:creationId xmlns:a16="http://schemas.microsoft.com/office/drawing/2014/main" id="{198ADC9E-54F0-4588-B7AA-E18E8E7CDFDF}"/>
+                </a:ext>
+              </a:extLst>
+            </p:cNvPr>
+            <p:cNvSpPr/>
+            <p:nvPr/>
+          </p:nvSpPr>
+          <p:spPr>
+            <a:xfrm>
+              <a:off x="10760684" y="703736"/>
+              <a:ext cx="228008" cy="152616"/>
+            </a:xfrm>
+            <a:prstGeom prst="parallelogram">
+              <a:avLst>
+                <a:gd name="adj" fmla="val 85851"/>
+              </a:avLst>
+            </a:prstGeom>
+            <a:solidFill>
+              <a:srgbClr val="00B0F0"/>
+            </a:solidFill>
+            <a:ln>
+              <a:solidFill>
+                <a:srgbClr val="8AC9F2"/>
+              </a:solidFill>
+            </a:ln>
+          </p:spPr>
+          <p:style>
+            <a:lnRef idx="2">
+              <a:schemeClr val="accent1">
+                <a:shade val="50000"/>
+              </a:schemeClr>
+            </a:lnRef>
+            <a:fillRef idx="1">
+              <a:schemeClr val="accent1"/>
+            </a:fillRef>
+            <a:effectRef idx="0">
+              <a:schemeClr val="accent1"/>
+            </a:effectRef>
+            <a:fontRef idx="minor">
+              <a:schemeClr val="lt1"/>
+            </a:fontRef>
+          </p:style>
+          <p:txBody>
+            <a:bodyPr rtlCol="0" anchor="ctr"/>
+            <a:lstStyle/>
+            <a:p>
+              <a:pPr algn="ctr"/>
+              <a:endParaRPr lang="zh-CN" altLang="en-US">
+                <a:solidFill>
+                  <a:srgbClr val="00B0F0"/>
+                </a:solidFill>
+                <a:cs typeface="+mn-ea"/>
+                <a:sym typeface="+mn-lt"/>
+              </a:endParaRPr>
+            </a:p>
+          </p:txBody>
+        </p:sp>
+        <p:sp>
+          <p:nvSpPr>
+            <p:cNvPr id="53" name="平行四边形 52">
+              <a:extLst>
+                <a:ext uri="{FF2B5EF4-FFF2-40B4-BE49-F238E27FC236}">
+                  <a16:creationId xmlns:a16="http://schemas.microsoft.com/office/drawing/2014/main" id="{DE316397-B0D0-4A14-9339-C2D566FB9890}"/>
+                </a:ext>
+              </a:extLst>
+            </p:cNvPr>
+            <p:cNvSpPr/>
+            <p:nvPr/>
+          </p:nvSpPr>
+          <p:spPr>
+            <a:xfrm>
+              <a:off x="10901920" y="703736"/>
+              <a:ext cx="228008" cy="152616"/>
+            </a:xfrm>
+            <a:prstGeom prst="parallelogram">
+              <a:avLst>
+                <a:gd name="adj" fmla="val 85851"/>
+              </a:avLst>
+            </a:prstGeom>
+            <a:solidFill>
+              <a:srgbClr val="00B0F0"/>
+            </a:solidFill>
+            <a:ln>
+              <a:solidFill>
+                <a:srgbClr val="8AC9F2"/>
+              </a:solidFill>
+            </a:ln>
+          </p:spPr>
+          <p:style>
+            <a:lnRef idx="2">
+              <a:schemeClr val="accent1">
+                <a:shade val="50000"/>
+              </a:schemeClr>
+            </a:lnRef>
+            <a:fillRef idx="1">
+              <a:schemeClr val="accent1"/>
+            </a:fillRef>
+            <a:effectRef idx="0">
+              <a:schemeClr val="accent1"/>
+            </a:effectRef>
+            <a:fontRef idx="minor">
+              <a:schemeClr val="lt1"/>
+            </a:fontRef>
+          </p:style>
+          <p:txBody>
+            <a:bodyPr rtlCol="0" anchor="ctr"/>
+            <a:lstStyle/>
+            <a:p>
+              <a:pPr algn="ctr"/>
+              <a:endParaRPr lang="zh-CN" altLang="en-US">
+                <a:solidFill>
+                  <a:srgbClr val="00B0F0"/>
+                </a:solidFill>
+                <a:cs typeface="+mn-ea"/>
+                <a:sym typeface="+mn-lt"/>
+              </a:endParaRPr>
+            </a:p>
+          </p:txBody>
+        </p:sp>
+        <p:sp>
+          <p:nvSpPr>
+            <p:cNvPr id="54" name="平行四边形 53">
+              <a:extLst>
+                <a:ext uri="{FF2B5EF4-FFF2-40B4-BE49-F238E27FC236}">
+                  <a16:creationId xmlns:a16="http://schemas.microsoft.com/office/drawing/2014/main" id="{62AEF47F-8546-42A2-8182-0403305C7CCC}"/>
+                </a:ext>
+              </a:extLst>
+            </p:cNvPr>
+            <p:cNvSpPr/>
+            <p:nvPr/>
+          </p:nvSpPr>
+          <p:spPr>
+            <a:xfrm>
+              <a:off x="11043156" y="703736"/>
+              <a:ext cx="228008" cy="152616"/>
+            </a:xfrm>
+            <a:prstGeom prst="parallelogram">
+              <a:avLst>
+                <a:gd name="adj" fmla="val 85851"/>
+              </a:avLst>
+            </a:prstGeom>
+            <a:solidFill>
+              <a:srgbClr val="00B0F0"/>
+            </a:solidFill>
+            <a:ln>
+              <a:solidFill>
+                <a:srgbClr val="8AC9F2"/>
+              </a:solidFill>
+            </a:ln>
+          </p:spPr>
+          <p:style>
+            <a:lnRef idx="2">
+              <a:schemeClr val="accent1">
+                <a:shade val="50000"/>
+              </a:schemeClr>
+            </a:lnRef>
+            <a:fillRef idx="1">
+              <a:schemeClr val="accent1"/>
+            </a:fillRef>
+            <a:effectRef idx="0">
+              <a:schemeClr val="accent1"/>
+            </a:effectRef>
+            <a:fontRef idx="minor">
+              <a:schemeClr val="lt1"/>
+            </a:fontRef>
+          </p:style>
+          <p:txBody>
+            <a:bodyPr rtlCol="0" anchor="ctr"/>
+            <a:lstStyle/>
+            <a:p>
+              <a:pPr algn="ctr"/>
+              <a:endParaRPr lang="zh-CN" altLang="en-US">
+                <a:solidFill>
+                  <a:srgbClr val="00B0F0"/>
+                </a:solidFill>
+                <a:cs typeface="+mn-ea"/>
+                <a:sym typeface="+mn-lt"/>
+              </a:endParaRPr>
+            </a:p>
+          </p:txBody>
+        </p:sp>
+        <p:sp>
+          <p:nvSpPr>
+            <p:cNvPr id="55" name="平行四边形 54">
+              <a:extLst>
+                <a:ext uri="{FF2B5EF4-FFF2-40B4-BE49-F238E27FC236}">
+                  <a16:creationId xmlns:a16="http://schemas.microsoft.com/office/drawing/2014/main" id="{F2F61E24-12BB-4EAB-BB42-E3721ED463D0}"/>
+                </a:ext>
+              </a:extLst>
+            </p:cNvPr>
+            <p:cNvSpPr/>
+            <p:nvPr/>
+          </p:nvSpPr>
+          <p:spPr>
+            <a:xfrm>
+              <a:off x="11184392" y="703736"/>
+              <a:ext cx="228008" cy="152616"/>
+            </a:xfrm>
+            <a:prstGeom prst="parallelogram">
+              <a:avLst>
+                <a:gd name="adj" fmla="val 85851"/>
+              </a:avLst>
+            </a:prstGeom>
+            <a:solidFill>
+              <a:srgbClr val="00B0F0"/>
+            </a:solidFill>
+            <a:ln>
+              <a:solidFill>
+                <a:srgbClr val="8AC9F2"/>
+              </a:solidFill>
+            </a:ln>
+          </p:spPr>
+          <p:style>
+            <a:lnRef idx="2">
+              <a:schemeClr val="accent1">
+                <a:shade val="50000"/>
+              </a:schemeClr>
+            </a:lnRef>
+            <a:fillRef idx="1">
+              <a:schemeClr val="accent1"/>
+            </a:fillRef>
+            <a:effectRef idx="0">
+              <a:schemeClr val="accent1"/>
+            </a:effectRef>
+            <a:fontRef idx="minor">
+              <a:schemeClr val="lt1"/>
+            </a:fontRef>
+          </p:style>
+          <p:txBody>
+            <a:bodyPr rtlCol="0" anchor="ctr"/>
+            <a:lstStyle/>
+            <a:p>
+              <a:pPr algn="ctr"/>
+              <a:endParaRPr lang="zh-CN" altLang="en-US">
+                <a:solidFill>
+                  <a:srgbClr val="00B0F0"/>
+                </a:solidFill>
+                <a:cs typeface="+mn-ea"/>
+                <a:sym typeface="+mn-lt"/>
+              </a:endParaRPr>
+            </a:p>
+          </p:txBody>
+        </p:sp>
+        <p:sp>
+          <p:nvSpPr>
+            <p:cNvPr id="56" name="平行四边形 55">
+              <a:extLst>
+                <a:ext uri="{FF2B5EF4-FFF2-40B4-BE49-F238E27FC236}">
+                  <a16:creationId xmlns:a16="http://schemas.microsoft.com/office/drawing/2014/main" id="{4A161F1F-711D-4352-BA52-4885653953E7}"/>
+                </a:ext>
+              </a:extLst>
+            </p:cNvPr>
+            <p:cNvSpPr/>
+            <p:nvPr/>
+          </p:nvSpPr>
+          <p:spPr>
+            <a:xfrm>
+              <a:off x="11325628" y="703736"/>
+              <a:ext cx="228008" cy="152616"/>
+            </a:xfrm>
+            <a:prstGeom prst="parallelogram">
+              <a:avLst>
+                <a:gd name="adj" fmla="val 85851"/>
+              </a:avLst>
+            </a:prstGeom>
+            <a:solidFill>
+              <a:srgbClr val="00B0F0"/>
+            </a:solidFill>
+            <a:ln>
+              <a:solidFill>
+                <a:srgbClr val="8AC9F2"/>
+              </a:solidFill>
+            </a:ln>
+          </p:spPr>
+          <p:style>
+            <a:lnRef idx="2">
+              <a:schemeClr val="accent1">
+                <a:shade val="50000"/>
+              </a:schemeClr>
+            </a:lnRef>
+            <a:fillRef idx="1">
+              <a:schemeClr val="accent1"/>
+            </a:fillRef>
+            <a:effectRef idx="0">
+              <a:schemeClr val="accent1"/>
+            </a:effectRef>
+            <a:fontRef idx="minor">
+              <a:schemeClr val="lt1"/>
+            </a:fontRef>
+          </p:style>
+          <p:txBody>
+            <a:bodyPr rtlCol="0" anchor="ctr"/>
+            <a:lstStyle/>
+            <a:p>
+              <a:pPr algn="ctr"/>
+              <a:endParaRPr lang="zh-CN" altLang="en-US">
+                <a:solidFill>
+                  <a:srgbClr val="00B0F0"/>
+                </a:solidFill>
+                <a:cs typeface="+mn-ea"/>
+                <a:sym typeface="+mn-lt"/>
+              </a:endParaRPr>
+            </a:p>
+          </p:txBody>
+        </p:sp>
+        <p:sp>
+          <p:nvSpPr>
+            <p:cNvPr id="57" name="平行四边形 56">
+              <a:extLst>
+                <a:ext uri="{FF2B5EF4-FFF2-40B4-BE49-F238E27FC236}">
+                  <a16:creationId xmlns:a16="http://schemas.microsoft.com/office/drawing/2014/main" id="{A2C88A09-38D8-4963-B496-BE9965209C66}"/>
+                </a:ext>
+              </a:extLst>
+            </p:cNvPr>
+            <p:cNvSpPr/>
+            <p:nvPr/>
+          </p:nvSpPr>
+          <p:spPr>
+            <a:xfrm>
+              <a:off x="11466864" y="703736"/>
+              <a:ext cx="228008" cy="152616"/>
+            </a:xfrm>
+            <a:prstGeom prst="parallelogram">
+              <a:avLst>
+                <a:gd name="adj" fmla="val 85851"/>
+              </a:avLst>
+            </a:prstGeom>
+            <a:solidFill>
+              <a:srgbClr val="00B0F0"/>
+            </a:solidFill>
+            <a:ln>
+              <a:solidFill>
+                <a:srgbClr val="8AC9F2"/>
+              </a:solidFill>
+            </a:ln>
+          </p:spPr>
+          <p:style>
+            <a:lnRef idx="2">
+              <a:schemeClr val="accent1">
+                <a:shade val="50000"/>
+              </a:schemeClr>
+            </a:lnRef>
+            <a:fillRef idx="1">
+              <a:schemeClr val="accent1"/>
+            </a:fillRef>
+            <a:effectRef idx="0">
+              <a:schemeClr val="accent1"/>
+            </a:effectRef>
+            <a:fontRef idx="minor">
+              <a:schemeClr val="lt1"/>
+            </a:fontRef>
+          </p:style>
+          <p:txBody>
+            <a:bodyPr rtlCol="0" anchor="ctr"/>
+            <a:lstStyle/>
+            <a:p>
+              <a:pPr algn="ctr"/>
+              <a:endParaRPr lang="zh-CN" altLang="en-US">
+                <a:solidFill>
+                  <a:srgbClr val="00B0F0"/>
+                </a:solidFill>
+                <a:cs typeface="+mn-ea"/>
+                <a:sym typeface="+mn-lt"/>
+              </a:endParaRPr>
+            </a:p>
+          </p:txBody>
+        </p:sp>
+        <p:sp>
+          <p:nvSpPr>
+            <p:cNvPr id="58" name="平行四边形 57">
+              <a:extLst>
+                <a:ext uri="{FF2B5EF4-FFF2-40B4-BE49-F238E27FC236}">
+                  <a16:creationId xmlns:a16="http://schemas.microsoft.com/office/drawing/2014/main" id="{88D3835D-ECB1-409D-86ED-2C238D2A9278}"/>
+                </a:ext>
+              </a:extLst>
+            </p:cNvPr>
+            <p:cNvSpPr/>
+            <p:nvPr/>
+          </p:nvSpPr>
+          <p:spPr>
+            <a:xfrm>
+              <a:off x="11608100" y="703736"/>
+              <a:ext cx="228008" cy="152616"/>
+            </a:xfrm>
+            <a:prstGeom prst="parallelogram">
+              <a:avLst>
+                <a:gd name="adj" fmla="val 85851"/>
+              </a:avLst>
+            </a:prstGeom>
+            <a:solidFill>
+              <a:srgbClr val="00B0F0"/>
+            </a:solidFill>
+            <a:ln>
+              <a:solidFill>
+                <a:srgbClr val="8AC9F2"/>
+              </a:solidFill>
+            </a:ln>
+          </p:spPr>
+          <p:style>
+            <a:lnRef idx="2">
+              <a:schemeClr val="accent1">
+                <a:shade val="50000"/>
+              </a:schemeClr>
+            </a:lnRef>
+            <a:fillRef idx="1">
+              <a:schemeClr val="accent1"/>
+            </a:fillRef>
+            <a:effectRef idx="0">
+              <a:schemeClr val="accent1"/>
+            </a:effectRef>
+            <a:fontRef idx="minor">
+              <a:schemeClr val="lt1"/>
+            </a:fontRef>
+          </p:style>
+          <p:txBody>
+            <a:bodyPr rtlCol="0" anchor="ctr"/>
+            <a:lstStyle/>
+            <a:p>
+              <a:pPr algn="ctr"/>
+              <a:endParaRPr lang="zh-CN" altLang="en-US">
+                <a:solidFill>
+                  <a:srgbClr val="00B0F0"/>
+                </a:solidFill>
+                <a:cs typeface="+mn-ea"/>
+                <a:sym typeface="+mn-lt"/>
+              </a:endParaRPr>
+            </a:p>
+          </p:txBody>
+        </p:sp>
+        <p:sp>
+          <p:nvSpPr>
+            <p:cNvPr id="59" name="平行四边形 58">
+              <a:extLst>
+                <a:ext uri="{FF2B5EF4-FFF2-40B4-BE49-F238E27FC236}">
+                  <a16:creationId xmlns:a16="http://schemas.microsoft.com/office/drawing/2014/main" id="{FC80CD4B-F966-42FF-B384-24F185E19474}"/>
+                </a:ext>
+              </a:extLst>
+            </p:cNvPr>
+            <p:cNvSpPr/>
+            <p:nvPr/>
+          </p:nvSpPr>
+          <p:spPr>
+            <a:xfrm>
+              <a:off x="11749332" y="703736"/>
+              <a:ext cx="228008" cy="152616"/>
+            </a:xfrm>
+            <a:prstGeom prst="parallelogram">
+              <a:avLst>
+                <a:gd name="adj" fmla="val 85851"/>
+              </a:avLst>
+            </a:prstGeom>
+            <a:solidFill>
+              <a:srgbClr val="00B0F0"/>
+            </a:solidFill>
+            <a:ln>
+              <a:solidFill>
+                <a:srgbClr val="8AC9F2"/>
+              </a:solidFill>
+            </a:ln>
+          </p:spPr>
+          <p:style>
+            <a:lnRef idx="2">
+              <a:schemeClr val="accent1">
+                <a:shade val="50000"/>
+              </a:schemeClr>
+            </a:lnRef>
+            <a:fillRef idx="1">
+              <a:schemeClr val="accent1"/>
+            </a:fillRef>
+            <a:effectRef idx="0">
+              <a:schemeClr val="accent1"/>
+            </a:effectRef>
+            <a:fontRef idx="minor">
+              <a:schemeClr val="lt1"/>
+            </a:fontRef>
+          </p:style>
+          <p:txBody>
+            <a:bodyPr rtlCol="0" anchor="ctr"/>
+            <a:lstStyle/>
+            <a:p>
+              <a:pPr algn="ctr"/>
+              <a:endParaRPr lang="zh-CN" altLang="en-US">
+                <a:solidFill>
+                  <a:srgbClr val="00B0F0"/>
+                </a:solidFill>
+                <a:cs typeface="+mn-ea"/>
+                <a:sym typeface="+mn-lt"/>
+              </a:endParaRPr>
+            </a:p>
+          </p:txBody>
+        </p:sp>
+      </p:grpSp>
+      <p:pic>
+        <p:nvPicPr>
+          <p:cNvPr id="61" name="图片 60">
+            <a:extLst>
+              <a:ext uri="{FF2B5EF4-FFF2-40B4-BE49-F238E27FC236}">
+                <a16:creationId xmlns:a16="http://schemas.microsoft.com/office/drawing/2014/main" id="{2E72300A-D5D3-462F-8050-6A2053A9B321}"/>
+              </a:ext>
+            </a:extLst>
+          </p:cNvPr>
+          <p:cNvPicPr>
+            <a:picLocks noChangeAspect="1"/>
+          </p:cNvPicPr>
+          <p:nvPr/>
+        </p:nvPicPr>
+        <p:blipFill rotWithShape="1">
+          <a:blip r:embed="rId3" cstate="screen">
+            <a:extLst>
+              <a:ext uri="{28A0092B-C50C-407E-A947-70E740481C1C}">
+                <a14:useLocalDpi xmlns:a14="http://schemas.microsoft.com/office/drawing/2010/main"/>
+              </a:ext>
+            </a:extLst>
+          </a:blip>
+          <a:srcRect/>
+          <a:stretch/>
+        </p:blipFill>
+        <p:spPr>
+          <a:xfrm rot="5400000">
+            <a:off x="7541908" y="-263462"/>
+            <a:ext cx="2172006" cy="2698930"/>
+          </a:xfrm>
+          <a:prstGeom prst="rect">
+            <a:avLst/>
+          </a:prstGeom>
+        </p:spPr>
+      </p:pic>
+      <p:pic>
+        <p:nvPicPr>
+          <p:cNvPr id="62" name="图片 61">
+            <a:extLst>
+              <a:ext uri="{FF2B5EF4-FFF2-40B4-BE49-F238E27FC236}">
+                <a16:creationId xmlns:a16="http://schemas.microsoft.com/office/drawing/2014/main" id="{6CF64242-10FE-4CB2-9B7B-208A9DF881BD}"/>
+              </a:ext>
+            </a:extLst>
+          </p:cNvPr>
+          <p:cNvPicPr>
+            <a:picLocks noChangeAspect="1"/>
+          </p:cNvPicPr>
+          <p:nvPr/>
+        </p:nvPicPr>
+        <p:blipFill rotWithShape="1">
+          <a:blip r:embed="rId4" cstate="screen">
+            <a:extLst>
+              <a:ext uri="{28A0092B-C50C-407E-A947-70E740481C1C}">
+                <a14:useLocalDpi xmlns:a14="http://schemas.microsoft.com/office/drawing/2010/main"/>
+              </a:ext>
+            </a:extLst>
+          </a:blip>
+          <a:srcRect/>
+          <a:stretch/>
+        </p:blipFill>
+        <p:spPr>
+          <a:xfrm rot="5400000" flipH="1" flipV="1">
+            <a:off x="1861834" y="4418272"/>
+            <a:ext cx="2175805" cy="2703651"/>
+          </a:xfrm>
+          <a:prstGeom prst="rect">
+            <a:avLst/>
+          </a:prstGeom>
+        </p:spPr>
+      </p:pic>
+    </p:spTree>
+    <p:extLst>
+      <p:ext uri="{BB962C8B-B14F-4D97-AF65-F5344CB8AC3E}">
+        <p14:creationId xmlns:p14="http://schemas.microsoft.com/office/powerpoint/2010/main" val="2035741295"/>
+      </p:ext>
+    </p:extLst>
+  </p:cSld>
+  <p:clrMapOvr>
+    <a:masterClrMapping/>
+  </p:clrMapOvr>
+  <mc:AlternateContent xmlns:mc="http://schemas.openxmlformats.org/markup-compatibility/2006" xmlns:p14="http://schemas.microsoft.com/office/powerpoint/2010/main">
+    <mc:Choice Requires="p14">
+      <p:transition p14:dur="250">
+        <p:fade/>
+      </p:transition>
+    </mc:Choice>
+    <mc:Fallback xmlns="">
+      <p:transition>
+        <p:fade/>
+      </p:transition>
+    </mc:Fallback>
+  </mc:AlternateContent>
+  <p:timing>
+    <p:tnLst>
+      <p:par>
+        <p:cTn id="1" dur="indefinite" restart="never" nodeType="tmRoot">
+          <p:childTnLst>
+            <p:seq concurrent="1" nextAc="seek">
+              <p:cTn id="2" dur="indefinite" nodeType="mainSeq">
+                <p:childTnLst>
+                  <p:par>
+                    <p:cTn id="3" fill="hold">
+                      <p:stCondLst>
+                        <p:cond delay="indefinite"/>
+                        <p:cond evt="onBegin" delay="0">
+                          <p:tn val="2"/>
+                        </p:cond>
+                      </p:stCondLst>
+                      <p:childTnLst>
+                        <p:par>
+                          <p:cTn id="4" fill="hold">
+                            <p:stCondLst>
+                              <p:cond delay="0"/>
+                            </p:stCondLst>
+                            <p:childTnLst>
+                              <p:par>
+                                <p:cTn id="5" presetID="14" presetClass="entr" presetSubtype="10" fill="hold" nodeType="withEffect">
+                                  <p:stCondLst>
+                                    <p:cond delay="0"/>
+                                  </p:stCondLst>
+                                  <p:childTnLst>
+                                    <p:set>
+                                      <p:cBhvr>
+                                        <p:cTn id="6" dur="1" fill="hold">
+                                          <p:stCondLst>
+                                            <p:cond delay="0"/>
+                                          </p:stCondLst>
+                                        </p:cTn>
+                                        <p:tgtEl>
+                                          <p:spTgt spid="61"/>
+                                        </p:tgtEl>
+                                        <p:attrNameLst>
+                                          <p:attrName>style.visibility</p:attrName>
+                                        </p:attrNameLst>
+                                      </p:cBhvr>
+                                      <p:to>
+                                        <p:strVal val="visible"/>
+                                      </p:to>
+                                    </p:set>
+                                    <p:animEffect transition="in" filter="randombar(horizontal)">
+                                      <p:cBhvr>
+                                        <p:cTn id="7" dur="500"/>
+                                        <p:tgtEl>
+                                          <p:spTgt spid="61"/>
+                                        </p:tgtEl>
+                                      </p:cBhvr>
+                                    </p:animEffect>
+                                  </p:childTnLst>
+                                </p:cTn>
+                              </p:par>
+                              <p:par>
+                                <p:cTn id="8" presetID="14" presetClass="entr" presetSubtype="10" fill="hold" nodeType="withEffect">
+                                  <p:stCondLst>
+                                    <p:cond delay="0"/>
+                                  </p:stCondLst>
+                                  <p:childTnLst>
+                                    <p:set>
+                                      <p:cBhvr>
+                                        <p:cTn id="9" dur="1" fill="hold">
+                                          <p:stCondLst>
+                                            <p:cond delay="0"/>
+                                          </p:stCondLst>
+                                        </p:cTn>
+                                        <p:tgtEl>
+                                          <p:spTgt spid="62"/>
+                                        </p:tgtEl>
+                                        <p:attrNameLst>
+                                          <p:attrName>style.visibility</p:attrName>
+                                        </p:attrNameLst>
+                                      </p:cBhvr>
+                                      <p:to>
+                                        <p:strVal val="visible"/>
+                                      </p:to>
+                                    </p:set>
+                                    <p:animEffect transition="in" filter="randombar(horizontal)">
+                                      <p:cBhvr>
+                                        <p:cTn id="10" dur="500"/>
+                                        <p:tgtEl>
+                                          <p:spTgt spid="62"/>
+                                        </p:tgtEl>
+                                      </p:cBhvr>
+                                    </p:animEffect>
+                                  </p:childTnLst>
+                                </p:cTn>
+                              </p:par>
+                              <p:par>
+                                <p:cTn id="11" presetID="42" presetClass="entr" presetSubtype="0" fill="hold" nodeType="withEffect">
+                                  <p:stCondLst>
+                                    <p:cond delay="0"/>
+                                  </p:stCondLst>
+                                  <p:childTnLst>
+                                    <p:set>
+                                      <p:cBhvr>
+                                        <p:cTn id="12" dur="1" fill="hold">
+                                          <p:stCondLst>
+                                            <p:cond delay="0"/>
+                                          </p:stCondLst>
+                                        </p:cTn>
+                                        <p:tgtEl>
+                                          <p:spTgt spid="25"/>
+                                        </p:tgtEl>
+                                        <p:attrNameLst>
+                                          <p:attrName>style.visibility</p:attrName>
+                                        </p:attrNameLst>
+                                      </p:cBhvr>
+                                      <p:to>
+                                        <p:strVal val="visible"/>
+                                      </p:to>
+                                    </p:set>
+                                    <p:animEffect transition="in" filter="fade">
+                                      <p:cBhvr>
+                                        <p:cTn id="13" dur="500"/>
+                                        <p:tgtEl>
+                                          <p:spTgt spid="25"/>
+                                        </p:tgtEl>
+                                      </p:cBhvr>
+                                    </p:animEffect>
+                                    <p:anim calcmode="lin" valueType="num">
+                                      <p:cBhvr>
+                                        <p:cTn id="14" dur="500" fill="hold"/>
+                                        <p:tgtEl>
+                                          <p:spTgt spid="25"/>
+                                        </p:tgtEl>
+                                        <p:attrNameLst>
+                                          <p:attrName>ppt_x</p:attrName>
+                                        </p:attrNameLst>
+                                      </p:cBhvr>
+                                      <p:tavLst>
+                                        <p:tav tm="0">
+                                          <p:val>
+                                            <p:strVal val="#ppt_x"/>
+                                          </p:val>
+                                        </p:tav>
+                                        <p:tav tm="100000">
+                                          <p:val>
+                                            <p:strVal val="#ppt_x"/>
+                                          </p:val>
+                                        </p:tav>
+                                      </p:tavLst>
+                                    </p:anim>
+                                    <p:anim calcmode="lin" valueType="num">
+                                      <p:cBhvr>
+                                        <p:cTn id="15" dur="500" fill="hold"/>
+                                        <p:tgtEl>
+                                          <p:spTgt spid="25"/>
+                                        </p:tgtEl>
+                                        <p:attrNameLst>
+                                          <p:attrName>ppt_y</p:attrName>
+                                        </p:attrNameLst>
+                                      </p:cBhvr>
+                                      <p:tavLst>
+                                        <p:tav tm="0">
+                                          <p:val>
+                                            <p:strVal val="#ppt_y+.1"/>
+                                          </p:val>
+                                        </p:tav>
+                                        <p:tav tm="100000">
+                                          <p:val>
+                                            <p:strVal val="#ppt_y"/>
+                                          </p:val>
+                                        </p:tav>
+                                      </p:tavLst>
+                                    </p:anim>
+                                  </p:childTnLst>
+                                </p:cTn>
+                              </p:par>
+                              <p:par>
+                                <p:cTn id="16" presetID="14" presetClass="entr" presetSubtype="10" fill="hold" grpId="0" nodeType="withEffect">
+                                  <p:stCondLst>
+                                    <p:cond delay="0"/>
+                                  </p:stCondLst>
+                                  <p:childTnLst>
+                                    <p:set>
+                                      <p:cBhvr>
+                                        <p:cTn id="17" dur="1" fill="hold">
+                                          <p:stCondLst>
+                                            <p:cond delay="0"/>
+                                          </p:stCondLst>
+                                        </p:cTn>
+                                        <p:tgtEl>
+                                          <p:spTgt spid="23"/>
+                                        </p:tgtEl>
+                                        <p:attrNameLst>
+                                          <p:attrName>style.visibility</p:attrName>
+                                        </p:attrNameLst>
+                                      </p:cBhvr>
+                                      <p:to>
+                                        <p:strVal val="visible"/>
+                                      </p:to>
+                                    </p:set>
+                                    <p:animEffect transition="in" filter="randombar(horizontal)">
+                                      <p:cBhvr>
+                                        <p:cTn id="18" dur="500"/>
+                                        <p:tgtEl>
+                                          <p:spTgt spid="23"/>
+                                        </p:tgtEl>
+                                      </p:cBhvr>
+                                    </p:animEffect>
+                                  </p:childTnLst>
+                                </p:cTn>
+                              </p:par>
+                            </p:childTnLst>
+                          </p:cTn>
+                        </p:par>
+                      </p:childTnLst>
+                    </p:cTn>
+                  </p:par>
+                </p:childTnLst>
+              </p:cTn>
+              <p:prevCondLst>
+                <p:cond evt="onPrev" delay="0">
+                  <p:tgtEl>
+                    <p:sldTgt/>
+                  </p:tgtEl>
+                </p:cond>
+              </p:prevCondLst>
+              <p:nextCondLst>
+                <p:cond evt="onNext" delay="0">
+                  <p:tgtEl>
+                    <p:sldTgt/>
+                  </p:tgtEl>
+                </p:cond>
+              </p:nextCondLst>
+            </p:seq>
+          </p:childTnLst>
+        </p:cTn>
+      </p:par>
+    </p:tnLst>
+    <p:bldLst>
+      <p:bldP spid="23" grpId="0"/>
+    </p:bldLst>
+  </p:timing>
+</p:sld>
+</file>
+
+<file path=ppt/slides/slide11.xml><?xml version="1.0" encoding="utf-8"?>
 <p:sld xmlns:a="http://schemas.openxmlformats.org/drawingml/2006/main" xmlns:r="http://schemas.openxmlformats.org/officeDocument/2006/relationships" xmlns:p="http://schemas.openxmlformats.org/presentationml/2006/main">
   <p:cSld>
     <p:spTree>
@@ -6585,7 +9169,7 @@
 </p:sld>
 </file>
 
-<file path=ppt/slides/slide11.xml><?xml version="1.0" encoding="utf-8"?>
+<file path=ppt/slides/slide12.xml><?xml version="1.0" encoding="utf-8"?>
 <p:sld xmlns:a="http://schemas.openxmlformats.org/drawingml/2006/main" xmlns:r="http://schemas.openxmlformats.org/officeDocument/2006/relationships" xmlns:p="http://schemas.openxmlformats.org/presentationml/2006/main">
   <p:cSld>
     <p:spTree>
@@ -8686,7 +11270,7 @@
 </p:sld>
 </file>
 
-<file path=ppt/slides/slide12.xml><?xml version="1.0" encoding="utf-8"?>
+<file path=ppt/slides/slide13.xml><?xml version="1.0" encoding="utf-8"?>
 <p:sld xmlns:a="http://schemas.openxmlformats.org/drawingml/2006/main" xmlns:r="http://schemas.openxmlformats.org/officeDocument/2006/relationships" xmlns:p="http://schemas.openxmlformats.org/presentationml/2006/main">
   <p:cSld>
     <p:spTree>
@@ -10800,7 +13384,7 @@
 </p:sld>
 </file>
 
-<file path=ppt/slides/slide13.xml><?xml version="1.0" encoding="utf-8"?>
+<file path=ppt/slides/slide14.xml><?xml version="1.0" encoding="utf-8"?>
 <p:sld xmlns:a="http://schemas.openxmlformats.org/drawingml/2006/main" xmlns:r="http://schemas.openxmlformats.org/officeDocument/2006/relationships" xmlns:p="http://schemas.openxmlformats.org/presentationml/2006/main">
   <p:cSld>
     <p:spTree>
@@ -12854,7 +15438,7 @@
 </p:sld>
 </file>
 
-<file path=ppt/slides/slide14.xml><?xml version="1.0" encoding="utf-8"?>
+<file path=ppt/slides/slide15.xml><?xml version="1.0" encoding="utf-8"?>
 <p:sld xmlns:a="http://schemas.openxmlformats.org/drawingml/2006/main" xmlns:r="http://schemas.openxmlformats.org/officeDocument/2006/relationships" xmlns:p="http://schemas.openxmlformats.org/presentationml/2006/main">
   <p:cSld>
     <p:spTree>
@@ -13921,7 +16505,7 @@
 </p:sld>
 </file>
 
-<file path=ppt/slides/slide15.xml><?xml version="1.0" encoding="utf-8"?>
+<file path=ppt/slides/slide16.xml><?xml version="1.0" encoding="utf-8"?>
 <p:sld xmlns:a="http://schemas.openxmlformats.org/drawingml/2006/main" xmlns:r="http://schemas.openxmlformats.org/officeDocument/2006/relationships" xmlns:p="http://schemas.openxmlformats.org/presentationml/2006/main">
   <p:cSld>
     <p:spTree>
@@ -16342,7 +18926,7 @@
 </p:sld>
 </file>
 
-<file path=ppt/slides/slide16.xml><?xml version="1.0" encoding="utf-8"?>
+<file path=ppt/slides/slide17.xml><?xml version="1.0" encoding="utf-8"?>
 <p:sld xmlns:a="http://schemas.openxmlformats.org/drawingml/2006/main" xmlns:r="http://schemas.openxmlformats.org/officeDocument/2006/relationships" xmlns:p="http://schemas.openxmlformats.org/presentationml/2006/main">
   <p:cSld>
     <p:spTree>
@@ -17160,7 +19744,7 @@
 </p:sld>
 </file>
 
-<file path=ppt/slides/slide17.xml><?xml version="1.0" encoding="utf-8"?>
+<file path=ppt/slides/slide18.xml><?xml version="1.0" encoding="utf-8"?>
 <p:sld xmlns:a="http://schemas.openxmlformats.org/drawingml/2006/main" xmlns:r="http://schemas.openxmlformats.org/officeDocument/2006/relationships" xmlns:p="http://schemas.openxmlformats.org/presentationml/2006/main">
   <p:cSld>
     <p:spTree>
@@ -19688,7 +22272,7 @@
 </p:sld>
 </file>
 
-<file path=ppt/slides/slide18.xml><?xml version="1.0" encoding="utf-8"?>
+<file path=ppt/slides/slide19.xml><?xml version="1.0" encoding="utf-8"?>
 <p:sld xmlns:a="http://schemas.openxmlformats.org/drawingml/2006/main" xmlns:r="http://schemas.openxmlformats.org/officeDocument/2006/relationships" xmlns:p="http://schemas.openxmlformats.org/presentationml/2006/main" showMasterSp="0">
   <p:cSld>
     <p:spTree>
@@ -19938,7 +22522,208 @@
 </p:sld>
 </file>
 
-<file path=ppt/slides/slide19.xml><?xml version="1.0" encoding="utf-8"?>
+<file path=ppt/slides/slide2.xml><?xml version="1.0" encoding="utf-8"?>
+<p:sld xmlns:a="http://schemas.openxmlformats.org/drawingml/2006/main" xmlns:r="http://schemas.openxmlformats.org/officeDocument/2006/relationships" xmlns:p="http://schemas.openxmlformats.org/presentationml/2006/main">
+  <p:cSld>
+    <p:spTree>
+      <p:nvGrpSpPr>
+        <p:cNvPr id="1" name=""/>
+        <p:cNvGrpSpPr/>
+        <p:nvPr/>
+      </p:nvGrpSpPr>
+      <p:grpSpPr>
+        <a:xfrm>
+          <a:off x="0" y="0"/>
+          <a:ext cx="0" cy="0"/>
+          <a:chOff x="0" y="0"/>
+          <a:chExt cx="0" cy="0"/>
+        </a:xfrm>
+      </p:grpSpPr>
+      <p:sp>
+        <p:nvSpPr>
+          <p:cNvPr id="2" name="Title 1">
+            <a:extLst>
+              <a:ext uri="{FF2B5EF4-FFF2-40B4-BE49-F238E27FC236}">
+                <a16:creationId xmlns:a16="http://schemas.microsoft.com/office/drawing/2014/main" id="{BE8097A5-2238-4EE4-9A16-FA6E9EB65678}"/>
+              </a:ext>
+            </a:extLst>
+          </p:cNvPr>
+          <p:cNvSpPr>
+            <a:spLocks noGrp="1"/>
+          </p:cNvSpPr>
+          <p:nvPr>
+            <p:ph type="title"/>
+          </p:nvPr>
+        </p:nvSpPr>
+        <p:spPr/>
+        <p:txBody>
+          <a:bodyPr/>
+          <a:lstStyle/>
+          <a:p>
+            <a:pPr algn="ctr"/>
+            <a:r>
+              <a:rPr lang="en-US" dirty="0" err="1">
+                <a:solidFill>
+                  <a:srgbClr val="00B0F0"/>
+                </a:solidFill>
+              </a:rPr>
+              <a:t>FeedBack</a:t>
+            </a:r>
+            <a:endParaRPr lang="en-PK" dirty="0">
+              <a:solidFill>
+                <a:srgbClr val="00B0F0"/>
+              </a:solidFill>
+            </a:endParaRPr>
+          </a:p>
+        </p:txBody>
+      </p:sp>
+      <p:sp>
+        <p:nvSpPr>
+          <p:cNvPr id="3" name="TextBox 2">
+            <a:extLst>
+              <a:ext uri="{FF2B5EF4-FFF2-40B4-BE49-F238E27FC236}">
+                <a16:creationId xmlns:a16="http://schemas.microsoft.com/office/drawing/2014/main" id="{77D0C869-FF9F-4A8F-90F1-8C151752F1C5}"/>
+              </a:ext>
+            </a:extLst>
+          </p:cNvPr>
+          <p:cNvSpPr txBox="1"/>
+          <p:nvPr/>
+        </p:nvSpPr>
+        <p:spPr>
+          <a:xfrm>
+            <a:off x="1289784" y="1520792"/>
+            <a:ext cx="10064016" cy="4401205"/>
+          </a:xfrm>
+          <a:prstGeom prst="rect">
+            <a:avLst/>
+          </a:prstGeom>
+          <a:noFill/>
+        </p:spPr>
+        <p:txBody>
+          <a:bodyPr wrap="square" rtlCol="0">
+            <a:spAutoFit/>
+          </a:bodyPr>
+          <a:lstStyle/>
+          <a:p>
+            <a:pPr marL="571500" indent="-571500">
+              <a:buFont typeface="Arial" panose="020B0604020202020204" pitchFamily="34" charset="0"/>
+              <a:buChar char="•"/>
+            </a:pPr>
+            <a:r>
+              <a:rPr lang="en-US" sz="4000" dirty="0">
+                <a:solidFill>
+                  <a:srgbClr val="00B0F0"/>
+                </a:solidFill>
+              </a:rPr>
+              <a:t>FYP=&gt; This Project/Project name.</a:t>
+            </a:r>
+          </a:p>
+          <a:p>
+            <a:pPr marL="571500" indent="-571500">
+              <a:buFont typeface="Arial" panose="020B0604020202020204" pitchFamily="34" charset="0"/>
+              <a:buChar char="•"/>
+            </a:pPr>
+            <a:r>
+              <a:rPr lang="en-US" sz="4000" dirty="0">
+                <a:solidFill>
+                  <a:srgbClr val="00B0F0"/>
+                </a:solidFill>
+              </a:rPr>
+              <a:t>Background is a part of introduction.</a:t>
+            </a:r>
+          </a:p>
+          <a:p>
+            <a:pPr marL="571500" indent="-571500">
+              <a:buFont typeface="Arial" panose="020B0604020202020204" pitchFamily="34" charset="0"/>
+              <a:buChar char="•"/>
+            </a:pPr>
+            <a:r>
+              <a:rPr lang="en-US" sz="4000" dirty="0" err="1">
+                <a:solidFill>
+                  <a:srgbClr val="00B0F0"/>
+                </a:solidFill>
+              </a:rPr>
+              <a:t>Literatrure</a:t>
+            </a:r>
+            <a:r>
+              <a:rPr lang="en-US" sz="4000" dirty="0">
+                <a:solidFill>
+                  <a:srgbClr val="00B0F0"/>
+                </a:solidFill>
+              </a:rPr>
+              <a:t> review Added.</a:t>
+            </a:r>
+          </a:p>
+          <a:p>
+            <a:pPr marL="571500" indent="-571500">
+              <a:buFont typeface="Arial" panose="020B0604020202020204" pitchFamily="34" charset="0"/>
+              <a:buChar char="•"/>
+            </a:pPr>
+            <a:r>
+              <a:rPr lang="en-US" sz="4000" dirty="0">
+                <a:solidFill>
+                  <a:srgbClr val="00B0F0"/>
+                </a:solidFill>
+              </a:rPr>
+              <a:t>Project, Technical approach and Methodology Updated.</a:t>
+            </a:r>
+          </a:p>
+          <a:p>
+            <a:pPr marL="571500" indent="-571500">
+              <a:buFont typeface="Arial" panose="020B0604020202020204" pitchFamily="34" charset="0"/>
+              <a:buChar char="•"/>
+            </a:pPr>
+            <a:r>
+              <a:rPr lang="en-US" sz="4000" dirty="0">
+                <a:solidFill>
+                  <a:srgbClr val="00B0F0"/>
+                </a:solidFill>
+              </a:rPr>
+              <a:t>User Flowchart added.</a:t>
+            </a:r>
+          </a:p>
+          <a:p>
+            <a:pPr marL="571500" indent="-571500">
+              <a:buFont typeface="Arial" panose="020B0604020202020204" pitchFamily="34" charset="0"/>
+              <a:buChar char="•"/>
+            </a:pPr>
+            <a:r>
+              <a:rPr lang="en-US" sz="4000" dirty="0">
+                <a:solidFill>
+                  <a:srgbClr val="00B0F0"/>
+                </a:solidFill>
+              </a:rPr>
+              <a:t>References added.</a:t>
+            </a:r>
+          </a:p>
+        </p:txBody>
+      </p:sp>
+    </p:spTree>
+    <p:extLst>
+      <p:ext uri="{BB962C8B-B14F-4D97-AF65-F5344CB8AC3E}">
+        <p14:creationId xmlns:p14="http://schemas.microsoft.com/office/powerpoint/2010/main" val="3122565900"/>
+      </p:ext>
+    </p:extLst>
+  </p:cSld>
+  <p:clrMapOvr>
+    <a:masterClrMapping/>
+  </p:clrMapOvr>
+  <mc:AlternateContent xmlns:mc="http://schemas.openxmlformats.org/markup-compatibility/2006" xmlns:p14="http://schemas.microsoft.com/office/powerpoint/2010/main">
+    <mc:Choice Requires="p14">
+      <p:transition p14:dur="250">
+        <p:fade/>
+      </p:transition>
+    </mc:Choice>
+    <mc:Fallback xmlns="">
+      <p:transition>
+        <p:fade/>
+      </p:transition>
+    </mc:Fallback>
+  </mc:AlternateContent>
+</p:sld>
+</file>
+
+<file path=ppt/slides/slide20.xml><?xml version="1.0" encoding="utf-8"?>
 <p:sld xmlns:a="http://schemas.openxmlformats.org/drawingml/2006/main" xmlns:r="http://schemas.openxmlformats.org/officeDocument/2006/relationships" xmlns:p="http://schemas.openxmlformats.org/presentationml/2006/main">
   <p:cSld>
     <p:spTree>
@@ -20022,7 +22807,1547 @@
 </p:sld>
 </file>
 
-<file path=ppt/slides/slide2.xml><?xml version="1.0" encoding="utf-8"?>
+<file path=ppt/slides/slide21.xml><?xml version="1.0" encoding="utf-8"?>
+<p:sld xmlns:a="http://schemas.openxmlformats.org/drawingml/2006/main" xmlns:r="http://schemas.openxmlformats.org/officeDocument/2006/relationships" xmlns:p="http://schemas.openxmlformats.org/presentationml/2006/main">
+  <p:cSld>
+    <p:spTree>
+      <p:nvGrpSpPr>
+        <p:cNvPr id="1" name=""/>
+        <p:cNvGrpSpPr/>
+        <p:nvPr/>
+      </p:nvGrpSpPr>
+      <p:grpSpPr>
+        <a:xfrm>
+          <a:off x="0" y="0"/>
+          <a:ext cx="0" cy="0"/>
+          <a:chOff x="0" y="0"/>
+          <a:chExt cx="0" cy="0"/>
+        </a:xfrm>
+      </p:grpSpPr>
+      <p:pic>
+        <p:nvPicPr>
+          <p:cNvPr id="8" name="图片 7">
+            <a:extLst>
+              <a:ext uri="{FF2B5EF4-FFF2-40B4-BE49-F238E27FC236}">
+                <a16:creationId xmlns:a16="http://schemas.microsoft.com/office/drawing/2014/main" id="{D210DFCA-857A-4CDB-AEEA-8F4D2BE15E68}"/>
+              </a:ext>
+            </a:extLst>
+          </p:cNvPr>
+          <p:cNvPicPr>
+            <a:picLocks noChangeAspect="1"/>
+          </p:cNvPicPr>
+          <p:nvPr/>
+        </p:nvPicPr>
+        <p:blipFill rotWithShape="1">
+          <a:blip r:embed="rId3" cstate="screen">
+            <a:extLst>
+              <a:ext uri="{28A0092B-C50C-407E-A947-70E740481C1C}">
+                <a14:useLocalDpi xmlns:a14="http://schemas.microsoft.com/office/drawing/2010/main"/>
+              </a:ext>
+            </a:extLst>
+          </a:blip>
+          <a:srcRect/>
+          <a:stretch/>
+        </p:blipFill>
+        <p:spPr>
+          <a:xfrm rot="10800000">
+            <a:off x="10423581" y="4838979"/>
+            <a:ext cx="1674587" cy="1860967"/>
+          </a:xfrm>
+          <a:prstGeom prst="rect">
+            <a:avLst/>
+          </a:prstGeom>
+        </p:spPr>
+      </p:pic>
+      <p:pic>
+        <p:nvPicPr>
+          <p:cNvPr id="2" name="图片 7">
+            <a:extLst>
+              <a:ext uri="{FF2B5EF4-FFF2-40B4-BE49-F238E27FC236}">
+                <a16:creationId xmlns:a16="http://schemas.microsoft.com/office/drawing/2014/main" id="{8E05BB91-9E4A-5CAD-F8C1-4EFB37D204E2}"/>
+              </a:ext>
+            </a:extLst>
+          </p:cNvPr>
+          <p:cNvPicPr>
+            <a:picLocks noChangeAspect="1"/>
+          </p:cNvPicPr>
+          <p:nvPr/>
+        </p:nvPicPr>
+        <p:blipFill rotWithShape="1">
+          <a:blip r:embed="rId3" cstate="screen">
+            <a:extLst>
+              <a:ext uri="{28A0092B-C50C-407E-A947-70E740481C1C}">
+                <a14:useLocalDpi xmlns:a14="http://schemas.microsoft.com/office/drawing/2010/main"/>
+              </a:ext>
+            </a:extLst>
+          </a:blip>
+          <a:srcRect/>
+          <a:stretch/>
+        </p:blipFill>
+        <p:spPr>
+          <a:xfrm rot="334145">
+            <a:off x="-1" y="76864"/>
+            <a:ext cx="1674587" cy="1860967"/>
+          </a:xfrm>
+          <a:prstGeom prst="rect">
+            <a:avLst/>
+          </a:prstGeom>
+        </p:spPr>
+      </p:pic>
+      <p:sp>
+        <p:nvSpPr>
+          <p:cNvPr id="3" name="文本框 22">
+            <a:extLst>
+              <a:ext uri="{FF2B5EF4-FFF2-40B4-BE49-F238E27FC236}">
+                <a16:creationId xmlns:a16="http://schemas.microsoft.com/office/drawing/2014/main" id="{C815844C-356D-76AF-126D-CF2AEB891169}"/>
+              </a:ext>
+            </a:extLst>
+          </p:cNvPr>
+          <p:cNvSpPr txBox="1"/>
+          <p:nvPr/>
+        </p:nvSpPr>
+        <p:spPr>
+          <a:xfrm>
+            <a:off x="2031775" y="294495"/>
+            <a:ext cx="8272285" cy="707886"/>
+          </a:xfrm>
+          <a:prstGeom prst="rect">
+            <a:avLst/>
+          </a:prstGeom>
+          <a:noFill/>
+        </p:spPr>
+        <p:txBody>
+          <a:bodyPr vert="horz" wrap="square" rtlCol="0">
+            <a:spAutoFit/>
+          </a:bodyPr>
+          <a:lstStyle/>
+          <a:p>
+            <a:r>
+              <a:rPr lang="en-US" altLang="zh-CN" sz="4000" b="1" dirty="0">
+                <a:solidFill>
+                  <a:srgbClr val="8AC9F2"/>
+                </a:solidFill>
+                <a:effectLst>
+                  <a:outerShdw blurRad="38100" dist="38100" dir="2700000" algn="tl">
+                    <a:srgbClr val="000000">
+                      <a:alpha val="43137"/>
+                    </a:srgbClr>
+                  </a:outerShdw>
+                </a:effectLst>
+                <a:cs typeface="+mn-ea"/>
+                <a:sym typeface="+mn-lt"/>
+              </a:rPr>
+              <a:t>Architecture design diagram</a:t>
+            </a:r>
+            <a:endParaRPr lang="zh-CN" altLang="en-US" sz="4000" b="1" dirty="0">
+              <a:solidFill>
+                <a:srgbClr val="8AC9F2"/>
+              </a:solidFill>
+              <a:effectLst>
+                <a:outerShdw blurRad="38100" dist="38100" dir="2700000" algn="tl">
+                  <a:srgbClr val="000000">
+                    <a:alpha val="43137"/>
+                  </a:srgbClr>
+                </a:outerShdw>
+              </a:effectLst>
+              <a:cs typeface="+mn-ea"/>
+              <a:sym typeface="+mn-lt"/>
+            </a:endParaRPr>
+          </a:p>
+        </p:txBody>
+      </p:sp>
+      <p:pic>
+        <p:nvPicPr>
+          <p:cNvPr id="7" name="image8.jpeg"/>
+          <p:cNvPicPr/>
+          <p:nvPr/>
+        </p:nvPicPr>
+        <p:blipFill>
+          <a:blip r:embed="rId4" cstate="print"/>
+          <a:stretch>
+            <a:fillRect/>
+          </a:stretch>
+        </p:blipFill>
+        <p:spPr>
+          <a:xfrm>
+            <a:off x="996286" y="1556697"/>
+            <a:ext cx="10072048" cy="5062467"/>
+          </a:xfrm>
+          <a:prstGeom prst="rect">
+            <a:avLst/>
+          </a:prstGeom>
+        </p:spPr>
+      </p:pic>
+    </p:spTree>
+    <p:extLst>
+      <p:ext uri="{BB962C8B-B14F-4D97-AF65-F5344CB8AC3E}">
+        <p14:creationId xmlns:p14="http://schemas.microsoft.com/office/powerpoint/2010/main" val="339369453"/>
+      </p:ext>
+    </p:extLst>
+  </p:cSld>
+  <p:clrMapOvr>
+    <a:masterClrMapping/>
+  </p:clrMapOvr>
+  <mc:AlternateContent xmlns:mc="http://schemas.openxmlformats.org/markup-compatibility/2006" xmlns:p14="http://schemas.microsoft.com/office/powerpoint/2010/main">
+    <mc:Choice Requires="p14">
+      <p:transition p14:dur="250">
+        <p:fade/>
+      </p:transition>
+    </mc:Choice>
+    <mc:Fallback xmlns="">
+      <p:transition>
+        <p:fade/>
+      </p:transition>
+    </mc:Fallback>
+  </mc:AlternateContent>
+</p:sld>
+</file>
+
+<file path=ppt/slides/slide22.xml><?xml version="1.0" encoding="utf-8"?>
+<p:sld xmlns:a="http://schemas.openxmlformats.org/drawingml/2006/main" xmlns:r="http://schemas.openxmlformats.org/officeDocument/2006/relationships" xmlns:p="http://schemas.openxmlformats.org/presentationml/2006/main">
+  <p:cSld>
+    <p:spTree>
+      <p:nvGrpSpPr>
+        <p:cNvPr id="1" name=""/>
+        <p:cNvGrpSpPr/>
+        <p:nvPr/>
+      </p:nvGrpSpPr>
+      <p:grpSpPr>
+        <a:xfrm>
+          <a:off x="0" y="0"/>
+          <a:ext cx="0" cy="0"/>
+          <a:chOff x="0" y="0"/>
+          <a:chExt cx="0" cy="0"/>
+        </a:xfrm>
+      </p:grpSpPr>
+      <p:sp>
+        <p:nvSpPr>
+          <p:cNvPr id="5" name="TextBox 4">
+            <a:extLst>
+              <a:ext uri="{FF2B5EF4-FFF2-40B4-BE49-F238E27FC236}">
+                <a16:creationId xmlns:a16="http://schemas.microsoft.com/office/drawing/2014/main" id="{1E6F5897-DBD5-8945-4F9E-E6313DB165CB}"/>
+              </a:ext>
+            </a:extLst>
+          </p:cNvPr>
+          <p:cNvSpPr txBox="1"/>
+          <p:nvPr/>
+        </p:nvSpPr>
+        <p:spPr>
+          <a:xfrm>
+            <a:off x="232012" y="2984393"/>
+            <a:ext cx="7061200" cy="584775"/>
+          </a:xfrm>
+          <a:prstGeom prst="rect">
+            <a:avLst/>
+          </a:prstGeom>
+          <a:noFill/>
+        </p:spPr>
+        <p:txBody>
+          <a:bodyPr wrap="square" rtlCol="0">
+            <a:spAutoFit/>
+          </a:bodyPr>
+          <a:lstStyle/>
+          <a:p>
+            <a:r>
+              <a:rPr lang="en-US" sz="3200" b="1" dirty="0">
+                <a:solidFill>
+                  <a:srgbClr val="81C3F0"/>
+                </a:solidFill>
+              </a:rPr>
+              <a:t>Class Diagram </a:t>
+            </a:r>
+          </a:p>
+        </p:txBody>
+      </p:sp>
+      <p:pic>
+        <p:nvPicPr>
+          <p:cNvPr id="6" name="image9.png"/>
+          <p:cNvPicPr/>
+          <p:nvPr/>
+        </p:nvPicPr>
+        <p:blipFill>
+          <a:blip r:embed="rId2" cstate="print"/>
+          <a:stretch>
+            <a:fillRect/>
+          </a:stretch>
+        </p:blipFill>
+        <p:spPr>
+          <a:xfrm>
+            <a:off x="4126174" y="0"/>
+            <a:ext cx="8065826" cy="6858000"/>
+          </a:xfrm>
+          <a:prstGeom prst="rect">
+            <a:avLst/>
+          </a:prstGeom>
+        </p:spPr>
+        <p:style>
+          <a:lnRef idx="2">
+            <a:schemeClr val="accent1"/>
+          </a:lnRef>
+          <a:fillRef idx="1">
+            <a:schemeClr val="lt1"/>
+          </a:fillRef>
+          <a:effectRef idx="0">
+            <a:schemeClr val="accent1"/>
+          </a:effectRef>
+          <a:fontRef idx="minor">
+            <a:schemeClr val="dk1"/>
+          </a:fontRef>
+        </p:style>
+      </p:pic>
+    </p:spTree>
+    <p:extLst>
+      <p:ext uri="{BB962C8B-B14F-4D97-AF65-F5344CB8AC3E}">
+        <p14:creationId xmlns:p14="http://schemas.microsoft.com/office/powerpoint/2010/main" val="1320220136"/>
+      </p:ext>
+    </p:extLst>
+  </p:cSld>
+  <p:clrMapOvr>
+    <a:masterClrMapping/>
+  </p:clrMapOvr>
+  <mc:AlternateContent xmlns:mc="http://schemas.openxmlformats.org/markup-compatibility/2006" xmlns:p14="http://schemas.microsoft.com/office/powerpoint/2010/main">
+    <mc:Choice Requires="p14">
+      <p:transition p14:dur="250">
+        <p:fade/>
+      </p:transition>
+    </mc:Choice>
+    <mc:Fallback xmlns="">
+      <p:transition>
+        <p:fade/>
+      </p:transition>
+    </mc:Fallback>
+  </mc:AlternateContent>
+</p:sld>
+</file>
+
+<file path=ppt/slides/slide23.xml><?xml version="1.0" encoding="utf-8"?>
+<p:sld xmlns:a="http://schemas.openxmlformats.org/drawingml/2006/main" xmlns:r="http://schemas.openxmlformats.org/officeDocument/2006/relationships" xmlns:p="http://schemas.openxmlformats.org/presentationml/2006/main">
+  <p:cSld>
+    <p:spTree>
+      <p:nvGrpSpPr>
+        <p:cNvPr id="1" name=""/>
+        <p:cNvGrpSpPr/>
+        <p:nvPr/>
+      </p:nvGrpSpPr>
+      <p:grpSpPr>
+        <a:xfrm>
+          <a:off x="0" y="0"/>
+          <a:ext cx="0" cy="0"/>
+          <a:chOff x="0" y="0"/>
+          <a:chExt cx="0" cy="0"/>
+        </a:xfrm>
+      </p:grpSpPr>
+      <p:sp>
+        <p:nvSpPr>
+          <p:cNvPr id="2" name="Title 1">
+            <a:extLst>
+              <a:ext uri="{FF2B5EF4-FFF2-40B4-BE49-F238E27FC236}">
+                <a16:creationId xmlns:a16="http://schemas.microsoft.com/office/drawing/2014/main" id="{6E5C0E3B-A2BB-6B05-F4CA-7BE3B07E1ED2}"/>
+              </a:ext>
+            </a:extLst>
+          </p:cNvPr>
+          <p:cNvSpPr>
+            <a:spLocks noGrp="1"/>
+          </p:cNvSpPr>
+          <p:nvPr>
+            <p:ph type="title"/>
+          </p:nvPr>
+        </p:nvSpPr>
+        <p:spPr>
+          <a:xfrm>
+            <a:off x="0" y="0"/>
+            <a:ext cx="10515600" cy="904875"/>
+          </a:xfrm>
+        </p:spPr>
+        <p:txBody>
+          <a:bodyPr/>
+          <a:lstStyle/>
+          <a:p>
+            <a:r>
+              <a:rPr lang="en-US" dirty="0">
+                <a:solidFill>
+                  <a:srgbClr val="81C3F0"/>
+                </a:solidFill>
+              </a:rPr>
+              <a:t>Sequence Diagram </a:t>
+            </a:r>
+          </a:p>
+        </p:txBody>
+      </p:sp>
+      <p:pic>
+        <p:nvPicPr>
+          <p:cNvPr id="4" name="image4.png"/>
+          <p:cNvPicPr/>
+          <p:nvPr/>
+        </p:nvPicPr>
+        <p:blipFill>
+          <a:blip r:embed="rId2" cstate="print"/>
+          <a:stretch>
+            <a:fillRect/>
+          </a:stretch>
+        </p:blipFill>
+        <p:spPr>
+          <a:xfrm>
+            <a:off x="4945750" y="0"/>
+            <a:ext cx="7246250" cy="6858000"/>
+          </a:xfrm>
+          <a:prstGeom prst="rect">
+            <a:avLst/>
+          </a:prstGeom>
+        </p:spPr>
+      </p:pic>
+      <p:sp>
+        <p:nvSpPr>
+          <p:cNvPr id="8193" name="Rectangle 1"/>
+          <p:cNvSpPr>
+            <a:spLocks noChangeArrowheads="1"/>
+          </p:cNvSpPr>
+          <p:nvPr/>
+        </p:nvSpPr>
+        <p:spPr bwMode="auto">
+          <a:xfrm>
+            <a:off x="-1743503" y="2966449"/>
+            <a:ext cx="7001303" cy="733526"/>
+          </a:xfrm>
+          <a:prstGeom prst="rect">
+            <a:avLst/>
+          </a:prstGeom>
+          <a:noFill/>
+          <a:ln w="9525">
+            <a:noFill/>
+            <a:miter lim="800000"/>
+            <a:headEnd/>
+            <a:tailEnd/>
+          </a:ln>
+          <a:effectLst/>
+        </p:spPr>
+        <p:txBody>
+          <a:bodyPr vert="horz" wrap="square" lIns="804609" tIns="25392" rIns="0" bIns="0" numCol="1" anchor="ctr" anchorCtr="0" compatLnSpc="1">
+            <a:prstTxWarp prst="textNoShape">
+              <a:avLst/>
+            </a:prstTxWarp>
+            <a:spAutoFit/>
+          </a:bodyPr>
+          <a:lstStyle/>
+          <a:p>
+            <a:pPr lvl="3" defTabSz="914400" fontAlgn="base">
+              <a:spcBef>
+                <a:spcPct val="0"/>
+              </a:spcBef>
+              <a:spcAft>
+                <a:spcPct val="0"/>
+              </a:spcAft>
+              <a:buClr>
+                <a:srgbClr val="2D74B5"/>
+              </a:buClr>
+              <a:buSzPct val="100000"/>
+            </a:pPr>
+            <a:r>
+              <a:rPr kumimoji="0" lang="en-US" sz="2800" b="0" i="0" u="none" strike="noStrike" cap="none" normalizeH="0" baseline="0" dirty="0">
+                <a:ln>
+                  <a:noFill/>
+                </a:ln>
+                <a:solidFill>
+                  <a:schemeClr val="bg1"/>
+                </a:solidFill>
+                <a:effectLst/>
+                <a:latin typeface="Arial" pitchFamily="34" charset="0"/>
+                <a:ea typeface="Times New Roman" pitchFamily="18" charset="0"/>
+                <a:cs typeface="Arial" pitchFamily="34" charset="0"/>
+              </a:rPr>
+              <a:t>Sign Up Sequence Diagram</a:t>
+            </a:r>
+          </a:p>
+          <a:p>
+            <a:pPr marL="0" marR="0" lvl="0" indent="0" algn="l" defTabSz="914400" rtl="0" eaLnBrk="0" fontAlgn="base" latinLnBrk="0" hangingPunct="0">
+              <a:lnSpc>
+                <a:spcPct val="100000"/>
+              </a:lnSpc>
+              <a:spcBef>
+                <a:spcPct val="0"/>
+              </a:spcBef>
+              <a:spcAft>
+                <a:spcPct val="0"/>
+              </a:spcAft>
+              <a:buClrTx/>
+              <a:buSzTx/>
+              <a:buFontTx/>
+              <a:buNone/>
+              <a:tabLst/>
+            </a:pPr>
+            <a:endParaRPr kumimoji="0" lang="en-US" sz="1800" b="0" i="0" u="none" strike="noStrike" cap="none" normalizeH="0" baseline="0" dirty="0">
+              <a:ln>
+                <a:noFill/>
+              </a:ln>
+              <a:solidFill>
+                <a:schemeClr val="tx1"/>
+              </a:solidFill>
+              <a:effectLst/>
+              <a:latin typeface="Arial" pitchFamily="34" charset="0"/>
+              <a:cs typeface="Arial" pitchFamily="34" charset="0"/>
+            </a:endParaRPr>
+          </a:p>
+        </p:txBody>
+      </p:sp>
+    </p:spTree>
+    <p:extLst>
+      <p:ext uri="{BB962C8B-B14F-4D97-AF65-F5344CB8AC3E}">
+        <p14:creationId xmlns:p14="http://schemas.microsoft.com/office/powerpoint/2010/main" val="806206585"/>
+      </p:ext>
+    </p:extLst>
+  </p:cSld>
+  <p:clrMapOvr>
+    <a:masterClrMapping/>
+  </p:clrMapOvr>
+  <mc:AlternateContent xmlns:mc="http://schemas.openxmlformats.org/markup-compatibility/2006" xmlns:p14="http://schemas.microsoft.com/office/powerpoint/2010/main">
+    <mc:Choice Requires="p14">
+      <p:transition p14:dur="250">
+        <p:fade/>
+      </p:transition>
+    </mc:Choice>
+    <mc:Fallback xmlns="">
+      <p:transition>
+        <p:fade/>
+      </p:transition>
+    </mc:Fallback>
+  </mc:AlternateContent>
+</p:sld>
+</file>
+
+<file path=ppt/slides/slide24.xml><?xml version="1.0" encoding="utf-8"?>
+<p:sld xmlns:a="http://schemas.openxmlformats.org/drawingml/2006/main" xmlns:r="http://schemas.openxmlformats.org/officeDocument/2006/relationships" xmlns:p="http://schemas.openxmlformats.org/presentationml/2006/main">
+  <p:cSld>
+    <p:spTree>
+      <p:nvGrpSpPr>
+        <p:cNvPr id="1" name=""/>
+        <p:cNvGrpSpPr/>
+        <p:nvPr/>
+      </p:nvGrpSpPr>
+      <p:grpSpPr>
+        <a:xfrm>
+          <a:off x="0" y="0"/>
+          <a:ext cx="0" cy="0"/>
+          <a:chOff x="0" y="0"/>
+          <a:chExt cx="0" cy="0"/>
+        </a:xfrm>
+      </p:grpSpPr>
+      <p:sp>
+        <p:nvSpPr>
+          <p:cNvPr id="3" name="TextBox 2">
+            <a:extLst>
+              <a:ext uri="{FF2B5EF4-FFF2-40B4-BE49-F238E27FC236}">
+                <a16:creationId xmlns:a16="http://schemas.microsoft.com/office/drawing/2014/main" id="{908692B0-64FD-769B-3117-C39CDD6BB6DA}"/>
+              </a:ext>
+            </a:extLst>
+          </p:cNvPr>
+          <p:cNvSpPr txBox="1"/>
+          <p:nvPr/>
+        </p:nvSpPr>
+        <p:spPr>
+          <a:xfrm>
+            <a:off x="1219200" y="1950720"/>
+            <a:ext cx="10367554" cy="461665"/>
+          </a:xfrm>
+          <a:prstGeom prst="rect">
+            <a:avLst/>
+          </a:prstGeom>
+          <a:noFill/>
+        </p:spPr>
+        <p:txBody>
+          <a:bodyPr wrap="square" rtlCol="0">
+            <a:spAutoFit/>
+          </a:bodyPr>
+          <a:lstStyle/>
+          <a:p>
+            <a:pPr marL="457200" indent="-457200"/>
+            <a:r>
+              <a:rPr lang="en-US" sz="2400" dirty="0">
+                <a:solidFill>
+                  <a:srgbClr val="81C3F0"/>
+                </a:solidFill>
+              </a:rPr>
+              <a:t>	</a:t>
+            </a:r>
+          </a:p>
+        </p:txBody>
+      </p:sp>
+      <p:sp>
+        <p:nvSpPr>
+          <p:cNvPr id="7169" name="Rectangle 1"/>
+          <p:cNvSpPr>
+            <a:spLocks noChangeArrowheads="1"/>
+          </p:cNvSpPr>
+          <p:nvPr/>
+        </p:nvSpPr>
+        <p:spPr bwMode="auto">
+          <a:xfrm>
+            <a:off x="-1897038" y="2797791"/>
+            <a:ext cx="6974006" cy="697611"/>
+          </a:xfrm>
+          <a:prstGeom prst="rect">
+            <a:avLst/>
+          </a:prstGeom>
+          <a:noFill/>
+          <a:ln w="9525">
+            <a:noFill/>
+            <a:miter lim="800000"/>
+            <a:headEnd/>
+            <a:tailEnd/>
+          </a:ln>
+          <a:effectLst/>
+        </p:spPr>
+        <p:txBody>
+          <a:bodyPr vert="horz" wrap="square" lIns="804609" tIns="50784" rIns="0" bIns="0" numCol="1" anchor="ctr" anchorCtr="0" compatLnSpc="1">
+            <a:prstTxWarp prst="textNoShape">
+              <a:avLst/>
+            </a:prstTxWarp>
+            <a:spAutoFit/>
+          </a:bodyPr>
+          <a:lstStyle/>
+          <a:p>
+            <a:pPr marL="1371600" marR="0" lvl="3" indent="0" defTabSz="914400" rtl="0" eaLnBrk="1" fontAlgn="base" latinLnBrk="0" hangingPunct="1">
+              <a:lnSpc>
+                <a:spcPct val="100000"/>
+              </a:lnSpc>
+              <a:spcBef>
+                <a:spcPct val="0"/>
+              </a:spcBef>
+              <a:spcAft>
+                <a:spcPct val="0"/>
+              </a:spcAft>
+              <a:buClr>
+                <a:srgbClr val="2D74B5"/>
+              </a:buClr>
+              <a:buSzPct val="100000"/>
+              <a:tabLst/>
+            </a:pPr>
+            <a:r>
+              <a:rPr kumimoji="0" lang="en-US" sz="2400" b="0" i="0" u="none" strike="noStrike" cap="none" normalizeH="0" baseline="0" dirty="0">
+                <a:ln>
+                  <a:noFill/>
+                </a:ln>
+                <a:solidFill>
+                  <a:schemeClr val="bg1"/>
+                </a:solidFill>
+                <a:effectLst/>
+                <a:latin typeface="Arial" pitchFamily="34" charset="0"/>
+                <a:ea typeface="Times New Roman" pitchFamily="18" charset="0"/>
+                <a:cs typeface="Arial" pitchFamily="34" charset="0"/>
+              </a:rPr>
+              <a:t>Admin Sequence Diagram</a:t>
+            </a:r>
+          </a:p>
+          <a:p>
+            <a:pPr marL="457200" marR="0" lvl="1" indent="0" algn="l" defTabSz="914400" rtl="0" eaLnBrk="0" fontAlgn="base" latinLnBrk="0" hangingPunct="0">
+              <a:lnSpc>
+                <a:spcPct val="100000"/>
+              </a:lnSpc>
+              <a:spcBef>
+                <a:spcPct val="0"/>
+              </a:spcBef>
+              <a:spcAft>
+                <a:spcPct val="0"/>
+              </a:spcAft>
+              <a:buClr>
+                <a:srgbClr val="2D74B5"/>
+              </a:buClr>
+              <a:buSzTx/>
+              <a:buFontTx/>
+              <a:buAutoNum type="arabicPeriod"/>
+              <a:tabLst/>
+            </a:pPr>
+            <a:endParaRPr kumimoji="0" lang="en-US" sz="1800" b="0" i="0" u="none" strike="noStrike" cap="none" normalizeH="0" baseline="0" dirty="0">
+              <a:ln>
+                <a:noFill/>
+              </a:ln>
+              <a:solidFill>
+                <a:schemeClr val="tx1"/>
+              </a:solidFill>
+              <a:effectLst/>
+              <a:latin typeface="Arial" pitchFamily="34" charset="0"/>
+              <a:cs typeface="Arial" pitchFamily="34" charset="0"/>
+            </a:endParaRPr>
+          </a:p>
+        </p:txBody>
+      </p:sp>
+      <p:pic>
+        <p:nvPicPr>
+          <p:cNvPr id="6" name="image5.png"/>
+          <p:cNvPicPr/>
+          <p:nvPr/>
+        </p:nvPicPr>
+        <p:blipFill>
+          <a:blip r:embed="rId2" cstate="print"/>
+          <a:stretch>
+            <a:fillRect/>
+          </a:stretch>
+        </p:blipFill>
+        <p:spPr>
+          <a:xfrm>
+            <a:off x="5076967" y="0"/>
+            <a:ext cx="7115033" cy="6858000"/>
+          </a:xfrm>
+          <a:prstGeom prst="rect">
+            <a:avLst/>
+          </a:prstGeom>
+        </p:spPr>
+      </p:pic>
+    </p:spTree>
+    <p:extLst>
+      <p:ext uri="{BB962C8B-B14F-4D97-AF65-F5344CB8AC3E}">
+        <p14:creationId xmlns:p14="http://schemas.microsoft.com/office/powerpoint/2010/main" val="3043631956"/>
+      </p:ext>
+    </p:extLst>
+  </p:cSld>
+  <p:clrMapOvr>
+    <a:masterClrMapping/>
+  </p:clrMapOvr>
+  <mc:AlternateContent xmlns:mc="http://schemas.openxmlformats.org/markup-compatibility/2006" xmlns:p14="http://schemas.microsoft.com/office/powerpoint/2010/main">
+    <mc:Choice Requires="p14">
+      <p:transition p14:dur="250">
+        <p:fade/>
+      </p:transition>
+    </mc:Choice>
+    <mc:Fallback xmlns="">
+      <p:transition>
+        <p:fade/>
+      </p:transition>
+    </mc:Fallback>
+  </mc:AlternateContent>
+</p:sld>
+</file>
+
+<file path=ppt/slides/slide25.xml><?xml version="1.0" encoding="utf-8"?>
+<p:sld xmlns:a="http://schemas.openxmlformats.org/drawingml/2006/main" xmlns:r="http://schemas.openxmlformats.org/officeDocument/2006/relationships" xmlns:p="http://schemas.openxmlformats.org/presentationml/2006/main">
+  <p:cSld>
+    <p:spTree>
+      <p:nvGrpSpPr>
+        <p:cNvPr id="1" name=""/>
+        <p:cNvGrpSpPr/>
+        <p:nvPr/>
+      </p:nvGrpSpPr>
+      <p:grpSpPr>
+        <a:xfrm>
+          <a:off x="0" y="0"/>
+          <a:ext cx="0" cy="0"/>
+          <a:chOff x="0" y="0"/>
+          <a:chExt cx="0" cy="0"/>
+        </a:xfrm>
+      </p:grpSpPr>
+      <p:pic>
+        <p:nvPicPr>
+          <p:cNvPr id="8" name="图片 7">
+            <a:extLst>
+              <a:ext uri="{FF2B5EF4-FFF2-40B4-BE49-F238E27FC236}">
+                <a16:creationId xmlns:a16="http://schemas.microsoft.com/office/drawing/2014/main" id="{D210DFCA-857A-4CDB-AEEA-8F4D2BE15E68}"/>
+              </a:ext>
+            </a:extLst>
+          </p:cNvPr>
+          <p:cNvPicPr>
+            <a:picLocks noChangeAspect="1"/>
+          </p:cNvPicPr>
+          <p:nvPr/>
+        </p:nvPicPr>
+        <p:blipFill rotWithShape="1">
+          <a:blip r:embed="rId3" cstate="screen">
+            <a:extLst>
+              <a:ext uri="{28A0092B-C50C-407E-A947-70E740481C1C}">
+                <a14:useLocalDpi xmlns:a14="http://schemas.microsoft.com/office/drawing/2010/main"/>
+              </a:ext>
+            </a:extLst>
+          </a:blip>
+          <a:srcRect/>
+          <a:stretch/>
+        </p:blipFill>
+        <p:spPr>
+          <a:xfrm rot="10800000">
+            <a:off x="10423581" y="4838979"/>
+            <a:ext cx="1674587" cy="1860967"/>
+          </a:xfrm>
+          <a:prstGeom prst="rect">
+            <a:avLst/>
+          </a:prstGeom>
+        </p:spPr>
+      </p:pic>
+      <p:sp>
+        <p:nvSpPr>
+          <p:cNvPr id="6145" name="Rectangle 1"/>
+          <p:cNvSpPr>
+            <a:spLocks noChangeArrowheads="1"/>
+          </p:cNvSpPr>
+          <p:nvPr/>
+        </p:nvSpPr>
+        <p:spPr bwMode="auto">
+          <a:xfrm>
+            <a:off x="0" y="3098042"/>
+            <a:ext cx="4572000" cy="461665"/>
+          </a:xfrm>
+          <a:prstGeom prst="rect">
+            <a:avLst/>
+          </a:prstGeom>
+          <a:noFill/>
+          <a:ln w="9525">
+            <a:noFill/>
+            <a:miter lim="800000"/>
+            <a:headEnd/>
+            <a:tailEnd/>
+          </a:ln>
+          <a:effectLst/>
+        </p:spPr>
+        <p:txBody>
+          <a:bodyPr vert="horz" wrap="square" lIns="91440" tIns="45720" rIns="91440" bIns="45720" numCol="1" anchor="ctr" anchorCtr="0" compatLnSpc="1">
+            <a:prstTxWarp prst="textNoShape">
+              <a:avLst/>
+            </a:prstTxWarp>
+            <a:spAutoFit/>
+          </a:bodyPr>
+          <a:lstStyle/>
+          <a:p>
+            <a:pPr marL="457200" marR="0" lvl="1" indent="0" algn="l" defTabSz="914400" rtl="0" eaLnBrk="1" fontAlgn="base" latinLnBrk="0" hangingPunct="1">
+              <a:lnSpc>
+                <a:spcPct val="100000"/>
+              </a:lnSpc>
+              <a:spcBef>
+                <a:spcPct val="0"/>
+              </a:spcBef>
+              <a:spcAft>
+                <a:spcPct val="0"/>
+              </a:spcAft>
+              <a:buClr>
+                <a:srgbClr val="2D74B5"/>
+              </a:buClr>
+              <a:buSzPct val="100000"/>
+              <a:tabLst>
+                <a:tab pos="228600" algn="l"/>
+                <a:tab pos="804863" algn="l"/>
+              </a:tabLst>
+            </a:pPr>
+            <a:r>
+              <a:rPr kumimoji="0" lang="en-US" sz="2400" b="0" i="0" u="none" strike="noStrike" cap="none" normalizeH="0" baseline="0" dirty="0">
+                <a:ln>
+                  <a:noFill/>
+                </a:ln>
+                <a:solidFill>
+                  <a:schemeClr val="bg1"/>
+                </a:solidFill>
+                <a:effectLst/>
+                <a:latin typeface="Arial" pitchFamily="34" charset="0"/>
+                <a:ea typeface="Times New Roman" pitchFamily="18" charset="0"/>
+                <a:cs typeface="Arial" pitchFamily="34" charset="0"/>
+              </a:rPr>
+              <a:t>User Sequence Diagram</a:t>
+            </a:r>
+            <a:endParaRPr kumimoji="0" lang="en-US" sz="2400" b="0" i="0" u="none" strike="noStrike" cap="none" normalizeH="0" baseline="0" dirty="0">
+              <a:ln>
+                <a:noFill/>
+              </a:ln>
+              <a:solidFill>
+                <a:schemeClr val="bg1"/>
+              </a:solidFill>
+              <a:effectLst/>
+              <a:latin typeface="Arial" pitchFamily="34" charset="0"/>
+              <a:cs typeface="Arial" pitchFamily="34" charset="0"/>
+            </a:endParaRPr>
+          </a:p>
+        </p:txBody>
+      </p:sp>
+      <p:pic>
+        <p:nvPicPr>
+          <p:cNvPr id="14" name="image6.png"/>
+          <p:cNvPicPr/>
+          <p:nvPr/>
+        </p:nvPicPr>
+        <p:blipFill>
+          <a:blip r:embed="rId4" cstate="print"/>
+          <a:stretch>
+            <a:fillRect/>
+          </a:stretch>
+        </p:blipFill>
+        <p:spPr>
+          <a:xfrm>
+            <a:off x="4905374" y="0"/>
+            <a:ext cx="7286625" cy="6858000"/>
+          </a:xfrm>
+          <a:prstGeom prst="rect">
+            <a:avLst/>
+          </a:prstGeom>
+        </p:spPr>
+      </p:pic>
+    </p:spTree>
+    <p:extLst>
+      <p:ext uri="{BB962C8B-B14F-4D97-AF65-F5344CB8AC3E}">
+        <p14:creationId xmlns:p14="http://schemas.microsoft.com/office/powerpoint/2010/main" val="3751746172"/>
+      </p:ext>
+    </p:extLst>
+  </p:cSld>
+  <p:clrMapOvr>
+    <a:masterClrMapping/>
+  </p:clrMapOvr>
+  <mc:AlternateContent xmlns:mc="http://schemas.openxmlformats.org/markup-compatibility/2006" xmlns:p14="http://schemas.microsoft.com/office/powerpoint/2010/main">
+    <mc:Choice Requires="p14">
+      <p:transition p14:dur="250">
+        <p:fade/>
+      </p:transition>
+    </mc:Choice>
+    <mc:Fallback xmlns="">
+      <p:transition>
+        <p:fade/>
+      </p:transition>
+    </mc:Fallback>
+  </mc:AlternateContent>
+</p:sld>
+</file>
+
+<file path=ppt/slides/slide26.xml><?xml version="1.0" encoding="utf-8"?>
+<p:sld xmlns:a="http://schemas.openxmlformats.org/drawingml/2006/main" xmlns:r="http://schemas.openxmlformats.org/officeDocument/2006/relationships" xmlns:p="http://schemas.openxmlformats.org/presentationml/2006/main">
+  <p:cSld>
+    <p:spTree>
+      <p:nvGrpSpPr>
+        <p:cNvPr id="1" name=""/>
+        <p:cNvGrpSpPr/>
+        <p:nvPr/>
+      </p:nvGrpSpPr>
+      <p:grpSpPr>
+        <a:xfrm>
+          <a:off x="0" y="0"/>
+          <a:ext cx="0" cy="0"/>
+          <a:chOff x="0" y="0"/>
+          <a:chExt cx="0" cy="0"/>
+        </a:xfrm>
+      </p:grpSpPr>
+      <p:pic>
+        <p:nvPicPr>
+          <p:cNvPr id="3" name="image3.png"/>
+          <p:cNvPicPr/>
+          <p:nvPr/>
+        </p:nvPicPr>
+        <p:blipFill>
+          <a:blip r:embed="rId2" cstate="print"/>
+          <a:stretch>
+            <a:fillRect/>
+          </a:stretch>
+        </p:blipFill>
+        <p:spPr>
+          <a:xfrm>
+            <a:off x="4176215" y="0"/>
+            <a:ext cx="8015785" cy="6858000"/>
+          </a:xfrm>
+          <a:prstGeom prst="rect">
+            <a:avLst/>
+          </a:prstGeom>
+        </p:spPr>
+        <p:style>
+          <a:lnRef idx="2">
+            <a:schemeClr val="dk1"/>
+          </a:lnRef>
+          <a:fillRef idx="1">
+            <a:schemeClr val="lt1"/>
+          </a:fillRef>
+          <a:effectRef idx="0">
+            <a:schemeClr val="dk1"/>
+          </a:effectRef>
+          <a:fontRef idx="minor">
+            <a:schemeClr val="dk1"/>
+          </a:fontRef>
+        </p:style>
+      </p:pic>
+      <p:sp>
+        <p:nvSpPr>
+          <p:cNvPr id="5" name="Rectangle 4"/>
+          <p:cNvSpPr/>
+          <p:nvPr/>
+        </p:nvSpPr>
+        <p:spPr>
+          <a:xfrm>
+            <a:off x="233979" y="2684776"/>
+            <a:ext cx="3539752" cy="954107"/>
+          </a:xfrm>
+          <a:prstGeom prst="rect">
+            <a:avLst/>
+          </a:prstGeom>
+        </p:spPr>
+        <p:txBody>
+          <a:bodyPr wrap="none">
+            <a:spAutoFit/>
+          </a:bodyPr>
+          <a:lstStyle/>
+          <a:p>
+            <a:pPr lvl="0"/>
+            <a:r>
+              <a:rPr lang="en-US" sz="2800" b="1" dirty="0">
+                <a:solidFill>
+                  <a:schemeClr val="bg1"/>
+                </a:solidFill>
+              </a:rPr>
+              <a:t>Entity Relationship </a:t>
+            </a:r>
+          </a:p>
+          <a:p>
+            <a:pPr lvl="0"/>
+            <a:r>
+              <a:rPr lang="en-US" sz="2800" b="1" dirty="0">
+                <a:solidFill>
+                  <a:schemeClr val="bg1"/>
+                </a:solidFill>
+              </a:rPr>
+              <a:t>          Diagram</a:t>
+            </a:r>
+          </a:p>
+        </p:txBody>
+      </p:sp>
+    </p:spTree>
+  </p:cSld>
+  <p:clrMapOvr>
+    <a:masterClrMapping/>
+  </p:clrMapOvr>
+  <mc:AlternateContent xmlns:mc="http://schemas.openxmlformats.org/markup-compatibility/2006" xmlns:p14="http://schemas.microsoft.com/office/powerpoint/2010/main">
+    <mc:Choice Requires="p14">
+      <p:transition p14:dur="250">
+        <p:fade/>
+      </p:transition>
+    </mc:Choice>
+    <mc:Fallback xmlns="">
+      <p:transition>
+        <p:fade/>
+      </p:transition>
+    </mc:Fallback>
+  </mc:AlternateContent>
+</p:sld>
+</file>
+
+<file path=ppt/slides/slide27.xml><?xml version="1.0" encoding="utf-8"?>
+<p:sld xmlns:a="http://schemas.openxmlformats.org/drawingml/2006/main" xmlns:r="http://schemas.openxmlformats.org/officeDocument/2006/relationships" xmlns:p="http://schemas.openxmlformats.org/presentationml/2006/main">
+  <p:cSld>
+    <p:spTree>
+      <p:nvGrpSpPr>
+        <p:cNvPr id="1" name=""/>
+        <p:cNvGrpSpPr/>
+        <p:nvPr/>
+      </p:nvGrpSpPr>
+      <p:grpSpPr>
+        <a:xfrm>
+          <a:off x="0" y="0"/>
+          <a:ext cx="0" cy="0"/>
+          <a:chOff x="0" y="0"/>
+          <a:chExt cx="0" cy="0"/>
+        </a:xfrm>
+      </p:grpSpPr>
+      <p:sp>
+        <p:nvSpPr>
+          <p:cNvPr id="87041" name="Rectangle 1"/>
+          <p:cNvSpPr>
+            <a:spLocks noChangeArrowheads="1"/>
+          </p:cNvSpPr>
+          <p:nvPr/>
+        </p:nvSpPr>
+        <p:spPr bwMode="auto">
+          <a:xfrm>
+            <a:off x="320109" y="887105"/>
+            <a:ext cx="4055919" cy="584775"/>
+          </a:xfrm>
+          <a:prstGeom prst="rect">
+            <a:avLst/>
+          </a:prstGeom>
+          <a:noFill/>
+          <a:ln w="9525">
+            <a:noFill/>
+            <a:miter lim="800000"/>
+            <a:headEnd/>
+            <a:tailEnd/>
+          </a:ln>
+          <a:effectLst/>
+        </p:spPr>
+        <p:txBody>
+          <a:bodyPr vert="horz" wrap="none" lIns="91440" tIns="45720" rIns="91440" bIns="45720" numCol="1" anchor="ctr" anchorCtr="0" compatLnSpc="1">
+            <a:prstTxWarp prst="textNoShape">
+              <a:avLst/>
+            </a:prstTxWarp>
+            <a:spAutoFit/>
+          </a:bodyPr>
+          <a:lstStyle/>
+          <a:p>
+            <a:pPr marL="0" marR="0" lvl="0" indent="0" algn="justLow" defTabSz="914400" rtl="0" eaLnBrk="1" fontAlgn="base" latinLnBrk="0" hangingPunct="1">
+              <a:lnSpc>
+                <a:spcPct val="100000"/>
+              </a:lnSpc>
+              <a:spcBef>
+                <a:spcPct val="0"/>
+              </a:spcBef>
+              <a:spcAft>
+                <a:spcPct val="0"/>
+              </a:spcAft>
+              <a:buClrTx/>
+              <a:buSzTx/>
+              <a:tabLst>
+                <a:tab pos="342900" algn="l"/>
+              </a:tabLst>
+            </a:pPr>
+            <a:r>
+              <a:rPr kumimoji="0" lang="en-US" sz="3200" b="0" i="0" u="none" strike="noStrike" cap="none" normalizeH="0" baseline="0" dirty="0">
+                <a:ln>
+                  <a:noFill/>
+                </a:ln>
+                <a:solidFill>
+                  <a:schemeClr val="bg1"/>
+                </a:solidFill>
+                <a:effectLst/>
+                <a:latin typeface="Arial" pitchFamily="34" charset="0"/>
+                <a:ea typeface="Times New Roman" pitchFamily="18" charset="0"/>
+                <a:cs typeface="Arial" pitchFamily="34" charset="0"/>
+              </a:rPr>
+              <a:t>User interface design</a:t>
+            </a:r>
+            <a:endParaRPr kumimoji="0" lang="en-US" sz="3200" b="0" i="0" u="none" strike="noStrike" cap="none" normalizeH="0" baseline="0" dirty="0">
+              <a:ln>
+                <a:noFill/>
+              </a:ln>
+              <a:solidFill>
+                <a:schemeClr val="bg1"/>
+              </a:solidFill>
+              <a:effectLst/>
+              <a:latin typeface="Arial" pitchFamily="34" charset="0"/>
+              <a:cs typeface="Arial" pitchFamily="34" charset="0"/>
+            </a:endParaRPr>
+          </a:p>
+        </p:txBody>
+      </p:sp>
+      <p:pic>
+        <p:nvPicPr>
+          <p:cNvPr id="4" name="image10.jpeg"/>
+          <p:cNvPicPr/>
+          <p:nvPr/>
+        </p:nvPicPr>
+        <p:blipFill>
+          <a:blip r:embed="rId2" cstate="print"/>
+          <a:stretch>
+            <a:fillRect/>
+          </a:stretch>
+        </p:blipFill>
+        <p:spPr>
+          <a:xfrm>
+            <a:off x="5581934" y="0"/>
+            <a:ext cx="6610065" cy="6858000"/>
+          </a:xfrm>
+          <a:prstGeom prst="rect">
+            <a:avLst/>
+          </a:prstGeom>
+        </p:spPr>
+      </p:pic>
+      <p:sp>
+        <p:nvSpPr>
+          <p:cNvPr id="87042" name="Rectangle 2"/>
+          <p:cNvSpPr>
+            <a:spLocks noChangeArrowheads="1"/>
+          </p:cNvSpPr>
+          <p:nvPr/>
+        </p:nvSpPr>
+        <p:spPr bwMode="auto">
+          <a:xfrm>
+            <a:off x="-859809" y="2770496"/>
+            <a:ext cx="4172361" cy="885482"/>
+          </a:xfrm>
+          <a:prstGeom prst="rect">
+            <a:avLst/>
+          </a:prstGeom>
+          <a:noFill/>
+          <a:ln w="9525">
+            <a:noFill/>
+            <a:miter lim="800000"/>
+            <a:headEnd/>
+            <a:tailEnd/>
+          </a:ln>
+          <a:effectLst/>
+        </p:spPr>
+        <p:txBody>
+          <a:bodyPr vert="horz" wrap="none" lIns="804609" tIns="53958" rIns="0" bIns="0" numCol="1" anchor="ctr" anchorCtr="0" compatLnSpc="1">
+            <a:prstTxWarp prst="textNoShape">
+              <a:avLst/>
+            </a:prstTxWarp>
+            <a:spAutoFit/>
+          </a:bodyPr>
+          <a:lstStyle/>
+          <a:p>
+            <a:pPr marL="914400" marR="0" lvl="2" indent="0" algn="l" defTabSz="914400" rtl="0" eaLnBrk="1" fontAlgn="base" latinLnBrk="0" hangingPunct="1">
+              <a:lnSpc>
+                <a:spcPct val="100000"/>
+              </a:lnSpc>
+              <a:spcBef>
+                <a:spcPct val="0"/>
+              </a:spcBef>
+              <a:spcAft>
+                <a:spcPct val="0"/>
+              </a:spcAft>
+              <a:buClr>
+                <a:srgbClr val="2D74B5"/>
+              </a:buClr>
+              <a:buSzPct val="100000"/>
+              <a:tabLst/>
+            </a:pPr>
+            <a:r>
+              <a:rPr kumimoji="0" lang="en-US" sz="3600" b="0" i="0" u="none" strike="noStrike" cap="none" normalizeH="0" baseline="0" dirty="0">
+                <a:ln>
+                  <a:noFill/>
+                </a:ln>
+                <a:solidFill>
+                  <a:schemeClr val="bg1"/>
+                </a:solidFill>
+                <a:effectLst/>
+                <a:latin typeface="Arial" pitchFamily="34" charset="0"/>
+                <a:ea typeface="Times New Roman" pitchFamily="18" charset="0"/>
+                <a:cs typeface="Arial" pitchFamily="34" charset="0"/>
+              </a:rPr>
+              <a:t>Home Page</a:t>
+            </a:r>
+          </a:p>
+          <a:p>
+            <a:pPr marL="0" marR="0" lvl="0" indent="0" algn="l" defTabSz="914400" rtl="0" eaLnBrk="0" fontAlgn="base" latinLnBrk="0" hangingPunct="0">
+              <a:lnSpc>
+                <a:spcPct val="100000"/>
+              </a:lnSpc>
+              <a:spcBef>
+                <a:spcPct val="0"/>
+              </a:spcBef>
+              <a:spcAft>
+                <a:spcPct val="0"/>
+              </a:spcAft>
+              <a:buClrTx/>
+              <a:buSzTx/>
+              <a:buFontTx/>
+              <a:buNone/>
+              <a:tabLst/>
+            </a:pPr>
+            <a:endParaRPr kumimoji="0" lang="en-US" sz="1800" b="0" i="0" u="none" strike="noStrike" cap="none" normalizeH="0" baseline="0" dirty="0">
+              <a:ln>
+                <a:noFill/>
+              </a:ln>
+              <a:solidFill>
+                <a:schemeClr val="tx1"/>
+              </a:solidFill>
+              <a:effectLst/>
+              <a:latin typeface="Arial" pitchFamily="34" charset="0"/>
+              <a:cs typeface="Arial" pitchFamily="34" charset="0"/>
+            </a:endParaRPr>
+          </a:p>
+        </p:txBody>
+      </p:sp>
+    </p:spTree>
+  </p:cSld>
+  <p:clrMapOvr>
+    <a:masterClrMapping/>
+  </p:clrMapOvr>
+  <mc:AlternateContent xmlns:mc="http://schemas.openxmlformats.org/markup-compatibility/2006" xmlns:p14="http://schemas.microsoft.com/office/powerpoint/2010/main">
+    <mc:Choice Requires="p14">
+      <p:transition p14:dur="250">
+        <p:fade/>
+      </p:transition>
+    </mc:Choice>
+    <mc:Fallback xmlns="">
+      <p:transition>
+        <p:fade/>
+      </p:transition>
+    </mc:Fallback>
+  </mc:AlternateContent>
+</p:sld>
+</file>
+
+<file path=ppt/slides/slide28.xml><?xml version="1.0" encoding="utf-8"?>
+<p:sld xmlns:a="http://schemas.openxmlformats.org/drawingml/2006/main" xmlns:r="http://schemas.openxmlformats.org/officeDocument/2006/relationships" xmlns:p="http://schemas.openxmlformats.org/presentationml/2006/main">
+  <p:cSld>
+    <p:spTree>
+      <p:nvGrpSpPr>
+        <p:cNvPr id="1" name=""/>
+        <p:cNvGrpSpPr/>
+        <p:nvPr/>
+      </p:nvGrpSpPr>
+      <p:grpSpPr>
+        <a:xfrm>
+          <a:off x="0" y="0"/>
+          <a:ext cx="0" cy="0"/>
+          <a:chOff x="0" y="0"/>
+          <a:chExt cx="0" cy="0"/>
+        </a:xfrm>
+      </p:grpSpPr>
+      <p:sp>
+        <p:nvSpPr>
+          <p:cNvPr id="89089" name="Rectangle 1"/>
+          <p:cNvSpPr>
+            <a:spLocks noChangeArrowheads="1"/>
+          </p:cNvSpPr>
+          <p:nvPr/>
+        </p:nvSpPr>
+        <p:spPr bwMode="auto">
+          <a:xfrm>
+            <a:off x="0" y="2538484"/>
+            <a:ext cx="2546082" cy="584775"/>
+          </a:xfrm>
+          <a:prstGeom prst="rect">
+            <a:avLst/>
+          </a:prstGeom>
+          <a:noFill/>
+          <a:ln w="9525">
+            <a:noFill/>
+            <a:miter lim="800000"/>
+            <a:headEnd/>
+            <a:tailEnd/>
+          </a:ln>
+          <a:effectLst/>
+        </p:spPr>
+        <p:txBody>
+          <a:bodyPr vert="horz" wrap="none" lIns="91440" tIns="45720" rIns="91440" bIns="45720" numCol="1" anchor="ctr" anchorCtr="0" compatLnSpc="1">
+            <a:prstTxWarp prst="textNoShape">
+              <a:avLst/>
+            </a:prstTxWarp>
+            <a:spAutoFit/>
+          </a:bodyPr>
+          <a:lstStyle/>
+          <a:p>
+            <a:pPr marL="457200" marR="0" lvl="1" indent="0" algn="l" defTabSz="914400" rtl="0" eaLnBrk="1" fontAlgn="base" latinLnBrk="0" hangingPunct="1">
+              <a:lnSpc>
+                <a:spcPct val="100000"/>
+              </a:lnSpc>
+              <a:spcBef>
+                <a:spcPct val="0"/>
+              </a:spcBef>
+              <a:spcAft>
+                <a:spcPct val="0"/>
+              </a:spcAft>
+              <a:buClr>
+                <a:srgbClr val="2D74B5"/>
+              </a:buClr>
+              <a:buSzPct val="100000"/>
+              <a:tabLst>
+                <a:tab pos="228600" algn="l"/>
+                <a:tab pos="804863" algn="l"/>
+              </a:tabLst>
+            </a:pPr>
+            <a:r>
+              <a:rPr kumimoji="0" lang="en-US" sz="3200" b="0" i="0" u="none" strike="noStrike" cap="none" normalizeH="0" baseline="0" dirty="0">
+                <a:ln>
+                  <a:noFill/>
+                </a:ln>
+                <a:solidFill>
+                  <a:schemeClr val="bg1"/>
+                </a:solidFill>
+                <a:effectLst/>
+                <a:latin typeface="Calibri Light" pitchFamily="34" charset="0"/>
+                <a:ea typeface="Times New Roman" pitchFamily="18" charset="0"/>
+                <a:cs typeface="Calibri Light" pitchFamily="34" charset="0"/>
+              </a:rPr>
+              <a:t>About page</a:t>
+            </a:r>
+            <a:endParaRPr kumimoji="0" lang="en-US" sz="4400" b="0" i="0" u="none" strike="noStrike" cap="none" normalizeH="0" baseline="0" dirty="0">
+              <a:ln>
+                <a:noFill/>
+              </a:ln>
+              <a:solidFill>
+                <a:schemeClr val="bg1"/>
+              </a:solidFill>
+              <a:effectLst/>
+              <a:latin typeface="Arial" pitchFamily="34" charset="0"/>
+              <a:cs typeface="Arial" pitchFamily="34" charset="0"/>
+            </a:endParaRPr>
+          </a:p>
+        </p:txBody>
+      </p:sp>
+      <p:pic>
+        <p:nvPicPr>
+          <p:cNvPr id="5" name="image12.jpeg"/>
+          <p:cNvPicPr/>
+          <p:nvPr/>
+        </p:nvPicPr>
+        <p:blipFill>
+          <a:blip r:embed="rId2" cstate="print"/>
+          <a:stretch>
+            <a:fillRect/>
+          </a:stretch>
+        </p:blipFill>
+        <p:spPr>
+          <a:xfrm>
+            <a:off x="3411640" y="0"/>
+            <a:ext cx="8780360" cy="6858000"/>
+          </a:xfrm>
+          <a:prstGeom prst="rect">
+            <a:avLst/>
+          </a:prstGeom>
+        </p:spPr>
+      </p:pic>
+    </p:spTree>
+  </p:cSld>
+  <p:clrMapOvr>
+    <a:masterClrMapping/>
+  </p:clrMapOvr>
+  <mc:AlternateContent xmlns:mc="http://schemas.openxmlformats.org/markup-compatibility/2006" xmlns:p14="http://schemas.microsoft.com/office/powerpoint/2010/main">
+    <mc:Choice Requires="p14">
+      <p:transition p14:dur="250">
+        <p:fade/>
+      </p:transition>
+    </mc:Choice>
+    <mc:Fallback xmlns="">
+      <p:transition>
+        <p:fade/>
+      </p:transition>
+    </mc:Fallback>
+  </mc:AlternateContent>
+</p:sld>
+</file>
+
+<file path=ppt/slides/slide29.xml><?xml version="1.0" encoding="utf-8"?>
+<p:sld xmlns:a="http://schemas.openxmlformats.org/drawingml/2006/main" xmlns:r="http://schemas.openxmlformats.org/officeDocument/2006/relationships" xmlns:p="http://schemas.openxmlformats.org/presentationml/2006/main">
+  <p:cSld>
+    <p:spTree>
+      <p:nvGrpSpPr>
+        <p:cNvPr id="1" name=""/>
+        <p:cNvGrpSpPr/>
+        <p:nvPr/>
+      </p:nvGrpSpPr>
+      <p:grpSpPr>
+        <a:xfrm>
+          <a:off x="0" y="0"/>
+          <a:ext cx="0" cy="0"/>
+          <a:chOff x="0" y="0"/>
+          <a:chExt cx="0" cy="0"/>
+        </a:xfrm>
+      </p:grpSpPr>
+      <p:sp>
+        <p:nvSpPr>
+          <p:cNvPr id="90113" name="Rectangle 1"/>
+          <p:cNvSpPr>
+            <a:spLocks noChangeArrowheads="1"/>
+          </p:cNvSpPr>
+          <p:nvPr/>
+        </p:nvSpPr>
+        <p:spPr bwMode="auto">
+          <a:xfrm>
+            <a:off x="-955343" y="2947917"/>
+            <a:ext cx="4339988" cy="820721"/>
+          </a:xfrm>
+          <a:prstGeom prst="rect">
+            <a:avLst/>
+          </a:prstGeom>
+          <a:noFill/>
+          <a:ln w="9525">
+            <a:noFill/>
+            <a:miter lim="800000"/>
+            <a:headEnd/>
+            <a:tailEnd/>
+          </a:ln>
+          <a:effectLst/>
+        </p:spPr>
+        <p:txBody>
+          <a:bodyPr vert="horz" wrap="square" lIns="804609" tIns="50784" rIns="0" bIns="0" numCol="1" anchor="ctr" anchorCtr="0" compatLnSpc="1">
+            <a:prstTxWarp prst="textNoShape">
+              <a:avLst/>
+            </a:prstTxWarp>
+            <a:spAutoFit/>
+          </a:bodyPr>
+          <a:lstStyle/>
+          <a:p>
+            <a:pPr marL="914400" marR="0" lvl="2" indent="0" algn="l" defTabSz="914400" rtl="0" eaLnBrk="1" fontAlgn="base" latinLnBrk="0" hangingPunct="1">
+              <a:lnSpc>
+                <a:spcPct val="100000"/>
+              </a:lnSpc>
+              <a:spcBef>
+                <a:spcPct val="0"/>
+              </a:spcBef>
+              <a:spcAft>
+                <a:spcPct val="0"/>
+              </a:spcAft>
+              <a:buClr>
+                <a:srgbClr val="2D74B5"/>
+              </a:buClr>
+              <a:buSzPct val="100000"/>
+              <a:tabLst/>
+            </a:pPr>
+            <a:r>
+              <a:rPr kumimoji="0" lang="en-US" sz="3200" b="0" i="0" u="none" strike="noStrike" cap="none" normalizeH="0" baseline="0" dirty="0">
+                <a:ln>
+                  <a:noFill/>
+                </a:ln>
+                <a:solidFill>
+                  <a:schemeClr val="bg1"/>
+                </a:solidFill>
+                <a:effectLst/>
+                <a:latin typeface="Arial" pitchFamily="34" charset="0"/>
+                <a:ea typeface="Times New Roman" pitchFamily="18" charset="0"/>
+                <a:cs typeface="Arial" pitchFamily="34" charset="0"/>
+              </a:rPr>
+              <a:t>Contact US</a:t>
+            </a:r>
+          </a:p>
+          <a:p>
+            <a:pPr marL="0" marR="0" lvl="0" indent="0" algn="l" defTabSz="914400" rtl="0" eaLnBrk="0" fontAlgn="base" latinLnBrk="0" hangingPunct="0">
+              <a:lnSpc>
+                <a:spcPct val="100000"/>
+              </a:lnSpc>
+              <a:spcBef>
+                <a:spcPct val="0"/>
+              </a:spcBef>
+              <a:spcAft>
+                <a:spcPct val="0"/>
+              </a:spcAft>
+              <a:buClrTx/>
+              <a:buSzTx/>
+              <a:buFontTx/>
+              <a:buNone/>
+              <a:tabLst/>
+            </a:pPr>
+            <a:endParaRPr kumimoji="0" lang="en-US" sz="1800" b="0" i="0" u="none" strike="noStrike" cap="none" normalizeH="0" baseline="0" dirty="0">
+              <a:ln>
+                <a:noFill/>
+              </a:ln>
+              <a:solidFill>
+                <a:schemeClr val="tx1"/>
+              </a:solidFill>
+              <a:effectLst/>
+              <a:latin typeface="Arial" pitchFamily="34" charset="0"/>
+              <a:cs typeface="Arial" pitchFamily="34" charset="0"/>
+            </a:endParaRPr>
+          </a:p>
+        </p:txBody>
+      </p:sp>
+      <p:pic>
+        <p:nvPicPr>
+          <p:cNvPr id="4" name="image13.jpeg"/>
+          <p:cNvPicPr/>
+          <p:nvPr/>
+        </p:nvPicPr>
+        <p:blipFill>
+          <a:blip r:embed="rId2" cstate="print"/>
+          <a:stretch>
+            <a:fillRect/>
+          </a:stretch>
+        </p:blipFill>
+        <p:spPr>
+          <a:xfrm>
+            <a:off x="4270216" y="0"/>
+            <a:ext cx="7921783" cy="6858000"/>
+          </a:xfrm>
+          <a:prstGeom prst="rect">
+            <a:avLst/>
+          </a:prstGeom>
+        </p:spPr>
+      </p:pic>
+    </p:spTree>
+  </p:cSld>
+  <p:clrMapOvr>
+    <a:masterClrMapping/>
+  </p:clrMapOvr>
+  <mc:AlternateContent xmlns:mc="http://schemas.openxmlformats.org/markup-compatibility/2006" xmlns:p14="http://schemas.microsoft.com/office/powerpoint/2010/main">
+    <mc:Choice Requires="p14">
+      <p:transition p14:dur="250">
+        <p:fade/>
+      </p:transition>
+    </mc:Choice>
+    <mc:Fallback xmlns="">
+      <p:transition>
+        <p:fade/>
+      </p:transition>
+    </mc:Fallback>
+  </mc:AlternateContent>
+</p:sld>
+</file>
+
+<file path=ppt/slides/slide3.xml><?xml version="1.0" encoding="utf-8"?>
 <p:sld xmlns:a="http://schemas.openxmlformats.org/drawingml/2006/main" xmlns:r="http://schemas.openxmlformats.org/officeDocument/2006/relationships" xmlns:p="http://schemas.openxmlformats.org/presentationml/2006/main" showMasterSp="0">
   <p:cSld>
     <p:spTree>
@@ -23232,1547 +27557,7 @@
 </p:sld>
 </file>
 
-<file path=ppt/slides/slide20.xml><?xml version="1.0" encoding="utf-8"?>
-<p:sld xmlns:a="http://schemas.openxmlformats.org/drawingml/2006/main" xmlns:r="http://schemas.openxmlformats.org/officeDocument/2006/relationships" xmlns:p="http://schemas.openxmlformats.org/presentationml/2006/main">
-  <p:cSld>
-    <p:spTree>
-      <p:nvGrpSpPr>
-        <p:cNvPr id="1" name=""/>
-        <p:cNvGrpSpPr/>
-        <p:nvPr/>
-      </p:nvGrpSpPr>
-      <p:grpSpPr>
-        <a:xfrm>
-          <a:off x="0" y="0"/>
-          <a:ext cx="0" cy="0"/>
-          <a:chOff x="0" y="0"/>
-          <a:chExt cx="0" cy="0"/>
-        </a:xfrm>
-      </p:grpSpPr>
-      <p:pic>
-        <p:nvPicPr>
-          <p:cNvPr id="8" name="图片 7">
-            <a:extLst>
-              <a:ext uri="{FF2B5EF4-FFF2-40B4-BE49-F238E27FC236}">
-                <a16:creationId xmlns:a16="http://schemas.microsoft.com/office/drawing/2014/main" id="{D210DFCA-857A-4CDB-AEEA-8F4D2BE15E68}"/>
-              </a:ext>
-            </a:extLst>
-          </p:cNvPr>
-          <p:cNvPicPr>
-            <a:picLocks noChangeAspect="1"/>
-          </p:cNvPicPr>
-          <p:nvPr/>
-        </p:nvPicPr>
-        <p:blipFill rotWithShape="1">
-          <a:blip r:embed="rId3" cstate="screen">
-            <a:extLst>
-              <a:ext uri="{28A0092B-C50C-407E-A947-70E740481C1C}">
-                <a14:useLocalDpi xmlns:a14="http://schemas.microsoft.com/office/drawing/2010/main"/>
-              </a:ext>
-            </a:extLst>
-          </a:blip>
-          <a:srcRect/>
-          <a:stretch/>
-        </p:blipFill>
-        <p:spPr>
-          <a:xfrm rot="10800000">
-            <a:off x="10423581" y="4838979"/>
-            <a:ext cx="1674587" cy="1860967"/>
-          </a:xfrm>
-          <a:prstGeom prst="rect">
-            <a:avLst/>
-          </a:prstGeom>
-        </p:spPr>
-      </p:pic>
-      <p:pic>
-        <p:nvPicPr>
-          <p:cNvPr id="2" name="图片 7">
-            <a:extLst>
-              <a:ext uri="{FF2B5EF4-FFF2-40B4-BE49-F238E27FC236}">
-                <a16:creationId xmlns:a16="http://schemas.microsoft.com/office/drawing/2014/main" id="{8E05BB91-9E4A-5CAD-F8C1-4EFB37D204E2}"/>
-              </a:ext>
-            </a:extLst>
-          </p:cNvPr>
-          <p:cNvPicPr>
-            <a:picLocks noChangeAspect="1"/>
-          </p:cNvPicPr>
-          <p:nvPr/>
-        </p:nvPicPr>
-        <p:blipFill rotWithShape="1">
-          <a:blip r:embed="rId3" cstate="screen">
-            <a:extLst>
-              <a:ext uri="{28A0092B-C50C-407E-A947-70E740481C1C}">
-                <a14:useLocalDpi xmlns:a14="http://schemas.microsoft.com/office/drawing/2010/main"/>
-              </a:ext>
-            </a:extLst>
-          </a:blip>
-          <a:srcRect/>
-          <a:stretch/>
-        </p:blipFill>
-        <p:spPr>
-          <a:xfrm rot="334145">
-            <a:off x="-1" y="76864"/>
-            <a:ext cx="1674587" cy="1860967"/>
-          </a:xfrm>
-          <a:prstGeom prst="rect">
-            <a:avLst/>
-          </a:prstGeom>
-        </p:spPr>
-      </p:pic>
-      <p:sp>
-        <p:nvSpPr>
-          <p:cNvPr id="3" name="文本框 22">
-            <a:extLst>
-              <a:ext uri="{FF2B5EF4-FFF2-40B4-BE49-F238E27FC236}">
-                <a16:creationId xmlns:a16="http://schemas.microsoft.com/office/drawing/2014/main" id="{C815844C-356D-76AF-126D-CF2AEB891169}"/>
-              </a:ext>
-            </a:extLst>
-          </p:cNvPr>
-          <p:cNvSpPr txBox="1"/>
-          <p:nvPr/>
-        </p:nvSpPr>
-        <p:spPr>
-          <a:xfrm>
-            <a:off x="2031775" y="294495"/>
-            <a:ext cx="8272285" cy="707886"/>
-          </a:xfrm>
-          <a:prstGeom prst="rect">
-            <a:avLst/>
-          </a:prstGeom>
-          <a:noFill/>
-        </p:spPr>
-        <p:txBody>
-          <a:bodyPr vert="horz" wrap="square" rtlCol="0">
-            <a:spAutoFit/>
-          </a:bodyPr>
-          <a:lstStyle/>
-          <a:p>
-            <a:r>
-              <a:rPr lang="en-US" altLang="zh-CN" sz="4000" b="1" dirty="0">
-                <a:solidFill>
-                  <a:srgbClr val="8AC9F2"/>
-                </a:solidFill>
-                <a:effectLst>
-                  <a:outerShdw blurRad="38100" dist="38100" dir="2700000" algn="tl">
-                    <a:srgbClr val="000000">
-                      <a:alpha val="43137"/>
-                    </a:srgbClr>
-                  </a:outerShdw>
-                </a:effectLst>
-                <a:cs typeface="+mn-ea"/>
-                <a:sym typeface="+mn-lt"/>
-              </a:rPr>
-              <a:t>Architecture design diagram</a:t>
-            </a:r>
-            <a:endParaRPr lang="zh-CN" altLang="en-US" sz="4000" b="1" dirty="0">
-              <a:solidFill>
-                <a:srgbClr val="8AC9F2"/>
-              </a:solidFill>
-              <a:effectLst>
-                <a:outerShdw blurRad="38100" dist="38100" dir="2700000" algn="tl">
-                  <a:srgbClr val="000000">
-                    <a:alpha val="43137"/>
-                  </a:srgbClr>
-                </a:outerShdw>
-              </a:effectLst>
-              <a:cs typeface="+mn-ea"/>
-              <a:sym typeface="+mn-lt"/>
-            </a:endParaRPr>
-          </a:p>
-        </p:txBody>
-      </p:sp>
-      <p:pic>
-        <p:nvPicPr>
-          <p:cNvPr id="7" name="image8.jpeg"/>
-          <p:cNvPicPr/>
-          <p:nvPr/>
-        </p:nvPicPr>
-        <p:blipFill>
-          <a:blip r:embed="rId4" cstate="print"/>
-          <a:stretch>
-            <a:fillRect/>
-          </a:stretch>
-        </p:blipFill>
-        <p:spPr>
-          <a:xfrm>
-            <a:off x="996286" y="1556697"/>
-            <a:ext cx="10072048" cy="5062467"/>
-          </a:xfrm>
-          <a:prstGeom prst="rect">
-            <a:avLst/>
-          </a:prstGeom>
-        </p:spPr>
-      </p:pic>
-    </p:spTree>
-    <p:extLst>
-      <p:ext uri="{BB962C8B-B14F-4D97-AF65-F5344CB8AC3E}">
-        <p14:creationId xmlns:p14="http://schemas.microsoft.com/office/powerpoint/2010/main" val="339369453"/>
-      </p:ext>
-    </p:extLst>
-  </p:cSld>
-  <p:clrMapOvr>
-    <a:masterClrMapping/>
-  </p:clrMapOvr>
-  <mc:AlternateContent xmlns:mc="http://schemas.openxmlformats.org/markup-compatibility/2006" xmlns:p14="http://schemas.microsoft.com/office/powerpoint/2010/main">
-    <mc:Choice Requires="p14">
-      <p:transition p14:dur="250">
-        <p:fade/>
-      </p:transition>
-    </mc:Choice>
-    <mc:Fallback xmlns="">
-      <p:transition>
-        <p:fade/>
-      </p:transition>
-    </mc:Fallback>
-  </mc:AlternateContent>
-</p:sld>
-</file>
-
-<file path=ppt/slides/slide21.xml><?xml version="1.0" encoding="utf-8"?>
-<p:sld xmlns:a="http://schemas.openxmlformats.org/drawingml/2006/main" xmlns:r="http://schemas.openxmlformats.org/officeDocument/2006/relationships" xmlns:p="http://schemas.openxmlformats.org/presentationml/2006/main">
-  <p:cSld>
-    <p:spTree>
-      <p:nvGrpSpPr>
-        <p:cNvPr id="1" name=""/>
-        <p:cNvGrpSpPr/>
-        <p:nvPr/>
-      </p:nvGrpSpPr>
-      <p:grpSpPr>
-        <a:xfrm>
-          <a:off x="0" y="0"/>
-          <a:ext cx="0" cy="0"/>
-          <a:chOff x="0" y="0"/>
-          <a:chExt cx="0" cy="0"/>
-        </a:xfrm>
-      </p:grpSpPr>
-      <p:sp>
-        <p:nvSpPr>
-          <p:cNvPr id="5" name="TextBox 4">
-            <a:extLst>
-              <a:ext uri="{FF2B5EF4-FFF2-40B4-BE49-F238E27FC236}">
-                <a16:creationId xmlns:a16="http://schemas.microsoft.com/office/drawing/2014/main" id="{1E6F5897-DBD5-8945-4F9E-E6313DB165CB}"/>
-              </a:ext>
-            </a:extLst>
-          </p:cNvPr>
-          <p:cNvSpPr txBox="1"/>
-          <p:nvPr/>
-        </p:nvSpPr>
-        <p:spPr>
-          <a:xfrm>
-            <a:off x="232012" y="2984393"/>
-            <a:ext cx="7061200" cy="584775"/>
-          </a:xfrm>
-          <a:prstGeom prst="rect">
-            <a:avLst/>
-          </a:prstGeom>
-          <a:noFill/>
-        </p:spPr>
-        <p:txBody>
-          <a:bodyPr wrap="square" rtlCol="0">
-            <a:spAutoFit/>
-          </a:bodyPr>
-          <a:lstStyle/>
-          <a:p>
-            <a:r>
-              <a:rPr lang="en-US" sz="3200" b="1" dirty="0">
-                <a:solidFill>
-                  <a:srgbClr val="81C3F0"/>
-                </a:solidFill>
-              </a:rPr>
-              <a:t>Class Diagram </a:t>
-            </a:r>
-          </a:p>
-        </p:txBody>
-      </p:sp>
-      <p:pic>
-        <p:nvPicPr>
-          <p:cNvPr id="6" name="image9.png"/>
-          <p:cNvPicPr/>
-          <p:nvPr/>
-        </p:nvPicPr>
-        <p:blipFill>
-          <a:blip r:embed="rId2" cstate="print"/>
-          <a:stretch>
-            <a:fillRect/>
-          </a:stretch>
-        </p:blipFill>
-        <p:spPr>
-          <a:xfrm>
-            <a:off x="4126174" y="0"/>
-            <a:ext cx="8065826" cy="6858000"/>
-          </a:xfrm>
-          <a:prstGeom prst="rect">
-            <a:avLst/>
-          </a:prstGeom>
-        </p:spPr>
-        <p:style>
-          <a:lnRef idx="2">
-            <a:schemeClr val="accent1"/>
-          </a:lnRef>
-          <a:fillRef idx="1">
-            <a:schemeClr val="lt1"/>
-          </a:fillRef>
-          <a:effectRef idx="0">
-            <a:schemeClr val="accent1"/>
-          </a:effectRef>
-          <a:fontRef idx="minor">
-            <a:schemeClr val="dk1"/>
-          </a:fontRef>
-        </p:style>
-      </p:pic>
-    </p:spTree>
-    <p:extLst>
-      <p:ext uri="{BB962C8B-B14F-4D97-AF65-F5344CB8AC3E}">
-        <p14:creationId xmlns:p14="http://schemas.microsoft.com/office/powerpoint/2010/main" val="1320220136"/>
-      </p:ext>
-    </p:extLst>
-  </p:cSld>
-  <p:clrMapOvr>
-    <a:masterClrMapping/>
-  </p:clrMapOvr>
-  <mc:AlternateContent xmlns:mc="http://schemas.openxmlformats.org/markup-compatibility/2006" xmlns:p14="http://schemas.microsoft.com/office/powerpoint/2010/main">
-    <mc:Choice Requires="p14">
-      <p:transition p14:dur="250">
-        <p:fade/>
-      </p:transition>
-    </mc:Choice>
-    <mc:Fallback xmlns="">
-      <p:transition>
-        <p:fade/>
-      </p:transition>
-    </mc:Fallback>
-  </mc:AlternateContent>
-</p:sld>
-</file>
-
-<file path=ppt/slides/slide22.xml><?xml version="1.0" encoding="utf-8"?>
-<p:sld xmlns:a="http://schemas.openxmlformats.org/drawingml/2006/main" xmlns:r="http://schemas.openxmlformats.org/officeDocument/2006/relationships" xmlns:p="http://schemas.openxmlformats.org/presentationml/2006/main">
-  <p:cSld>
-    <p:spTree>
-      <p:nvGrpSpPr>
-        <p:cNvPr id="1" name=""/>
-        <p:cNvGrpSpPr/>
-        <p:nvPr/>
-      </p:nvGrpSpPr>
-      <p:grpSpPr>
-        <a:xfrm>
-          <a:off x="0" y="0"/>
-          <a:ext cx="0" cy="0"/>
-          <a:chOff x="0" y="0"/>
-          <a:chExt cx="0" cy="0"/>
-        </a:xfrm>
-      </p:grpSpPr>
-      <p:sp>
-        <p:nvSpPr>
-          <p:cNvPr id="2" name="Title 1">
-            <a:extLst>
-              <a:ext uri="{FF2B5EF4-FFF2-40B4-BE49-F238E27FC236}">
-                <a16:creationId xmlns:a16="http://schemas.microsoft.com/office/drawing/2014/main" id="{6E5C0E3B-A2BB-6B05-F4CA-7BE3B07E1ED2}"/>
-              </a:ext>
-            </a:extLst>
-          </p:cNvPr>
-          <p:cNvSpPr>
-            <a:spLocks noGrp="1"/>
-          </p:cNvSpPr>
-          <p:nvPr>
-            <p:ph type="title"/>
-          </p:nvPr>
-        </p:nvSpPr>
-        <p:spPr>
-          <a:xfrm>
-            <a:off x="0" y="0"/>
-            <a:ext cx="10515600" cy="904875"/>
-          </a:xfrm>
-        </p:spPr>
-        <p:txBody>
-          <a:bodyPr/>
-          <a:lstStyle/>
-          <a:p>
-            <a:r>
-              <a:rPr lang="en-US" dirty="0">
-                <a:solidFill>
-                  <a:srgbClr val="81C3F0"/>
-                </a:solidFill>
-              </a:rPr>
-              <a:t>Sequence Diagram </a:t>
-            </a:r>
-          </a:p>
-        </p:txBody>
-      </p:sp>
-      <p:pic>
-        <p:nvPicPr>
-          <p:cNvPr id="4" name="image4.png"/>
-          <p:cNvPicPr/>
-          <p:nvPr/>
-        </p:nvPicPr>
-        <p:blipFill>
-          <a:blip r:embed="rId2" cstate="print"/>
-          <a:stretch>
-            <a:fillRect/>
-          </a:stretch>
-        </p:blipFill>
-        <p:spPr>
-          <a:xfrm>
-            <a:off x="4945750" y="0"/>
-            <a:ext cx="7246250" cy="6858000"/>
-          </a:xfrm>
-          <a:prstGeom prst="rect">
-            <a:avLst/>
-          </a:prstGeom>
-        </p:spPr>
-      </p:pic>
-      <p:sp>
-        <p:nvSpPr>
-          <p:cNvPr id="8193" name="Rectangle 1"/>
-          <p:cNvSpPr>
-            <a:spLocks noChangeArrowheads="1"/>
-          </p:cNvSpPr>
-          <p:nvPr/>
-        </p:nvSpPr>
-        <p:spPr bwMode="auto">
-          <a:xfrm>
-            <a:off x="-1743503" y="2966449"/>
-            <a:ext cx="7001303" cy="733526"/>
-          </a:xfrm>
-          <a:prstGeom prst="rect">
-            <a:avLst/>
-          </a:prstGeom>
-          <a:noFill/>
-          <a:ln w="9525">
-            <a:noFill/>
-            <a:miter lim="800000"/>
-            <a:headEnd/>
-            <a:tailEnd/>
-          </a:ln>
-          <a:effectLst/>
-        </p:spPr>
-        <p:txBody>
-          <a:bodyPr vert="horz" wrap="square" lIns="804609" tIns="25392" rIns="0" bIns="0" numCol="1" anchor="ctr" anchorCtr="0" compatLnSpc="1">
-            <a:prstTxWarp prst="textNoShape">
-              <a:avLst/>
-            </a:prstTxWarp>
-            <a:spAutoFit/>
-          </a:bodyPr>
-          <a:lstStyle/>
-          <a:p>
-            <a:pPr lvl="3" defTabSz="914400" fontAlgn="base">
-              <a:spcBef>
-                <a:spcPct val="0"/>
-              </a:spcBef>
-              <a:spcAft>
-                <a:spcPct val="0"/>
-              </a:spcAft>
-              <a:buClr>
-                <a:srgbClr val="2D74B5"/>
-              </a:buClr>
-              <a:buSzPct val="100000"/>
-            </a:pPr>
-            <a:r>
-              <a:rPr kumimoji="0" lang="en-US" sz="2800" b="0" i="0" u="none" strike="noStrike" cap="none" normalizeH="0" baseline="0" dirty="0">
-                <a:ln>
-                  <a:noFill/>
-                </a:ln>
-                <a:solidFill>
-                  <a:schemeClr val="bg1"/>
-                </a:solidFill>
-                <a:effectLst/>
-                <a:latin typeface="Arial" pitchFamily="34" charset="0"/>
-                <a:ea typeface="Times New Roman" pitchFamily="18" charset="0"/>
-                <a:cs typeface="Arial" pitchFamily="34" charset="0"/>
-              </a:rPr>
-              <a:t>Sign Up Sequence Diagram</a:t>
-            </a:r>
-          </a:p>
-          <a:p>
-            <a:pPr marL="0" marR="0" lvl="0" indent="0" algn="l" defTabSz="914400" rtl="0" eaLnBrk="0" fontAlgn="base" latinLnBrk="0" hangingPunct="0">
-              <a:lnSpc>
-                <a:spcPct val="100000"/>
-              </a:lnSpc>
-              <a:spcBef>
-                <a:spcPct val="0"/>
-              </a:spcBef>
-              <a:spcAft>
-                <a:spcPct val="0"/>
-              </a:spcAft>
-              <a:buClrTx/>
-              <a:buSzTx/>
-              <a:buFontTx/>
-              <a:buNone/>
-              <a:tabLst/>
-            </a:pPr>
-            <a:endParaRPr kumimoji="0" lang="en-US" sz="1800" b="0" i="0" u="none" strike="noStrike" cap="none" normalizeH="0" baseline="0" dirty="0">
-              <a:ln>
-                <a:noFill/>
-              </a:ln>
-              <a:solidFill>
-                <a:schemeClr val="tx1"/>
-              </a:solidFill>
-              <a:effectLst/>
-              <a:latin typeface="Arial" pitchFamily="34" charset="0"/>
-              <a:cs typeface="Arial" pitchFamily="34" charset="0"/>
-            </a:endParaRPr>
-          </a:p>
-        </p:txBody>
-      </p:sp>
-    </p:spTree>
-    <p:extLst>
-      <p:ext uri="{BB962C8B-B14F-4D97-AF65-F5344CB8AC3E}">
-        <p14:creationId xmlns:p14="http://schemas.microsoft.com/office/powerpoint/2010/main" val="806206585"/>
-      </p:ext>
-    </p:extLst>
-  </p:cSld>
-  <p:clrMapOvr>
-    <a:masterClrMapping/>
-  </p:clrMapOvr>
-  <mc:AlternateContent xmlns:mc="http://schemas.openxmlformats.org/markup-compatibility/2006" xmlns:p14="http://schemas.microsoft.com/office/powerpoint/2010/main">
-    <mc:Choice Requires="p14">
-      <p:transition p14:dur="250">
-        <p:fade/>
-      </p:transition>
-    </mc:Choice>
-    <mc:Fallback xmlns="">
-      <p:transition>
-        <p:fade/>
-      </p:transition>
-    </mc:Fallback>
-  </mc:AlternateContent>
-</p:sld>
-</file>
-
-<file path=ppt/slides/slide23.xml><?xml version="1.0" encoding="utf-8"?>
-<p:sld xmlns:a="http://schemas.openxmlformats.org/drawingml/2006/main" xmlns:r="http://schemas.openxmlformats.org/officeDocument/2006/relationships" xmlns:p="http://schemas.openxmlformats.org/presentationml/2006/main">
-  <p:cSld>
-    <p:spTree>
-      <p:nvGrpSpPr>
-        <p:cNvPr id="1" name=""/>
-        <p:cNvGrpSpPr/>
-        <p:nvPr/>
-      </p:nvGrpSpPr>
-      <p:grpSpPr>
-        <a:xfrm>
-          <a:off x="0" y="0"/>
-          <a:ext cx="0" cy="0"/>
-          <a:chOff x="0" y="0"/>
-          <a:chExt cx="0" cy="0"/>
-        </a:xfrm>
-      </p:grpSpPr>
-      <p:sp>
-        <p:nvSpPr>
-          <p:cNvPr id="3" name="TextBox 2">
-            <a:extLst>
-              <a:ext uri="{FF2B5EF4-FFF2-40B4-BE49-F238E27FC236}">
-                <a16:creationId xmlns:a16="http://schemas.microsoft.com/office/drawing/2014/main" id="{908692B0-64FD-769B-3117-C39CDD6BB6DA}"/>
-              </a:ext>
-            </a:extLst>
-          </p:cNvPr>
-          <p:cNvSpPr txBox="1"/>
-          <p:nvPr/>
-        </p:nvSpPr>
-        <p:spPr>
-          <a:xfrm>
-            <a:off x="1219200" y="1950720"/>
-            <a:ext cx="10367554" cy="461665"/>
-          </a:xfrm>
-          <a:prstGeom prst="rect">
-            <a:avLst/>
-          </a:prstGeom>
-          <a:noFill/>
-        </p:spPr>
-        <p:txBody>
-          <a:bodyPr wrap="square" rtlCol="0">
-            <a:spAutoFit/>
-          </a:bodyPr>
-          <a:lstStyle/>
-          <a:p>
-            <a:pPr marL="457200" indent="-457200"/>
-            <a:r>
-              <a:rPr lang="en-US" sz="2400" dirty="0">
-                <a:solidFill>
-                  <a:srgbClr val="81C3F0"/>
-                </a:solidFill>
-              </a:rPr>
-              <a:t>	</a:t>
-            </a:r>
-          </a:p>
-        </p:txBody>
-      </p:sp>
-      <p:sp>
-        <p:nvSpPr>
-          <p:cNvPr id="7169" name="Rectangle 1"/>
-          <p:cNvSpPr>
-            <a:spLocks noChangeArrowheads="1"/>
-          </p:cNvSpPr>
-          <p:nvPr/>
-        </p:nvSpPr>
-        <p:spPr bwMode="auto">
-          <a:xfrm>
-            <a:off x="-1897038" y="2797791"/>
-            <a:ext cx="6974006" cy="697611"/>
-          </a:xfrm>
-          <a:prstGeom prst="rect">
-            <a:avLst/>
-          </a:prstGeom>
-          <a:noFill/>
-          <a:ln w="9525">
-            <a:noFill/>
-            <a:miter lim="800000"/>
-            <a:headEnd/>
-            <a:tailEnd/>
-          </a:ln>
-          <a:effectLst/>
-        </p:spPr>
-        <p:txBody>
-          <a:bodyPr vert="horz" wrap="square" lIns="804609" tIns="50784" rIns="0" bIns="0" numCol="1" anchor="ctr" anchorCtr="0" compatLnSpc="1">
-            <a:prstTxWarp prst="textNoShape">
-              <a:avLst/>
-            </a:prstTxWarp>
-            <a:spAutoFit/>
-          </a:bodyPr>
-          <a:lstStyle/>
-          <a:p>
-            <a:pPr marL="1371600" marR="0" lvl="3" indent="0" defTabSz="914400" rtl="0" eaLnBrk="1" fontAlgn="base" latinLnBrk="0" hangingPunct="1">
-              <a:lnSpc>
-                <a:spcPct val="100000"/>
-              </a:lnSpc>
-              <a:spcBef>
-                <a:spcPct val="0"/>
-              </a:spcBef>
-              <a:spcAft>
-                <a:spcPct val="0"/>
-              </a:spcAft>
-              <a:buClr>
-                <a:srgbClr val="2D74B5"/>
-              </a:buClr>
-              <a:buSzPct val="100000"/>
-              <a:tabLst/>
-            </a:pPr>
-            <a:r>
-              <a:rPr kumimoji="0" lang="en-US" sz="2400" b="0" i="0" u="none" strike="noStrike" cap="none" normalizeH="0" baseline="0" dirty="0">
-                <a:ln>
-                  <a:noFill/>
-                </a:ln>
-                <a:solidFill>
-                  <a:schemeClr val="bg1"/>
-                </a:solidFill>
-                <a:effectLst/>
-                <a:latin typeface="Arial" pitchFamily="34" charset="0"/>
-                <a:ea typeface="Times New Roman" pitchFamily="18" charset="0"/>
-                <a:cs typeface="Arial" pitchFamily="34" charset="0"/>
-              </a:rPr>
-              <a:t>Admin Sequence Diagram</a:t>
-            </a:r>
-          </a:p>
-          <a:p>
-            <a:pPr marL="457200" marR="0" lvl="1" indent="0" algn="l" defTabSz="914400" rtl="0" eaLnBrk="0" fontAlgn="base" latinLnBrk="0" hangingPunct="0">
-              <a:lnSpc>
-                <a:spcPct val="100000"/>
-              </a:lnSpc>
-              <a:spcBef>
-                <a:spcPct val="0"/>
-              </a:spcBef>
-              <a:spcAft>
-                <a:spcPct val="0"/>
-              </a:spcAft>
-              <a:buClr>
-                <a:srgbClr val="2D74B5"/>
-              </a:buClr>
-              <a:buSzTx/>
-              <a:buFontTx/>
-              <a:buAutoNum type="arabicPeriod"/>
-              <a:tabLst/>
-            </a:pPr>
-            <a:endParaRPr kumimoji="0" lang="en-US" sz="1800" b="0" i="0" u="none" strike="noStrike" cap="none" normalizeH="0" baseline="0" dirty="0">
-              <a:ln>
-                <a:noFill/>
-              </a:ln>
-              <a:solidFill>
-                <a:schemeClr val="tx1"/>
-              </a:solidFill>
-              <a:effectLst/>
-              <a:latin typeface="Arial" pitchFamily="34" charset="0"/>
-              <a:cs typeface="Arial" pitchFamily="34" charset="0"/>
-            </a:endParaRPr>
-          </a:p>
-        </p:txBody>
-      </p:sp>
-      <p:pic>
-        <p:nvPicPr>
-          <p:cNvPr id="6" name="image5.png"/>
-          <p:cNvPicPr/>
-          <p:nvPr/>
-        </p:nvPicPr>
-        <p:blipFill>
-          <a:blip r:embed="rId2" cstate="print"/>
-          <a:stretch>
-            <a:fillRect/>
-          </a:stretch>
-        </p:blipFill>
-        <p:spPr>
-          <a:xfrm>
-            <a:off x="5076967" y="0"/>
-            <a:ext cx="7115033" cy="6858000"/>
-          </a:xfrm>
-          <a:prstGeom prst="rect">
-            <a:avLst/>
-          </a:prstGeom>
-        </p:spPr>
-      </p:pic>
-    </p:spTree>
-    <p:extLst>
-      <p:ext uri="{BB962C8B-B14F-4D97-AF65-F5344CB8AC3E}">
-        <p14:creationId xmlns:p14="http://schemas.microsoft.com/office/powerpoint/2010/main" val="3043631956"/>
-      </p:ext>
-    </p:extLst>
-  </p:cSld>
-  <p:clrMapOvr>
-    <a:masterClrMapping/>
-  </p:clrMapOvr>
-  <mc:AlternateContent xmlns:mc="http://schemas.openxmlformats.org/markup-compatibility/2006" xmlns:p14="http://schemas.microsoft.com/office/powerpoint/2010/main">
-    <mc:Choice Requires="p14">
-      <p:transition p14:dur="250">
-        <p:fade/>
-      </p:transition>
-    </mc:Choice>
-    <mc:Fallback xmlns="">
-      <p:transition>
-        <p:fade/>
-      </p:transition>
-    </mc:Fallback>
-  </mc:AlternateContent>
-</p:sld>
-</file>
-
-<file path=ppt/slides/slide24.xml><?xml version="1.0" encoding="utf-8"?>
-<p:sld xmlns:a="http://schemas.openxmlformats.org/drawingml/2006/main" xmlns:r="http://schemas.openxmlformats.org/officeDocument/2006/relationships" xmlns:p="http://schemas.openxmlformats.org/presentationml/2006/main">
-  <p:cSld>
-    <p:spTree>
-      <p:nvGrpSpPr>
-        <p:cNvPr id="1" name=""/>
-        <p:cNvGrpSpPr/>
-        <p:nvPr/>
-      </p:nvGrpSpPr>
-      <p:grpSpPr>
-        <a:xfrm>
-          <a:off x="0" y="0"/>
-          <a:ext cx="0" cy="0"/>
-          <a:chOff x="0" y="0"/>
-          <a:chExt cx="0" cy="0"/>
-        </a:xfrm>
-      </p:grpSpPr>
-      <p:pic>
-        <p:nvPicPr>
-          <p:cNvPr id="8" name="图片 7">
-            <a:extLst>
-              <a:ext uri="{FF2B5EF4-FFF2-40B4-BE49-F238E27FC236}">
-                <a16:creationId xmlns:a16="http://schemas.microsoft.com/office/drawing/2014/main" id="{D210DFCA-857A-4CDB-AEEA-8F4D2BE15E68}"/>
-              </a:ext>
-            </a:extLst>
-          </p:cNvPr>
-          <p:cNvPicPr>
-            <a:picLocks noChangeAspect="1"/>
-          </p:cNvPicPr>
-          <p:nvPr/>
-        </p:nvPicPr>
-        <p:blipFill rotWithShape="1">
-          <a:blip r:embed="rId3" cstate="screen">
-            <a:extLst>
-              <a:ext uri="{28A0092B-C50C-407E-A947-70E740481C1C}">
-                <a14:useLocalDpi xmlns:a14="http://schemas.microsoft.com/office/drawing/2010/main"/>
-              </a:ext>
-            </a:extLst>
-          </a:blip>
-          <a:srcRect/>
-          <a:stretch/>
-        </p:blipFill>
-        <p:spPr>
-          <a:xfrm rot="10800000">
-            <a:off x="10423581" y="4838979"/>
-            <a:ext cx="1674587" cy="1860967"/>
-          </a:xfrm>
-          <a:prstGeom prst="rect">
-            <a:avLst/>
-          </a:prstGeom>
-        </p:spPr>
-      </p:pic>
-      <p:sp>
-        <p:nvSpPr>
-          <p:cNvPr id="6145" name="Rectangle 1"/>
-          <p:cNvSpPr>
-            <a:spLocks noChangeArrowheads="1"/>
-          </p:cNvSpPr>
-          <p:nvPr/>
-        </p:nvSpPr>
-        <p:spPr bwMode="auto">
-          <a:xfrm>
-            <a:off x="0" y="3098042"/>
-            <a:ext cx="4572000" cy="461665"/>
-          </a:xfrm>
-          <a:prstGeom prst="rect">
-            <a:avLst/>
-          </a:prstGeom>
-          <a:noFill/>
-          <a:ln w="9525">
-            <a:noFill/>
-            <a:miter lim="800000"/>
-            <a:headEnd/>
-            <a:tailEnd/>
-          </a:ln>
-          <a:effectLst/>
-        </p:spPr>
-        <p:txBody>
-          <a:bodyPr vert="horz" wrap="square" lIns="91440" tIns="45720" rIns="91440" bIns="45720" numCol="1" anchor="ctr" anchorCtr="0" compatLnSpc="1">
-            <a:prstTxWarp prst="textNoShape">
-              <a:avLst/>
-            </a:prstTxWarp>
-            <a:spAutoFit/>
-          </a:bodyPr>
-          <a:lstStyle/>
-          <a:p>
-            <a:pPr marL="457200" marR="0" lvl="1" indent="0" algn="l" defTabSz="914400" rtl="0" eaLnBrk="1" fontAlgn="base" latinLnBrk="0" hangingPunct="1">
-              <a:lnSpc>
-                <a:spcPct val="100000"/>
-              </a:lnSpc>
-              <a:spcBef>
-                <a:spcPct val="0"/>
-              </a:spcBef>
-              <a:spcAft>
-                <a:spcPct val="0"/>
-              </a:spcAft>
-              <a:buClr>
-                <a:srgbClr val="2D74B5"/>
-              </a:buClr>
-              <a:buSzPct val="100000"/>
-              <a:tabLst>
-                <a:tab pos="228600" algn="l"/>
-                <a:tab pos="804863" algn="l"/>
-              </a:tabLst>
-            </a:pPr>
-            <a:r>
-              <a:rPr kumimoji="0" lang="en-US" sz="2400" b="0" i="0" u="none" strike="noStrike" cap="none" normalizeH="0" baseline="0" dirty="0">
-                <a:ln>
-                  <a:noFill/>
-                </a:ln>
-                <a:solidFill>
-                  <a:schemeClr val="bg1"/>
-                </a:solidFill>
-                <a:effectLst/>
-                <a:latin typeface="Arial" pitchFamily="34" charset="0"/>
-                <a:ea typeface="Times New Roman" pitchFamily="18" charset="0"/>
-                <a:cs typeface="Arial" pitchFamily="34" charset="0"/>
-              </a:rPr>
-              <a:t>User Sequence Diagram</a:t>
-            </a:r>
-            <a:endParaRPr kumimoji="0" lang="en-US" sz="2400" b="0" i="0" u="none" strike="noStrike" cap="none" normalizeH="0" baseline="0" dirty="0">
-              <a:ln>
-                <a:noFill/>
-              </a:ln>
-              <a:solidFill>
-                <a:schemeClr val="bg1"/>
-              </a:solidFill>
-              <a:effectLst/>
-              <a:latin typeface="Arial" pitchFamily="34" charset="0"/>
-              <a:cs typeface="Arial" pitchFamily="34" charset="0"/>
-            </a:endParaRPr>
-          </a:p>
-        </p:txBody>
-      </p:sp>
-      <p:pic>
-        <p:nvPicPr>
-          <p:cNvPr id="14" name="image6.png"/>
-          <p:cNvPicPr/>
-          <p:nvPr/>
-        </p:nvPicPr>
-        <p:blipFill>
-          <a:blip r:embed="rId4" cstate="print"/>
-          <a:stretch>
-            <a:fillRect/>
-          </a:stretch>
-        </p:blipFill>
-        <p:spPr>
-          <a:xfrm>
-            <a:off x="4905374" y="0"/>
-            <a:ext cx="7286625" cy="6858000"/>
-          </a:xfrm>
-          <a:prstGeom prst="rect">
-            <a:avLst/>
-          </a:prstGeom>
-        </p:spPr>
-      </p:pic>
-    </p:spTree>
-    <p:extLst>
-      <p:ext uri="{BB962C8B-B14F-4D97-AF65-F5344CB8AC3E}">
-        <p14:creationId xmlns:p14="http://schemas.microsoft.com/office/powerpoint/2010/main" val="3751746172"/>
-      </p:ext>
-    </p:extLst>
-  </p:cSld>
-  <p:clrMapOvr>
-    <a:masterClrMapping/>
-  </p:clrMapOvr>
-  <mc:AlternateContent xmlns:mc="http://schemas.openxmlformats.org/markup-compatibility/2006" xmlns:p14="http://schemas.microsoft.com/office/powerpoint/2010/main">
-    <mc:Choice Requires="p14">
-      <p:transition p14:dur="250">
-        <p:fade/>
-      </p:transition>
-    </mc:Choice>
-    <mc:Fallback xmlns="">
-      <p:transition>
-        <p:fade/>
-      </p:transition>
-    </mc:Fallback>
-  </mc:AlternateContent>
-</p:sld>
-</file>
-
-<file path=ppt/slides/slide25.xml><?xml version="1.0" encoding="utf-8"?>
-<p:sld xmlns:a="http://schemas.openxmlformats.org/drawingml/2006/main" xmlns:r="http://schemas.openxmlformats.org/officeDocument/2006/relationships" xmlns:p="http://schemas.openxmlformats.org/presentationml/2006/main">
-  <p:cSld>
-    <p:spTree>
-      <p:nvGrpSpPr>
-        <p:cNvPr id="1" name=""/>
-        <p:cNvGrpSpPr/>
-        <p:nvPr/>
-      </p:nvGrpSpPr>
-      <p:grpSpPr>
-        <a:xfrm>
-          <a:off x="0" y="0"/>
-          <a:ext cx="0" cy="0"/>
-          <a:chOff x="0" y="0"/>
-          <a:chExt cx="0" cy="0"/>
-        </a:xfrm>
-      </p:grpSpPr>
-      <p:pic>
-        <p:nvPicPr>
-          <p:cNvPr id="3" name="image3.png"/>
-          <p:cNvPicPr/>
-          <p:nvPr/>
-        </p:nvPicPr>
-        <p:blipFill>
-          <a:blip r:embed="rId2" cstate="print"/>
-          <a:stretch>
-            <a:fillRect/>
-          </a:stretch>
-        </p:blipFill>
-        <p:spPr>
-          <a:xfrm>
-            <a:off x="4176215" y="0"/>
-            <a:ext cx="8015785" cy="6858000"/>
-          </a:xfrm>
-          <a:prstGeom prst="rect">
-            <a:avLst/>
-          </a:prstGeom>
-        </p:spPr>
-        <p:style>
-          <a:lnRef idx="2">
-            <a:schemeClr val="dk1"/>
-          </a:lnRef>
-          <a:fillRef idx="1">
-            <a:schemeClr val="lt1"/>
-          </a:fillRef>
-          <a:effectRef idx="0">
-            <a:schemeClr val="dk1"/>
-          </a:effectRef>
-          <a:fontRef idx="minor">
-            <a:schemeClr val="dk1"/>
-          </a:fontRef>
-        </p:style>
-      </p:pic>
-      <p:sp>
-        <p:nvSpPr>
-          <p:cNvPr id="5" name="Rectangle 4"/>
-          <p:cNvSpPr/>
-          <p:nvPr/>
-        </p:nvSpPr>
-        <p:spPr>
-          <a:xfrm>
-            <a:off x="233979" y="2684776"/>
-            <a:ext cx="3539752" cy="954107"/>
-          </a:xfrm>
-          <a:prstGeom prst="rect">
-            <a:avLst/>
-          </a:prstGeom>
-        </p:spPr>
-        <p:txBody>
-          <a:bodyPr wrap="none">
-            <a:spAutoFit/>
-          </a:bodyPr>
-          <a:lstStyle/>
-          <a:p>
-            <a:pPr lvl="0"/>
-            <a:r>
-              <a:rPr lang="en-US" sz="2800" b="1" dirty="0">
-                <a:solidFill>
-                  <a:schemeClr val="bg1"/>
-                </a:solidFill>
-              </a:rPr>
-              <a:t>Entity Relationship </a:t>
-            </a:r>
-          </a:p>
-          <a:p>
-            <a:pPr lvl="0"/>
-            <a:r>
-              <a:rPr lang="en-US" sz="2800" b="1" dirty="0">
-                <a:solidFill>
-                  <a:schemeClr val="bg1"/>
-                </a:solidFill>
-              </a:rPr>
-              <a:t>          Diagram</a:t>
-            </a:r>
-          </a:p>
-        </p:txBody>
-      </p:sp>
-    </p:spTree>
-  </p:cSld>
-  <p:clrMapOvr>
-    <a:masterClrMapping/>
-  </p:clrMapOvr>
-  <mc:AlternateContent xmlns:mc="http://schemas.openxmlformats.org/markup-compatibility/2006" xmlns:p14="http://schemas.microsoft.com/office/powerpoint/2010/main">
-    <mc:Choice Requires="p14">
-      <p:transition p14:dur="250">
-        <p:fade/>
-      </p:transition>
-    </mc:Choice>
-    <mc:Fallback xmlns="">
-      <p:transition>
-        <p:fade/>
-      </p:transition>
-    </mc:Fallback>
-  </mc:AlternateContent>
-</p:sld>
-</file>
-
-<file path=ppt/slides/slide26.xml><?xml version="1.0" encoding="utf-8"?>
-<p:sld xmlns:a="http://schemas.openxmlformats.org/drawingml/2006/main" xmlns:r="http://schemas.openxmlformats.org/officeDocument/2006/relationships" xmlns:p="http://schemas.openxmlformats.org/presentationml/2006/main">
-  <p:cSld>
-    <p:spTree>
-      <p:nvGrpSpPr>
-        <p:cNvPr id="1" name=""/>
-        <p:cNvGrpSpPr/>
-        <p:nvPr/>
-      </p:nvGrpSpPr>
-      <p:grpSpPr>
-        <a:xfrm>
-          <a:off x="0" y="0"/>
-          <a:ext cx="0" cy="0"/>
-          <a:chOff x="0" y="0"/>
-          <a:chExt cx="0" cy="0"/>
-        </a:xfrm>
-      </p:grpSpPr>
-      <p:sp>
-        <p:nvSpPr>
-          <p:cNvPr id="87041" name="Rectangle 1"/>
-          <p:cNvSpPr>
-            <a:spLocks noChangeArrowheads="1"/>
-          </p:cNvSpPr>
-          <p:nvPr/>
-        </p:nvSpPr>
-        <p:spPr bwMode="auto">
-          <a:xfrm>
-            <a:off x="320109" y="887105"/>
-            <a:ext cx="4055919" cy="584775"/>
-          </a:xfrm>
-          <a:prstGeom prst="rect">
-            <a:avLst/>
-          </a:prstGeom>
-          <a:noFill/>
-          <a:ln w="9525">
-            <a:noFill/>
-            <a:miter lim="800000"/>
-            <a:headEnd/>
-            <a:tailEnd/>
-          </a:ln>
-          <a:effectLst/>
-        </p:spPr>
-        <p:txBody>
-          <a:bodyPr vert="horz" wrap="none" lIns="91440" tIns="45720" rIns="91440" bIns="45720" numCol="1" anchor="ctr" anchorCtr="0" compatLnSpc="1">
-            <a:prstTxWarp prst="textNoShape">
-              <a:avLst/>
-            </a:prstTxWarp>
-            <a:spAutoFit/>
-          </a:bodyPr>
-          <a:lstStyle/>
-          <a:p>
-            <a:pPr marL="0" marR="0" lvl="0" indent="0" algn="justLow" defTabSz="914400" rtl="0" eaLnBrk="1" fontAlgn="base" latinLnBrk="0" hangingPunct="1">
-              <a:lnSpc>
-                <a:spcPct val="100000"/>
-              </a:lnSpc>
-              <a:spcBef>
-                <a:spcPct val="0"/>
-              </a:spcBef>
-              <a:spcAft>
-                <a:spcPct val="0"/>
-              </a:spcAft>
-              <a:buClrTx/>
-              <a:buSzTx/>
-              <a:tabLst>
-                <a:tab pos="342900" algn="l"/>
-              </a:tabLst>
-            </a:pPr>
-            <a:r>
-              <a:rPr kumimoji="0" lang="en-US" sz="3200" b="0" i="0" u="none" strike="noStrike" cap="none" normalizeH="0" baseline="0" dirty="0">
-                <a:ln>
-                  <a:noFill/>
-                </a:ln>
-                <a:solidFill>
-                  <a:schemeClr val="bg1"/>
-                </a:solidFill>
-                <a:effectLst/>
-                <a:latin typeface="Arial" pitchFamily="34" charset="0"/>
-                <a:ea typeface="Times New Roman" pitchFamily="18" charset="0"/>
-                <a:cs typeface="Arial" pitchFamily="34" charset="0"/>
-              </a:rPr>
-              <a:t>User interface design</a:t>
-            </a:r>
-            <a:endParaRPr kumimoji="0" lang="en-US" sz="3200" b="0" i="0" u="none" strike="noStrike" cap="none" normalizeH="0" baseline="0" dirty="0">
-              <a:ln>
-                <a:noFill/>
-              </a:ln>
-              <a:solidFill>
-                <a:schemeClr val="bg1"/>
-              </a:solidFill>
-              <a:effectLst/>
-              <a:latin typeface="Arial" pitchFamily="34" charset="0"/>
-              <a:cs typeface="Arial" pitchFamily="34" charset="0"/>
-            </a:endParaRPr>
-          </a:p>
-        </p:txBody>
-      </p:sp>
-      <p:pic>
-        <p:nvPicPr>
-          <p:cNvPr id="4" name="image10.jpeg"/>
-          <p:cNvPicPr/>
-          <p:nvPr/>
-        </p:nvPicPr>
-        <p:blipFill>
-          <a:blip r:embed="rId2" cstate="print"/>
-          <a:stretch>
-            <a:fillRect/>
-          </a:stretch>
-        </p:blipFill>
-        <p:spPr>
-          <a:xfrm>
-            <a:off x="5581934" y="0"/>
-            <a:ext cx="6610065" cy="6858000"/>
-          </a:xfrm>
-          <a:prstGeom prst="rect">
-            <a:avLst/>
-          </a:prstGeom>
-        </p:spPr>
-      </p:pic>
-      <p:sp>
-        <p:nvSpPr>
-          <p:cNvPr id="87042" name="Rectangle 2"/>
-          <p:cNvSpPr>
-            <a:spLocks noChangeArrowheads="1"/>
-          </p:cNvSpPr>
-          <p:nvPr/>
-        </p:nvSpPr>
-        <p:spPr bwMode="auto">
-          <a:xfrm>
-            <a:off x="-859809" y="2770496"/>
-            <a:ext cx="4172361" cy="885482"/>
-          </a:xfrm>
-          <a:prstGeom prst="rect">
-            <a:avLst/>
-          </a:prstGeom>
-          <a:noFill/>
-          <a:ln w="9525">
-            <a:noFill/>
-            <a:miter lim="800000"/>
-            <a:headEnd/>
-            <a:tailEnd/>
-          </a:ln>
-          <a:effectLst/>
-        </p:spPr>
-        <p:txBody>
-          <a:bodyPr vert="horz" wrap="none" lIns="804609" tIns="53958" rIns="0" bIns="0" numCol="1" anchor="ctr" anchorCtr="0" compatLnSpc="1">
-            <a:prstTxWarp prst="textNoShape">
-              <a:avLst/>
-            </a:prstTxWarp>
-            <a:spAutoFit/>
-          </a:bodyPr>
-          <a:lstStyle/>
-          <a:p>
-            <a:pPr marL="914400" marR="0" lvl="2" indent="0" algn="l" defTabSz="914400" rtl="0" eaLnBrk="1" fontAlgn="base" latinLnBrk="0" hangingPunct="1">
-              <a:lnSpc>
-                <a:spcPct val="100000"/>
-              </a:lnSpc>
-              <a:spcBef>
-                <a:spcPct val="0"/>
-              </a:spcBef>
-              <a:spcAft>
-                <a:spcPct val="0"/>
-              </a:spcAft>
-              <a:buClr>
-                <a:srgbClr val="2D74B5"/>
-              </a:buClr>
-              <a:buSzPct val="100000"/>
-              <a:tabLst/>
-            </a:pPr>
-            <a:r>
-              <a:rPr kumimoji="0" lang="en-US" sz="3600" b="0" i="0" u="none" strike="noStrike" cap="none" normalizeH="0" baseline="0" dirty="0">
-                <a:ln>
-                  <a:noFill/>
-                </a:ln>
-                <a:solidFill>
-                  <a:schemeClr val="bg1"/>
-                </a:solidFill>
-                <a:effectLst/>
-                <a:latin typeface="Arial" pitchFamily="34" charset="0"/>
-                <a:ea typeface="Times New Roman" pitchFamily="18" charset="0"/>
-                <a:cs typeface="Arial" pitchFamily="34" charset="0"/>
-              </a:rPr>
-              <a:t>Home Page</a:t>
-            </a:r>
-          </a:p>
-          <a:p>
-            <a:pPr marL="0" marR="0" lvl="0" indent="0" algn="l" defTabSz="914400" rtl="0" eaLnBrk="0" fontAlgn="base" latinLnBrk="0" hangingPunct="0">
-              <a:lnSpc>
-                <a:spcPct val="100000"/>
-              </a:lnSpc>
-              <a:spcBef>
-                <a:spcPct val="0"/>
-              </a:spcBef>
-              <a:spcAft>
-                <a:spcPct val="0"/>
-              </a:spcAft>
-              <a:buClrTx/>
-              <a:buSzTx/>
-              <a:buFontTx/>
-              <a:buNone/>
-              <a:tabLst/>
-            </a:pPr>
-            <a:endParaRPr kumimoji="0" lang="en-US" sz="1800" b="0" i="0" u="none" strike="noStrike" cap="none" normalizeH="0" baseline="0" dirty="0">
-              <a:ln>
-                <a:noFill/>
-              </a:ln>
-              <a:solidFill>
-                <a:schemeClr val="tx1"/>
-              </a:solidFill>
-              <a:effectLst/>
-              <a:latin typeface="Arial" pitchFamily="34" charset="0"/>
-              <a:cs typeface="Arial" pitchFamily="34" charset="0"/>
-            </a:endParaRPr>
-          </a:p>
-        </p:txBody>
-      </p:sp>
-    </p:spTree>
-  </p:cSld>
-  <p:clrMapOvr>
-    <a:masterClrMapping/>
-  </p:clrMapOvr>
-  <mc:AlternateContent xmlns:mc="http://schemas.openxmlformats.org/markup-compatibility/2006" xmlns:p14="http://schemas.microsoft.com/office/powerpoint/2010/main">
-    <mc:Choice Requires="p14">
-      <p:transition p14:dur="250">
-        <p:fade/>
-      </p:transition>
-    </mc:Choice>
-    <mc:Fallback xmlns="">
-      <p:transition>
-        <p:fade/>
-      </p:transition>
-    </mc:Fallback>
-  </mc:AlternateContent>
-</p:sld>
-</file>
-
-<file path=ppt/slides/slide27.xml><?xml version="1.0" encoding="utf-8"?>
-<p:sld xmlns:a="http://schemas.openxmlformats.org/drawingml/2006/main" xmlns:r="http://schemas.openxmlformats.org/officeDocument/2006/relationships" xmlns:p="http://schemas.openxmlformats.org/presentationml/2006/main">
-  <p:cSld>
-    <p:spTree>
-      <p:nvGrpSpPr>
-        <p:cNvPr id="1" name=""/>
-        <p:cNvGrpSpPr/>
-        <p:nvPr/>
-      </p:nvGrpSpPr>
-      <p:grpSpPr>
-        <a:xfrm>
-          <a:off x="0" y="0"/>
-          <a:ext cx="0" cy="0"/>
-          <a:chOff x="0" y="0"/>
-          <a:chExt cx="0" cy="0"/>
-        </a:xfrm>
-      </p:grpSpPr>
-      <p:sp>
-        <p:nvSpPr>
-          <p:cNvPr id="89089" name="Rectangle 1"/>
-          <p:cNvSpPr>
-            <a:spLocks noChangeArrowheads="1"/>
-          </p:cNvSpPr>
-          <p:nvPr/>
-        </p:nvSpPr>
-        <p:spPr bwMode="auto">
-          <a:xfrm>
-            <a:off x="0" y="2538484"/>
-            <a:ext cx="2546082" cy="584775"/>
-          </a:xfrm>
-          <a:prstGeom prst="rect">
-            <a:avLst/>
-          </a:prstGeom>
-          <a:noFill/>
-          <a:ln w="9525">
-            <a:noFill/>
-            <a:miter lim="800000"/>
-            <a:headEnd/>
-            <a:tailEnd/>
-          </a:ln>
-          <a:effectLst/>
-        </p:spPr>
-        <p:txBody>
-          <a:bodyPr vert="horz" wrap="none" lIns="91440" tIns="45720" rIns="91440" bIns="45720" numCol="1" anchor="ctr" anchorCtr="0" compatLnSpc="1">
-            <a:prstTxWarp prst="textNoShape">
-              <a:avLst/>
-            </a:prstTxWarp>
-            <a:spAutoFit/>
-          </a:bodyPr>
-          <a:lstStyle/>
-          <a:p>
-            <a:pPr marL="457200" marR="0" lvl="1" indent="0" algn="l" defTabSz="914400" rtl="0" eaLnBrk="1" fontAlgn="base" latinLnBrk="0" hangingPunct="1">
-              <a:lnSpc>
-                <a:spcPct val="100000"/>
-              </a:lnSpc>
-              <a:spcBef>
-                <a:spcPct val="0"/>
-              </a:spcBef>
-              <a:spcAft>
-                <a:spcPct val="0"/>
-              </a:spcAft>
-              <a:buClr>
-                <a:srgbClr val="2D74B5"/>
-              </a:buClr>
-              <a:buSzPct val="100000"/>
-              <a:tabLst>
-                <a:tab pos="228600" algn="l"/>
-                <a:tab pos="804863" algn="l"/>
-              </a:tabLst>
-            </a:pPr>
-            <a:r>
-              <a:rPr kumimoji="0" lang="en-US" sz="3200" b="0" i="0" u="none" strike="noStrike" cap="none" normalizeH="0" baseline="0" dirty="0">
-                <a:ln>
-                  <a:noFill/>
-                </a:ln>
-                <a:solidFill>
-                  <a:schemeClr val="bg1"/>
-                </a:solidFill>
-                <a:effectLst/>
-                <a:latin typeface="Calibri Light" pitchFamily="34" charset="0"/>
-                <a:ea typeface="Times New Roman" pitchFamily="18" charset="0"/>
-                <a:cs typeface="Calibri Light" pitchFamily="34" charset="0"/>
-              </a:rPr>
-              <a:t>About page</a:t>
-            </a:r>
-            <a:endParaRPr kumimoji="0" lang="en-US" sz="4400" b="0" i="0" u="none" strike="noStrike" cap="none" normalizeH="0" baseline="0" dirty="0">
-              <a:ln>
-                <a:noFill/>
-              </a:ln>
-              <a:solidFill>
-                <a:schemeClr val="bg1"/>
-              </a:solidFill>
-              <a:effectLst/>
-              <a:latin typeface="Arial" pitchFamily="34" charset="0"/>
-              <a:cs typeface="Arial" pitchFamily="34" charset="0"/>
-            </a:endParaRPr>
-          </a:p>
-        </p:txBody>
-      </p:sp>
-      <p:pic>
-        <p:nvPicPr>
-          <p:cNvPr id="5" name="image12.jpeg"/>
-          <p:cNvPicPr/>
-          <p:nvPr/>
-        </p:nvPicPr>
-        <p:blipFill>
-          <a:blip r:embed="rId2" cstate="print"/>
-          <a:stretch>
-            <a:fillRect/>
-          </a:stretch>
-        </p:blipFill>
-        <p:spPr>
-          <a:xfrm>
-            <a:off x="3411640" y="0"/>
-            <a:ext cx="8780360" cy="6858000"/>
-          </a:xfrm>
-          <a:prstGeom prst="rect">
-            <a:avLst/>
-          </a:prstGeom>
-        </p:spPr>
-      </p:pic>
-    </p:spTree>
-  </p:cSld>
-  <p:clrMapOvr>
-    <a:masterClrMapping/>
-  </p:clrMapOvr>
-  <mc:AlternateContent xmlns:mc="http://schemas.openxmlformats.org/markup-compatibility/2006" xmlns:p14="http://schemas.microsoft.com/office/powerpoint/2010/main">
-    <mc:Choice Requires="p14">
-      <p:transition p14:dur="250">
-        <p:fade/>
-      </p:transition>
-    </mc:Choice>
-    <mc:Fallback xmlns="">
-      <p:transition>
-        <p:fade/>
-      </p:transition>
-    </mc:Fallback>
-  </mc:AlternateContent>
-</p:sld>
-</file>
-
-<file path=ppt/slides/slide28.xml><?xml version="1.0" encoding="utf-8"?>
-<p:sld xmlns:a="http://schemas.openxmlformats.org/drawingml/2006/main" xmlns:r="http://schemas.openxmlformats.org/officeDocument/2006/relationships" xmlns:p="http://schemas.openxmlformats.org/presentationml/2006/main">
-  <p:cSld>
-    <p:spTree>
-      <p:nvGrpSpPr>
-        <p:cNvPr id="1" name=""/>
-        <p:cNvGrpSpPr/>
-        <p:nvPr/>
-      </p:nvGrpSpPr>
-      <p:grpSpPr>
-        <a:xfrm>
-          <a:off x="0" y="0"/>
-          <a:ext cx="0" cy="0"/>
-          <a:chOff x="0" y="0"/>
-          <a:chExt cx="0" cy="0"/>
-        </a:xfrm>
-      </p:grpSpPr>
-      <p:sp>
-        <p:nvSpPr>
-          <p:cNvPr id="90113" name="Rectangle 1"/>
-          <p:cNvSpPr>
-            <a:spLocks noChangeArrowheads="1"/>
-          </p:cNvSpPr>
-          <p:nvPr/>
-        </p:nvSpPr>
-        <p:spPr bwMode="auto">
-          <a:xfrm>
-            <a:off x="-955343" y="2947917"/>
-            <a:ext cx="4339988" cy="820721"/>
-          </a:xfrm>
-          <a:prstGeom prst="rect">
-            <a:avLst/>
-          </a:prstGeom>
-          <a:noFill/>
-          <a:ln w="9525">
-            <a:noFill/>
-            <a:miter lim="800000"/>
-            <a:headEnd/>
-            <a:tailEnd/>
-          </a:ln>
-          <a:effectLst/>
-        </p:spPr>
-        <p:txBody>
-          <a:bodyPr vert="horz" wrap="square" lIns="804609" tIns="50784" rIns="0" bIns="0" numCol="1" anchor="ctr" anchorCtr="0" compatLnSpc="1">
-            <a:prstTxWarp prst="textNoShape">
-              <a:avLst/>
-            </a:prstTxWarp>
-            <a:spAutoFit/>
-          </a:bodyPr>
-          <a:lstStyle/>
-          <a:p>
-            <a:pPr marL="914400" marR="0" lvl="2" indent="0" algn="l" defTabSz="914400" rtl="0" eaLnBrk="1" fontAlgn="base" latinLnBrk="0" hangingPunct="1">
-              <a:lnSpc>
-                <a:spcPct val="100000"/>
-              </a:lnSpc>
-              <a:spcBef>
-                <a:spcPct val="0"/>
-              </a:spcBef>
-              <a:spcAft>
-                <a:spcPct val="0"/>
-              </a:spcAft>
-              <a:buClr>
-                <a:srgbClr val="2D74B5"/>
-              </a:buClr>
-              <a:buSzPct val="100000"/>
-              <a:tabLst/>
-            </a:pPr>
-            <a:r>
-              <a:rPr kumimoji="0" lang="en-US" sz="3200" b="0" i="0" u="none" strike="noStrike" cap="none" normalizeH="0" baseline="0" dirty="0">
-                <a:ln>
-                  <a:noFill/>
-                </a:ln>
-                <a:solidFill>
-                  <a:schemeClr val="bg1"/>
-                </a:solidFill>
-                <a:effectLst/>
-                <a:latin typeface="Arial" pitchFamily="34" charset="0"/>
-                <a:ea typeface="Times New Roman" pitchFamily="18" charset="0"/>
-                <a:cs typeface="Arial" pitchFamily="34" charset="0"/>
-              </a:rPr>
-              <a:t>Contact US</a:t>
-            </a:r>
-          </a:p>
-          <a:p>
-            <a:pPr marL="0" marR="0" lvl="0" indent="0" algn="l" defTabSz="914400" rtl="0" eaLnBrk="0" fontAlgn="base" latinLnBrk="0" hangingPunct="0">
-              <a:lnSpc>
-                <a:spcPct val="100000"/>
-              </a:lnSpc>
-              <a:spcBef>
-                <a:spcPct val="0"/>
-              </a:spcBef>
-              <a:spcAft>
-                <a:spcPct val="0"/>
-              </a:spcAft>
-              <a:buClrTx/>
-              <a:buSzTx/>
-              <a:buFontTx/>
-              <a:buNone/>
-              <a:tabLst/>
-            </a:pPr>
-            <a:endParaRPr kumimoji="0" lang="en-US" sz="1800" b="0" i="0" u="none" strike="noStrike" cap="none" normalizeH="0" baseline="0" dirty="0">
-              <a:ln>
-                <a:noFill/>
-              </a:ln>
-              <a:solidFill>
-                <a:schemeClr val="tx1"/>
-              </a:solidFill>
-              <a:effectLst/>
-              <a:latin typeface="Arial" pitchFamily="34" charset="0"/>
-              <a:cs typeface="Arial" pitchFamily="34" charset="0"/>
-            </a:endParaRPr>
-          </a:p>
-        </p:txBody>
-      </p:sp>
-      <p:pic>
-        <p:nvPicPr>
-          <p:cNvPr id="4" name="image13.jpeg"/>
-          <p:cNvPicPr/>
-          <p:nvPr/>
-        </p:nvPicPr>
-        <p:blipFill>
-          <a:blip r:embed="rId2" cstate="print"/>
-          <a:stretch>
-            <a:fillRect/>
-          </a:stretch>
-        </p:blipFill>
-        <p:spPr>
-          <a:xfrm>
-            <a:off x="4270216" y="0"/>
-            <a:ext cx="7921783" cy="6858000"/>
-          </a:xfrm>
-          <a:prstGeom prst="rect">
-            <a:avLst/>
-          </a:prstGeom>
-        </p:spPr>
-      </p:pic>
-    </p:spTree>
-  </p:cSld>
-  <p:clrMapOvr>
-    <a:masterClrMapping/>
-  </p:clrMapOvr>
-  <mc:AlternateContent xmlns:mc="http://schemas.openxmlformats.org/markup-compatibility/2006" xmlns:p14="http://schemas.microsoft.com/office/powerpoint/2010/main">
-    <mc:Choice Requires="p14">
-      <p:transition p14:dur="250">
-        <p:fade/>
-      </p:transition>
-    </mc:Choice>
-    <mc:Fallback xmlns="">
-      <p:transition>
-        <p:fade/>
-      </p:transition>
-    </mc:Fallback>
-  </mc:AlternateContent>
-</p:sld>
-</file>
-
-<file path=ppt/slides/slide29.xml><?xml version="1.0" encoding="utf-8"?>
+<file path=ppt/slides/slide30.xml><?xml version="1.0" encoding="utf-8"?>
 <p:sld xmlns:a="http://schemas.openxmlformats.org/drawingml/2006/main" xmlns:r="http://schemas.openxmlformats.org/officeDocument/2006/relationships" xmlns:p="http://schemas.openxmlformats.org/presentationml/2006/main">
   <p:cSld>
     <p:spTree>
@@ -24928,7 +27713,261 @@
 </p:sld>
 </file>
 
-<file path=ppt/slides/slide3.xml><?xml version="1.0" encoding="utf-8"?>
+<file path=ppt/slides/slide31.xml><?xml version="1.0" encoding="utf-8"?>
+<p:sld xmlns:a="http://schemas.openxmlformats.org/drawingml/2006/main" xmlns:r="http://schemas.openxmlformats.org/officeDocument/2006/relationships" xmlns:p="http://schemas.openxmlformats.org/presentationml/2006/main" showMasterSp="0">
+  <p:cSld>
+    <p:spTree>
+      <p:nvGrpSpPr>
+        <p:cNvPr id="1" name=""/>
+        <p:cNvGrpSpPr/>
+        <p:nvPr/>
+      </p:nvGrpSpPr>
+      <p:grpSpPr>
+        <a:xfrm>
+          <a:off x="0" y="0"/>
+          <a:ext cx="0" cy="0"/>
+          <a:chOff x="0" y="0"/>
+          <a:chExt cx="0" cy="0"/>
+        </a:xfrm>
+      </p:grpSpPr>
+      <p:pic>
+        <p:nvPicPr>
+          <p:cNvPr id="3" name="图片 2">
+            <a:extLst>
+              <a:ext uri="{FF2B5EF4-FFF2-40B4-BE49-F238E27FC236}">
+                <a16:creationId xmlns:a16="http://schemas.microsoft.com/office/drawing/2014/main" id="{8579CA0C-5F14-4EC5-A0CD-33C5E4C3BEC6}"/>
+              </a:ext>
+            </a:extLst>
+          </p:cNvPr>
+          <p:cNvPicPr>
+            <a:picLocks noChangeAspect="1"/>
+          </p:cNvPicPr>
+          <p:nvPr/>
+        </p:nvPicPr>
+        <p:blipFill>
+          <a:blip r:embed="rId3" cstate="screen">
+            <a:extLst>
+              <a:ext uri="{28A0092B-C50C-407E-A947-70E740481C1C}">
+                <a14:useLocalDpi xmlns:a14="http://schemas.microsoft.com/office/drawing/2010/main"/>
+              </a:ext>
+            </a:extLst>
+          </a:blip>
+          <a:stretch>
+            <a:fillRect/>
+          </a:stretch>
+        </p:blipFill>
+        <p:spPr>
+          <a:xfrm>
+            <a:off x="0" y="0"/>
+            <a:ext cx="12192000" cy="6858000"/>
+          </a:xfrm>
+          <a:prstGeom prst="rect">
+            <a:avLst/>
+          </a:prstGeom>
+        </p:spPr>
+      </p:pic>
+      <p:sp>
+        <p:nvSpPr>
+          <p:cNvPr id="8" name="文本框 7">
+            <a:extLst>
+              <a:ext uri="{FF2B5EF4-FFF2-40B4-BE49-F238E27FC236}">
+                <a16:creationId xmlns:a16="http://schemas.microsoft.com/office/drawing/2014/main" id="{93E4F67D-2844-481C-AC34-259D1CA4F204}"/>
+              </a:ext>
+            </a:extLst>
+          </p:cNvPr>
+          <p:cNvSpPr txBox="1"/>
+          <p:nvPr/>
+        </p:nvSpPr>
+        <p:spPr>
+          <a:xfrm>
+            <a:off x="2601242" y="2537310"/>
+            <a:ext cx="6750179" cy="1323439"/>
+          </a:xfrm>
+          <a:prstGeom prst="rect">
+            <a:avLst/>
+          </a:prstGeom>
+          <a:noFill/>
+        </p:spPr>
+        <p:txBody>
+          <a:bodyPr wrap="square" rtlCol="0">
+            <a:spAutoFit/>
+          </a:bodyPr>
+          <a:lstStyle/>
+          <a:p>
+            <a:pPr algn="ctr"/>
+            <a:r>
+              <a:rPr lang="en-US" altLang="zh-CN" sz="8000" b="1" dirty="0">
+                <a:solidFill>
+                  <a:srgbClr val="8AC9F2"/>
+                </a:solidFill>
+                <a:effectLst>
+                  <a:outerShdw blurRad="38100" dist="50800" dir="2700000" algn="tl">
+                    <a:schemeClr val="bg1">
+                      <a:alpha val="24000"/>
+                    </a:schemeClr>
+                  </a:outerShdw>
+                </a:effectLst>
+                <a:cs typeface="+mn-ea"/>
+                <a:sym typeface="+mn-lt"/>
+              </a:rPr>
+              <a:t>THANKYOU </a:t>
+            </a:r>
+          </a:p>
+        </p:txBody>
+      </p:sp>
+    </p:spTree>
+    <p:extLst>
+      <p:ext uri="{BB962C8B-B14F-4D97-AF65-F5344CB8AC3E}">
+        <p14:creationId xmlns:p14="http://schemas.microsoft.com/office/powerpoint/2010/main" val="732286376"/>
+      </p:ext>
+    </p:extLst>
+  </p:cSld>
+  <p:clrMapOvr>
+    <a:masterClrMapping/>
+  </p:clrMapOvr>
+  <mc:AlternateContent xmlns:mc="http://schemas.openxmlformats.org/markup-compatibility/2006" xmlns:p14="http://schemas.microsoft.com/office/powerpoint/2010/main">
+    <mc:Choice Requires="p14">
+      <p:transition p14:dur="250">
+        <p:fade/>
+      </p:transition>
+    </mc:Choice>
+    <mc:Fallback xmlns="">
+      <p:transition>
+        <p:fade/>
+      </p:transition>
+    </mc:Fallback>
+  </mc:AlternateContent>
+  <p:timing>
+    <p:tnLst>
+      <p:par>
+        <p:cTn id="1" dur="indefinite" restart="never" nodeType="tmRoot">
+          <p:childTnLst>
+            <p:seq concurrent="1" nextAc="seek">
+              <p:cTn id="2" dur="indefinite" nodeType="mainSeq">
+                <p:childTnLst>
+                  <p:par>
+                    <p:cTn id="3" fill="hold">
+                      <p:stCondLst>
+                        <p:cond delay="indefinite"/>
+                        <p:cond evt="onBegin" delay="0">
+                          <p:tn val="2"/>
+                        </p:cond>
+                      </p:stCondLst>
+                      <p:childTnLst>
+                        <p:par>
+                          <p:cTn id="4" fill="hold">
+                            <p:stCondLst>
+                              <p:cond delay="0"/>
+                            </p:stCondLst>
+                            <p:childTnLst>
+                              <p:par>
+                                <p:cTn id="5" presetID="2" presetClass="entr" presetSubtype="4" fill="hold" grpId="0" nodeType="withEffect">
+                                  <p:stCondLst>
+                                    <p:cond delay="0"/>
+                                  </p:stCondLst>
+                                  <p:childTnLst>
+                                    <p:set>
+                                      <p:cBhvr>
+                                        <p:cTn id="6" dur="1" fill="hold">
+                                          <p:stCondLst>
+                                            <p:cond delay="0"/>
+                                          </p:stCondLst>
+                                        </p:cTn>
+                                        <p:tgtEl>
+                                          <p:spTgt spid="8"/>
+                                        </p:tgtEl>
+                                        <p:attrNameLst>
+                                          <p:attrName>style.visibility</p:attrName>
+                                        </p:attrNameLst>
+                                      </p:cBhvr>
+                                      <p:to>
+                                        <p:strVal val="visible"/>
+                                      </p:to>
+                                    </p:set>
+                                    <p:anim calcmode="lin" valueType="num">
+                                      <p:cBhvr additive="base">
+                                        <p:cTn id="7" dur="500" fill="hold"/>
+                                        <p:tgtEl>
+                                          <p:spTgt spid="8"/>
+                                        </p:tgtEl>
+                                        <p:attrNameLst>
+                                          <p:attrName>ppt_x</p:attrName>
+                                        </p:attrNameLst>
+                                      </p:cBhvr>
+                                      <p:tavLst>
+                                        <p:tav tm="0">
+                                          <p:val>
+                                            <p:strVal val="#ppt_x"/>
+                                          </p:val>
+                                        </p:tav>
+                                        <p:tav tm="100000">
+                                          <p:val>
+                                            <p:strVal val="#ppt_x"/>
+                                          </p:val>
+                                        </p:tav>
+                                      </p:tavLst>
+                                    </p:anim>
+                                    <p:anim calcmode="lin" valueType="num">
+                                      <p:cBhvr additive="base">
+                                        <p:cTn id="8" dur="500" fill="hold"/>
+                                        <p:tgtEl>
+                                          <p:spTgt spid="8"/>
+                                        </p:tgtEl>
+                                        <p:attrNameLst>
+                                          <p:attrName>ppt_y</p:attrName>
+                                        </p:attrNameLst>
+                                      </p:cBhvr>
+                                      <p:tavLst>
+                                        <p:tav tm="0">
+                                          <p:val>
+                                            <p:strVal val="1+#ppt_h/2"/>
+                                          </p:val>
+                                        </p:tav>
+                                        <p:tav tm="100000">
+                                          <p:val>
+                                            <p:strVal val="#ppt_y"/>
+                                          </p:val>
+                                        </p:tav>
+                                      </p:tavLst>
+                                    </p:anim>
+                                  </p:childTnLst>
+                                </p:cTn>
+                              </p:par>
+                            </p:childTnLst>
+                          </p:cTn>
+                        </p:par>
+                      </p:childTnLst>
+                    </p:cTn>
+                  </p:par>
+                </p:childTnLst>
+              </p:cTn>
+              <p:prevCondLst>
+                <p:cond evt="onPrev" delay="0">
+                  <p:tgtEl>
+                    <p:sldTgt/>
+                  </p:tgtEl>
+                </p:cond>
+              </p:prevCondLst>
+              <p:nextCondLst>
+                <p:cond evt="onNext" delay="0">
+                  <p:tgtEl>
+                    <p:sldTgt/>
+                  </p:tgtEl>
+                </p:cond>
+              </p:nextCondLst>
+            </p:seq>
+          </p:childTnLst>
+        </p:cTn>
+      </p:par>
+    </p:tnLst>
+    <p:bldLst>
+      <p:bldP spid="8" grpId="0"/>
+    </p:bldLst>
+  </p:timing>
+</p:sld>
+</file>
+
+<file path=ppt/slides/slide4.xml><?xml version="1.0" encoding="utf-8"?>
 <p:sld xmlns:a="http://schemas.openxmlformats.org/drawingml/2006/main" xmlns:r="http://schemas.openxmlformats.org/officeDocument/2006/relationships" xmlns:p="http://schemas.openxmlformats.org/presentationml/2006/main">
   <p:cSld>
     <p:spTree>
@@ -25597,261 +28636,7 @@
 </p:sld>
 </file>
 
-<file path=ppt/slides/slide30.xml><?xml version="1.0" encoding="utf-8"?>
-<p:sld xmlns:a="http://schemas.openxmlformats.org/drawingml/2006/main" xmlns:r="http://schemas.openxmlformats.org/officeDocument/2006/relationships" xmlns:p="http://schemas.openxmlformats.org/presentationml/2006/main" showMasterSp="0">
-  <p:cSld>
-    <p:spTree>
-      <p:nvGrpSpPr>
-        <p:cNvPr id="1" name=""/>
-        <p:cNvGrpSpPr/>
-        <p:nvPr/>
-      </p:nvGrpSpPr>
-      <p:grpSpPr>
-        <a:xfrm>
-          <a:off x="0" y="0"/>
-          <a:ext cx="0" cy="0"/>
-          <a:chOff x="0" y="0"/>
-          <a:chExt cx="0" cy="0"/>
-        </a:xfrm>
-      </p:grpSpPr>
-      <p:pic>
-        <p:nvPicPr>
-          <p:cNvPr id="3" name="图片 2">
-            <a:extLst>
-              <a:ext uri="{FF2B5EF4-FFF2-40B4-BE49-F238E27FC236}">
-                <a16:creationId xmlns:a16="http://schemas.microsoft.com/office/drawing/2014/main" id="{8579CA0C-5F14-4EC5-A0CD-33C5E4C3BEC6}"/>
-              </a:ext>
-            </a:extLst>
-          </p:cNvPr>
-          <p:cNvPicPr>
-            <a:picLocks noChangeAspect="1"/>
-          </p:cNvPicPr>
-          <p:nvPr/>
-        </p:nvPicPr>
-        <p:blipFill>
-          <a:blip r:embed="rId3" cstate="screen">
-            <a:extLst>
-              <a:ext uri="{28A0092B-C50C-407E-A947-70E740481C1C}">
-                <a14:useLocalDpi xmlns:a14="http://schemas.microsoft.com/office/drawing/2010/main"/>
-              </a:ext>
-            </a:extLst>
-          </a:blip>
-          <a:stretch>
-            <a:fillRect/>
-          </a:stretch>
-        </p:blipFill>
-        <p:spPr>
-          <a:xfrm>
-            <a:off x="0" y="0"/>
-            <a:ext cx="12192000" cy="6858000"/>
-          </a:xfrm>
-          <a:prstGeom prst="rect">
-            <a:avLst/>
-          </a:prstGeom>
-        </p:spPr>
-      </p:pic>
-      <p:sp>
-        <p:nvSpPr>
-          <p:cNvPr id="8" name="文本框 7">
-            <a:extLst>
-              <a:ext uri="{FF2B5EF4-FFF2-40B4-BE49-F238E27FC236}">
-                <a16:creationId xmlns:a16="http://schemas.microsoft.com/office/drawing/2014/main" id="{93E4F67D-2844-481C-AC34-259D1CA4F204}"/>
-              </a:ext>
-            </a:extLst>
-          </p:cNvPr>
-          <p:cNvSpPr txBox="1"/>
-          <p:nvPr/>
-        </p:nvSpPr>
-        <p:spPr>
-          <a:xfrm>
-            <a:off x="2601242" y="2537310"/>
-            <a:ext cx="6750179" cy="1323439"/>
-          </a:xfrm>
-          <a:prstGeom prst="rect">
-            <a:avLst/>
-          </a:prstGeom>
-          <a:noFill/>
-        </p:spPr>
-        <p:txBody>
-          <a:bodyPr wrap="square" rtlCol="0">
-            <a:spAutoFit/>
-          </a:bodyPr>
-          <a:lstStyle/>
-          <a:p>
-            <a:pPr algn="ctr"/>
-            <a:r>
-              <a:rPr lang="en-US" altLang="zh-CN" sz="8000" b="1" dirty="0">
-                <a:solidFill>
-                  <a:srgbClr val="8AC9F2"/>
-                </a:solidFill>
-                <a:effectLst>
-                  <a:outerShdw blurRad="38100" dist="50800" dir="2700000" algn="tl">
-                    <a:schemeClr val="bg1">
-                      <a:alpha val="24000"/>
-                    </a:schemeClr>
-                  </a:outerShdw>
-                </a:effectLst>
-                <a:cs typeface="+mn-ea"/>
-                <a:sym typeface="+mn-lt"/>
-              </a:rPr>
-              <a:t>THANKYOU </a:t>
-            </a:r>
-          </a:p>
-        </p:txBody>
-      </p:sp>
-    </p:spTree>
-    <p:extLst>
-      <p:ext uri="{BB962C8B-B14F-4D97-AF65-F5344CB8AC3E}">
-        <p14:creationId xmlns:p14="http://schemas.microsoft.com/office/powerpoint/2010/main" val="732286376"/>
-      </p:ext>
-    </p:extLst>
-  </p:cSld>
-  <p:clrMapOvr>
-    <a:masterClrMapping/>
-  </p:clrMapOvr>
-  <mc:AlternateContent xmlns:mc="http://schemas.openxmlformats.org/markup-compatibility/2006" xmlns:p14="http://schemas.microsoft.com/office/powerpoint/2010/main">
-    <mc:Choice Requires="p14">
-      <p:transition p14:dur="250">
-        <p:fade/>
-      </p:transition>
-    </mc:Choice>
-    <mc:Fallback xmlns="">
-      <p:transition>
-        <p:fade/>
-      </p:transition>
-    </mc:Fallback>
-  </mc:AlternateContent>
-  <p:timing>
-    <p:tnLst>
-      <p:par>
-        <p:cTn id="1" dur="indefinite" restart="never" nodeType="tmRoot">
-          <p:childTnLst>
-            <p:seq concurrent="1" nextAc="seek">
-              <p:cTn id="2" dur="indefinite" nodeType="mainSeq">
-                <p:childTnLst>
-                  <p:par>
-                    <p:cTn id="3" fill="hold">
-                      <p:stCondLst>
-                        <p:cond delay="indefinite"/>
-                        <p:cond evt="onBegin" delay="0">
-                          <p:tn val="2"/>
-                        </p:cond>
-                      </p:stCondLst>
-                      <p:childTnLst>
-                        <p:par>
-                          <p:cTn id="4" fill="hold">
-                            <p:stCondLst>
-                              <p:cond delay="0"/>
-                            </p:stCondLst>
-                            <p:childTnLst>
-                              <p:par>
-                                <p:cTn id="5" presetID="2" presetClass="entr" presetSubtype="4" fill="hold" grpId="0" nodeType="withEffect">
-                                  <p:stCondLst>
-                                    <p:cond delay="0"/>
-                                  </p:stCondLst>
-                                  <p:childTnLst>
-                                    <p:set>
-                                      <p:cBhvr>
-                                        <p:cTn id="6" dur="1" fill="hold">
-                                          <p:stCondLst>
-                                            <p:cond delay="0"/>
-                                          </p:stCondLst>
-                                        </p:cTn>
-                                        <p:tgtEl>
-                                          <p:spTgt spid="8"/>
-                                        </p:tgtEl>
-                                        <p:attrNameLst>
-                                          <p:attrName>style.visibility</p:attrName>
-                                        </p:attrNameLst>
-                                      </p:cBhvr>
-                                      <p:to>
-                                        <p:strVal val="visible"/>
-                                      </p:to>
-                                    </p:set>
-                                    <p:anim calcmode="lin" valueType="num">
-                                      <p:cBhvr additive="base">
-                                        <p:cTn id="7" dur="500" fill="hold"/>
-                                        <p:tgtEl>
-                                          <p:spTgt spid="8"/>
-                                        </p:tgtEl>
-                                        <p:attrNameLst>
-                                          <p:attrName>ppt_x</p:attrName>
-                                        </p:attrNameLst>
-                                      </p:cBhvr>
-                                      <p:tavLst>
-                                        <p:tav tm="0">
-                                          <p:val>
-                                            <p:strVal val="#ppt_x"/>
-                                          </p:val>
-                                        </p:tav>
-                                        <p:tav tm="100000">
-                                          <p:val>
-                                            <p:strVal val="#ppt_x"/>
-                                          </p:val>
-                                        </p:tav>
-                                      </p:tavLst>
-                                    </p:anim>
-                                    <p:anim calcmode="lin" valueType="num">
-                                      <p:cBhvr additive="base">
-                                        <p:cTn id="8" dur="500" fill="hold"/>
-                                        <p:tgtEl>
-                                          <p:spTgt spid="8"/>
-                                        </p:tgtEl>
-                                        <p:attrNameLst>
-                                          <p:attrName>ppt_y</p:attrName>
-                                        </p:attrNameLst>
-                                      </p:cBhvr>
-                                      <p:tavLst>
-                                        <p:tav tm="0">
-                                          <p:val>
-                                            <p:strVal val="1+#ppt_h/2"/>
-                                          </p:val>
-                                        </p:tav>
-                                        <p:tav tm="100000">
-                                          <p:val>
-                                            <p:strVal val="#ppt_y"/>
-                                          </p:val>
-                                        </p:tav>
-                                      </p:tavLst>
-                                    </p:anim>
-                                  </p:childTnLst>
-                                </p:cTn>
-                              </p:par>
-                            </p:childTnLst>
-                          </p:cTn>
-                        </p:par>
-                      </p:childTnLst>
-                    </p:cTn>
-                  </p:par>
-                </p:childTnLst>
-              </p:cTn>
-              <p:prevCondLst>
-                <p:cond evt="onPrev" delay="0">
-                  <p:tgtEl>
-                    <p:sldTgt/>
-                  </p:tgtEl>
-                </p:cond>
-              </p:prevCondLst>
-              <p:nextCondLst>
-                <p:cond evt="onNext" delay="0">
-                  <p:tgtEl>
-                    <p:sldTgt/>
-                  </p:tgtEl>
-                </p:cond>
-              </p:nextCondLst>
-            </p:seq>
-          </p:childTnLst>
-        </p:cTn>
-      </p:par>
-    </p:tnLst>
-    <p:bldLst>
-      <p:bldP spid="8" grpId="0"/>
-    </p:bldLst>
-  </p:timing>
-</p:sld>
-</file>
-
-<file path=ppt/slides/slide4.xml><?xml version="1.0" encoding="utf-8"?>
+<file path=ppt/slides/slide5.xml><?xml version="1.0" encoding="utf-8"?>
 <p:sld xmlns:a="http://schemas.openxmlformats.org/drawingml/2006/main" xmlns:r="http://schemas.openxmlformats.org/officeDocument/2006/relationships" xmlns:p="http://schemas.openxmlformats.org/presentationml/2006/main">
   <p:cSld>
     <p:spTree>
@@ -26198,7 +28983,7 @@
 </p:sld>
 </file>
 
-<file path=ppt/slides/slide5.xml><?xml version="1.0" encoding="utf-8"?>
+<file path=ppt/slides/slide6.xml><?xml version="1.0" encoding="utf-8"?>
 <p:sld xmlns:a="http://schemas.openxmlformats.org/drawingml/2006/main" xmlns:r="http://schemas.openxmlformats.org/officeDocument/2006/relationships" xmlns:p="http://schemas.openxmlformats.org/presentationml/2006/main">
   <p:cSld>
     <p:spTree>
@@ -28780,7 +31565,7 @@
 </p:sld>
 </file>
 
-<file path=ppt/slides/slide6.xml><?xml version="1.0" encoding="utf-8"?>
+<file path=ppt/slides/slide7.xml><?xml version="1.0" encoding="utf-8"?>
 <p:sld xmlns:a="http://schemas.openxmlformats.org/drawingml/2006/main" xmlns:r="http://schemas.openxmlformats.org/officeDocument/2006/relationships" xmlns:p="http://schemas.openxmlformats.org/presentationml/2006/main">
   <p:cSld>
     <p:spTree>
@@ -29553,7 +32338,7 @@
 </p:sld>
 </file>
 
-<file path=ppt/slides/slide7.xml><?xml version="1.0" encoding="utf-8"?>
+<file path=ppt/slides/slide8.xml><?xml version="1.0" encoding="utf-8"?>
 <p:sld xmlns:a="http://schemas.openxmlformats.org/drawingml/2006/main" xmlns:r="http://schemas.openxmlformats.org/officeDocument/2006/relationships" xmlns:p="http://schemas.openxmlformats.org/presentationml/2006/main">
   <p:cSld>
     <p:spTree>
@@ -30366,7 +33151,7 @@
 </p:sld>
 </file>
 
-<file path=ppt/slides/slide8.xml><?xml version="1.0" encoding="utf-8"?>
+<file path=ppt/slides/slide9.xml><?xml version="1.0" encoding="utf-8"?>
 <p:sld xmlns:a="http://schemas.openxmlformats.org/drawingml/2006/main" xmlns:r="http://schemas.openxmlformats.org/officeDocument/2006/relationships" xmlns:p="http://schemas.openxmlformats.org/presentationml/2006/main" showMasterSp="0">
   <p:cSld>
     <p:spTree>
@@ -31201,2589 +33986,6 @@
 </p:sld>
 </file>
 
-<file path=ppt/slides/slide9.xml><?xml version="1.0" encoding="utf-8"?>
-<p:sld xmlns:a="http://schemas.openxmlformats.org/drawingml/2006/main" xmlns:r="http://schemas.openxmlformats.org/officeDocument/2006/relationships" xmlns:p="http://schemas.openxmlformats.org/presentationml/2006/main" showMasterSp="0">
-  <p:cSld>
-    <p:spTree>
-      <p:nvGrpSpPr>
-        <p:cNvPr id="1" name=""/>
-        <p:cNvGrpSpPr/>
-        <p:nvPr/>
-      </p:nvGrpSpPr>
-      <p:grpSpPr>
-        <a:xfrm>
-          <a:off x="0" y="0"/>
-          <a:ext cx="0" cy="0"/>
-          <a:chOff x="0" y="0"/>
-          <a:chExt cx="0" cy="0"/>
-        </a:xfrm>
-      </p:grpSpPr>
-      <p:sp>
-        <p:nvSpPr>
-          <p:cNvPr id="2" name="直角三角形 1">
-            <a:extLst>
-              <a:ext uri="{FF2B5EF4-FFF2-40B4-BE49-F238E27FC236}">
-                <a16:creationId xmlns:a16="http://schemas.microsoft.com/office/drawing/2014/main" id="{81A8968E-CA28-4462-B524-0D077240D1D5}"/>
-              </a:ext>
-            </a:extLst>
-          </p:cNvPr>
-          <p:cNvSpPr/>
-          <p:nvPr/>
-        </p:nvSpPr>
-        <p:spPr>
-          <a:xfrm flipH="1" flipV="1">
-            <a:off x="10536821" y="0"/>
-            <a:ext cx="1655179" cy="1545219"/>
-          </a:xfrm>
-          <a:prstGeom prst="rtTriangle">
-            <a:avLst/>
-          </a:prstGeom>
-          <a:solidFill>
-            <a:srgbClr val="96172D">
-              <a:alpha val="90000"/>
-            </a:srgbClr>
-          </a:solidFill>
-          <a:ln>
-            <a:noFill/>
-          </a:ln>
-        </p:spPr>
-        <p:style>
-          <a:lnRef idx="2">
-            <a:schemeClr val="accent1">
-              <a:shade val="50000"/>
-            </a:schemeClr>
-          </a:lnRef>
-          <a:fillRef idx="1">
-            <a:schemeClr val="accent1"/>
-          </a:fillRef>
-          <a:effectRef idx="0">
-            <a:schemeClr val="accent1"/>
-          </a:effectRef>
-          <a:fontRef idx="minor">
-            <a:schemeClr val="lt1"/>
-          </a:fontRef>
-        </p:style>
-        <p:txBody>
-          <a:bodyPr rtlCol="0" anchor="ctr"/>
-          <a:lstStyle/>
-          <a:p>
-            <a:pPr algn="ctr"/>
-            <a:endParaRPr lang="zh-CN" altLang="en-US">
-              <a:cs typeface="+mn-ea"/>
-              <a:sym typeface="+mn-lt"/>
-            </a:endParaRPr>
-          </a:p>
-        </p:txBody>
-      </p:sp>
-      <p:sp>
-        <p:nvSpPr>
-          <p:cNvPr id="23" name="文本框 22">
-            <a:extLst>
-              <a:ext uri="{FF2B5EF4-FFF2-40B4-BE49-F238E27FC236}">
-                <a16:creationId xmlns:a16="http://schemas.microsoft.com/office/drawing/2014/main" id="{654B535E-51CD-482D-853B-17C2FC501CE7}"/>
-              </a:ext>
-            </a:extLst>
-          </p:cNvPr>
-          <p:cNvSpPr txBox="1"/>
-          <p:nvPr/>
-        </p:nvSpPr>
-        <p:spPr>
-          <a:xfrm>
-            <a:off x="2009113" y="2859503"/>
-            <a:ext cx="9304459" cy="923330"/>
-          </a:xfrm>
-          <a:prstGeom prst="rect">
-            <a:avLst/>
-          </a:prstGeom>
-          <a:noFill/>
-        </p:spPr>
-        <p:txBody>
-          <a:bodyPr vert="horz" wrap="square" rtlCol="0">
-            <a:spAutoFit/>
-          </a:bodyPr>
-          <a:lstStyle/>
-          <a:p>
-            <a:pPr algn="ctr"/>
-            <a:r>
-              <a:rPr lang="en-US" altLang="zh-CN" sz="5400" b="1" dirty="0">
-                <a:solidFill>
-                  <a:srgbClr val="8AC9F2"/>
-                </a:solidFill>
-                <a:effectLst>
-                  <a:outerShdw blurRad="38100" dist="38100" dir="2700000" algn="tl">
-                    <a:srgbClr val="000000">
-                      <a:alpha val="43137"/>
-                    </a:srgbClr>
-                  </a:outerShdw>
-                </a:effectLst>
-                <a:cs typeface="+mn-ea"/>
-                <a:sym typeface="+mn-lt"/>
-              </a:rPr>
-              <a:t>System Features</a:t>
-            </a:r>
-            <a:endParaRPr lang="zh-CN" altLang="en-US" sz="5400" b="1" dirty="0">
-              <a:solidFill>
-                <a:srgbClr val="8AC9F2"/>
-              </a:solidFill>
-              <a:effectLst>
-                <a:outerShdw blurRad="38100" dist="38100" dir="2700000" algn="tl">
-                  <a:srgbClr val="000000">
-                    <a:alpha val="43137"/>
-                  </a:srgbClr>
-                </a:outerShdw>
-              </a:effectLst>
-              <a:cs typeface="+mn-ea"/>
-              <a:sym typeface="+mn-lt"/>
-            </a:endParaRPr>
-          </a:p>
-        </p:txBody>
-      </p:sp>
-      <p:grpSp>
-        <p:nvGrpSpPr>
-          <p:cNvPr id="25" name="组合 24">
-            <a:extLst>
-              <a:ext uri="{FF2B5EF4-FFF2-40B4-BE49-F238E27FC236}">
-                <a16:creationId xmlns:a16="http://schemas.microsoft.com/office/drawing/2014/main" id="{7C7B49B9-E6A4-4F40-B958-4C25D74CFCC9}"/>
-              </a:ext>
-            </a:extLst>
-          </p:cNvPr>
-          <p:cNvGrpSpPr/>
-          <p:nvPr/>
-        </p:nvGrpSpPr>
-        <p:grpSpPr>
-          <a:xfrm flipH="1">
-            <a:off x="3535606" y="2103698"/>
-            <a:ext cx="3829895" cy="581629"/>
-            <a:chOff x="204786" y="159327"/>
-            <a:chExt cx="11782427" cy="918137"/>
-          </a:xfrm>
-        </p:grpSpPr>
-        <p:cxnSp>
-          <p:nvCxnSpPr>
-            <p:cNvPr id="26" name="直接连接符 25">
-              <a:extLst>
-                <a:ext uri="{FF2B5EF4-FFF2-40B4-BE49-F238E27FC236}">
-                  <a16:creationId xmlns:a16="http://schemas.microsoft.com/office/drawing/2014/main" id="{A202BDD7-9EE6-4474-8C07-0299A5DEAFB5}"/>
-                </a:ext>
-              </a:extLst>
-            </p:cNvPr>
-            <p:cNvCxnSpPr/>
-            <p:nvPr/>
-          </p:nvCxnSpPr>
-          <p:spPr>
-            <a:xfrm flipH="1">
-              <a:off x="6697926" y="234950"/>
-              <a:ext cx="5289287" cy="0"/>
-            </a:xfrm>
-            <a:prstGeom prst="line">
-              <a:avLst/>
-            </a:prstGeom>
-            <a:ln w="28575">
-              <a:solidFill>
-                <a:srgbClr val="8AC9F2"/>
-              </a:solidFill>
-            </a:ln>
-          </p:spPr>
-          <p:style>
-            <a:lnRef idx="1">
-              <a:schemeClr val="accent1"/>
-            </a:lnRef>
-            <a:fillRef idx="0">
-              <a:schemeClr val="accent1"/>
-            </a:fillRef>
-            <a:effectRef idx="0">
-              <a:schemeClr val="accent1"/>
-            </a:effectRef>
-            <a:fontRef idx="minor">
-              <a:schemeClr val="tx1"/>
-            </a:fontRef>
-          </p:style>
-        </p:cxnSp>
-        <p:sp>
-          <p:nvSpPr>
-            <p:cNvPr id="27" name="任意多边形 5">
-              <a:extLst>
-                <a:ext uri="{FF2B5EF4-FFF2-40B4-BE49-F238E27FC236}">
-                  <a16:creationId xmlns:a16="http://schemas.microsoft.com/office/drawing/2014/main" id="{12B8DC25-0E1A-486A-9D56-6BCFDED46765}"/>
-                </a:ext>
-              </a:extLst>
-            </p:cNvPr>
-            <p:cNvSpPr/>
-            <p:nvPr/>
-          </p:nvSpPr>
-          <p:spPr>
-            <a:xfrm flipH="1">
-              <a:off x="204786" y="596611"/>
-              <a:ext cx="11772553" cy="287015"/>
-            </a:xfrm>
-            <a:custGeom>
-              <a:avLst/>
-              <a:gdLst>
-                <a:gd name="connsiteX0" fmla="*/ 0 w 11702472"/>
-                <a:gd name="connsiteY0" fmla="*/ 0 h 628073"/>
-                <a:gd name="connsiteX1" fmla="*/ 5181600 w 11702472"/>
-                <a:gd name="connsiteY1" fmla="*/ 0 h 628073"/>
-                <a:gd name="connsiteX2" fmla="*/ 6068291 w 11702472"/>
-                <a:gd name="connsiteY2" fmla="*/ 628073 h 628073"/>
-                <a:gd name="connsiteX3" fmla="*/ 11702472 w 11702472"/>
-                <a:gd name="connsiteY3" fmla="*/ 628073 h 628073"/>
-              </a:gdLst>
-              <a:ahLst/>
-              <a:cxnLst>
-                <a:cxn ang="0">
-                  <a:pos x="connsiteX0" y="connsiteY0"/>
-                </a:cxn>
-                <a:cxn ang="0">
-                  <a:pos x="connsiteX1" y="connsiteY1"/>
-                </a:cxn>
-                <a:cxn ang="0">
-                  <a:pos x="connsiteX2" y="connsiteY2"/>
-                </a:cxn>
-                <a:cxn ang="0">
-                  <a:pos x="connsiteX3" y="connsiteY3"/>
-                </a:cxn>
-              </a:cxnLst>
-              <a:rect l="l" t="t" r="r" b="b"/>
-              <a:pathLst>
-                <a:path w="11702472" h="628073">
-                  <a:moveTo>
-                    <a:pt x="0" y="0"/>
-                  </a:moveTo>
-                  <a:lnTo>
-                    <a:pt x="5181600" y="0"/>
-                  </a:lnTo>
-                  <a:lnTo>
-                    <a:pt x="6068291" y="628073"/>
-                  </a:lnTo>
-                  <a:lnTo>
-                    <a:pt x="11702472" y="628073"/>
-                  </a:lnTo>
-                </a:path>
-              </a:pathLst>
-            </a:custGeom>
-            <a:ln w="28575">
-              <a:solidFill>
-                <a:srgbClr val="8AC9F2"/>
-              </a:solidFill>
-            </a:ln>
-          </p:spPr>
-          <p:style>
-            <a:lnRef idx="1">
-              <a:schemeClr val="accent1"/>
-            </a:lnRef>
-            <a:fillRef idx="0">
-              <a:schemeClr val="accent1"/>
-            </a:fillRef>
-            <a:effectRef idx="0">
-              <a:schemeClr val="accent1"/>
-            </a:effectRef>
-            <a:fontRef idx="minor">
-              <a:schemeClr val="tx1"/>
-            </a:fontRef>
-          </p:style>
-          <p:txBody>
-            <a:bodyPr rtlCol="0" anchor="ctr"/>
-            <a:lstStyle/>
-            <a:p>
-              <a:pPr algn="ctr"/>
-              <a:endParaRPr lang="zh-CN" altLang="en-US">
-                <a:cs typeface="+mn-ea"/>
-                <a:sym typeface="+mn-lt"/>
-              </a:endParaRPr>
-            </a:p>
-          </p:txBody>
-        </p:sp>
-        <p:cxnSp>
-          <p:nvCxnSpPr>
-            <p:cNvPr id="28" name="直接连接符 27">
-              <a:extLst>
-                <a:ext uri="{FF2B5EF4-FFF2-40B4-BE49-F238E27FC236}">
-                  <a16:creationId xmlns:a16="http://schemas.microsoft.com/office/drawing/2014/main" id="{7BA281FC-B9E3-4AAD-8DFB-A96DBB07D9CD}"/>
-                </a:ext>
-              </a:extLst>
-            </p:cNvPr>
-            <p:cNvCxnSpPr/>
-            <p:nvPr/>
-          </p:nvCxnSpPr>
-          <p:spPr>
-            <a:xfrm flipH="1">
-              <a:off x="204787" y="1033735"/>
-              <a:ext cx="5696378" cy="0"/>
-            </a:xfrm>
-            <a:prstGeom prst="line">
-              <a:avLst/>
-            </a:prstGeom>
-            <a:ln w="28575">
-              <a:solidFill>
-                <a:srgbClr val="8AC9F2"/>
-              </a:solidFill>
-            </a:ln>
-          </p:spPr>
-          <p:style>
-            <a:lnRef idx="1">
-              <a:schemeClr val="accent1"/>
-            </a:lnRef>
-            <a:fillRef idx="0">
-              <a:schemeClr val="accent1"/>
-            </a:fillRef>
-            <a:effectRef idx="0">
-              <a:schemeClr val="accent1"/>
-            </a:effectRef>
-            <a:fontRef idx="minor">
-              <a:schemeClr val="tx1"/>
-            </a:fontRef>
-          </p:style>
-        </p:cxnSp>
-        <p:sp>
-          <p:nvSpPr>
-            <p:cNvPr id="29" name="矩形 28">
-              <a:extLst>
-                <a:ext uri="{FF2B5EF4-FFF2-40B4-BE49-F238E27FC236}">
-                  <a16:creationId xmlns:a16="http://schemas.microsoft.com/office/drawing/2014/main" id="{EE3856D4-45C4-458B-87D5-F37AEEA76182}"/>
-                </a:ext>
-              </a:extLst>
-            </p:cNvPr>
-            <p:cNvSpPr/>
-            <p:nvPr/>
-          </p:nvSpPr>
-          <p:spPr>
-            <a:xfrm flipH="1">
-              <a:off x="10938182" y="159327"/>
-              <a:ext cx="622542" cy="157018"/>
-            </a:xfrm>
-            <a:prstGeom prst="rect">
-              <a:avLst/>
-            </a:prstGeom>
-            <a:solidFill>
-              <a:srgbClr val="8AC9F2"/>
-            </a:solidFill>
-            <a:ln>
-              <a:solidFill>
-                <a:srgbClr val="8AC9F2"/>
-              </a:solidFill>
-            </a:ln>
-          </p:spPr>
-          <p:style>
-            <a:lnRef idx="2">
-              <a:schemeClr val="accent1">
-                <a:shade val="50000"/>
-              </a:schemeClr>
-            </a:lnRef>
-            <a:fillRef idx="1">
-              <a:schemeClr val="accent1"/>
-            </a:fillRef>
-            <a:effectRef idx="0">
-              <a:schemeClr val="accent1"/>
-            </a:effectRef>
-            <a:fontRef idx="minor">
-              <a:schemeClr val="lt1"/>
-            </a:fontRef>
-          </p:style>
-          <p:txBody>
-            <a:bodyPr rtlCol="0" anchor="ctr"/>
-            <a:lstStyle/>
-            <a:p>
-              <a:pPr algn="ctr"/>
-              <a:endParaRPr lang="zh-CN" altLang="en-US">
-                <a:solidFill>
-                  <a:srgbClr val="00B0F0"/>
-                </a:solidFill>
-                <a:cs typeface="+mn-ea"/>
-                <a:sym typeface="+mn-lt"/>
-              </a:endParaRPr>
-            </a:p>
-          </p:txBody>
-        </p:sp>
-        <p:sp>
-          <p:nvSpPr>
-            <p:cNvPr id="30" name="矩形 29">
-              <a:extLst>
-                <a:ext uri="{FF2B5EF4-FFF2-40B4-BE49-F238E27FC236}">
-                  <a16:creationId xmlns:a16="http://schemas.microsoft.com/office/drawing/2014/main" id="{1FF86D5D-D6AC-44F8-B792-CC1D14C740A0}"/>
-                </a:ext>
-              </a:extLst>
-            </p:cNvPr>
-            <p:cNvSpPr/>
-            <p:nvPr/>
-          </p:nvSpPr>
-          <p:spPr>
-            <a:xfrm flipH="1">
-              <a:off x="472605" y="984664"/>
-              <a:ext cx="1898478" cy="92800"/>
-            </a:xfrm>
-            <a:prstGeom prst="rect">
-              <a:avLst/>
-            </a:prstGeom>
-            <a:solidFill>
-              <a:srgbClr val="8AC9F2"/>
-            </a:solidFill>
-            <a:ln>
-              <a:solidFill>
-                <a:srgbClr val="8AC9F2"/>
-              </a:solidFill>
-            </a:ln>
-          </p:spPr>
-          <p:style>
-            <a:lnRef idx="2">
-              <a:schemeClr val="accent1">
-                <a:shade val="50000"/>
-              </a:schemeClr>
-            </a:lnRef>
-            <a:fillRef idx="1">
-              <a:schemeClr val="accent1"/>
-            </a:fillRef>
-            <a:effectRef idx="0">
-              <a:schemeClr val="accent1"/>
-            </a:effectRef>
-            <a:fontRef idx="minor">
-              <a:schemeClr val="lt1"/>
-            </a:fontRef>
-          </p:style>
-          <p:txBody>
-            <a:bodyPr rtlCol="0" anchor="ctr"/>
-            <a:lstStyle/>
-            <a:p>
-              <a:pPr algn="ctr"/>
-              <a:endParaRPr lang="zh-CN" altLang="en-US">
-                <a:solidFill>
-                  <a:srgbClr val="00B0F0"/>
-                </a:solidFill>
-                <a:cs typeface="+mn-ea"/>
-                <a:sym typeface="+mn-lt"/>
-              </a:endParaRPr>
-            </a:p>
-          </p:txBody>
-        </p:sp>
-        <p:sp>
-          <p:nvSpPr>
-            <p:cNvPr id="31" name="矩形 30">
-              <a:extLst>
-                <a:ext uri="{FF2B5EF4-FFF2-40B4-BE49-F238E27FC236}">
-                  <a16:creationId xmlns:a16="http://schemas.microsoft.com/office/drawing/2014/main" id="{FF190DAE-C56B-46D0-B365-9E9FFFBF3DCD}"/>
-                </a:ext>
-              </a:extLst>
-            </p:cNvPr>
-            <p:cNvSpPr/>
-            <p:nvPr/>
-          </p:nvSpPr>
-          <p:spPr>
-            <a:xfrm flipH="1">
-              <a:off x="10776682" y="373784"/>
-              <a:ext cx="75494" cy="157018"/>
-            </a:xfrm>
-            <a:prstGeom prst="rect">
-              <a:avLst/>
-            </a:prstGeom>
-            <a:solidFill>
-              <a:srgbClr val="00B0F0"/>
-            </a:solidFill>
-            <a:ln>
-              <a:solidFill>
-                <a:srgbClr val="8AC9F2"/>
-              </a:solidFill>
-            </a:ln>
-          </p:spPr>
-          <p:style>
-            <a:lnRef idx="2">
-              <a:schemeClr val="accent1">
-                <a:shade val="50000"/>
-              </a:schemeClr>
-            </a:lnRef>
-            <a:fillRef idx="1">
-              <a:schemeClr val="accent1"/>
-            </a:fillRef>
-            <a:effectRef idx="0">
-              <a:schemeClr val="accent1"/>
-            </a:effectRef>
-            <a:fontRef idx="minor">
-              <a:schemeClr val="lt1"/>
-            </a:fontRef>
-          </p:style>
-          <p:txBody>
-            <a:bodyPr rtlCol="0" anchor="ctr"/>
-            <a:lstStyle/>
-            <a:p>
-              <a:pPr algn="ctr"/>
-              <a:endParaRPr lang="zh-CN" altLang="en-US">
-                <a:solidFill>
-                  <a:srgbClr val="00B0F0"/>
-                </a:solidFill>
-                <a:cs typeface="+mn-ea"/>
-                <a:sym typeface="+mn-lt"/>
-              </a:endParaRPr>
-            </a:p>
-          </p:txBody>
-        </p:sp>
-        <p:sp>
-          <p:nvSpPr>
-            <p:cNvPr id="32" name="矩形 31">
-              <a:extLst>
-                <a:ext uri="{FF2B5EF4-FFF2-40B4-BE49-F238E27FC236}">
-                  <a16:creationId xmlns:a16="http://schemas.microsoft.com/office/drawing/2014/main" id="{D4DB76E8-FD83-43B3-BE88-3587271360CB}"/>
-                </a:ext>
-              </a:extLst>
-            </p:cNvPr>
-            <p:cNvSpPr/>
-            <p:nvPr/>
-          </p:nvSpPr>
-          <p:spPr>
-            <a:xfrm flipH="1">
-              <a:off x="9028105" y="373784"/>
-              <a:ext cx="75494" cy="157018"/>
-            </a:xfrm>
-            <a:prstGeom prst="rect">
-              <a:avLst/>
-            </a:prstGeom>
-            <a:solidFill>
-              <a:srgbClr val="00B0F0"/>
-            </a:solidFill>
-            <a:ln>
-              <a:solidFill>
-                <a:srgbClr val="8AC9F2"/>
-              </a:solidFill>
-            </a:ln>
-          </p:spPr>
-          <p:style>
-            <a:lnRef idx="2">
-              <a:schemeClr val="accent1">
-                <a:shade val="50000"/>
-              </a:schemeClr>
-            </a:lnRef>
-            <a:fillRef idx="1">
-              <a:schemeClr val="accent1"/>
-            </a:fillRef>
-            <a:effectRef idx="0">
-              <a:schemeClr val="accent1"/>
-            </a:effectRef>
-            <a:fontRef idx="minor">
-              <a:schemeClr val="lt1"/>
-            </a:fontRef>
-          </p:style>
-          <p:txBody>
-            <a:bodyPr rtlCol="0" anchor="ctr"/>
-            <a:lstStyle/>
-            <a:p>
-              <a:pPr algn="ctr"/>
-              <a:endParaRPr lang="zh-CN" altLang="en-US">
-                <a:solidFill>
-                  <a:srgbClr val="00B0F0"/>
-                </a:solidFill>
-                <a:cs typeface="+mn-ea"/>
-                <a:sym typeface="+mn-lt"/>
-              </a:endParaRPr>
-            </a:p>
-          </p:txBody>
-        </p:sp>
-        <p:sp>
-          <p:nvSpPr>
-            <p:cNvPr id="33" name="平行四边形 32">
-              <a:extLst>
-                <a:ext uri="{FF2B5EF4-FFF2-40B4-BE49-F238E27FC236}">
-                  <a16:creationId xmlns:a16="http://schemas.microsoft.com/office/drawing/2014/main" id="{CA2AB9D8-85EA-45EA-A4AC-EE56423D8231}"/>
-                </a:ext>
-              </a:extLst>
-            </p:cNvPr>
-            <p:cNvSpPr/>
-            <p:nvPr/>
-          </p:nvSpPr>
-          <p:spPr>
-            <a:xfrm>
-              <a:off x="8077200" y="703736"/>
-              <a:ext cx="228008" cy="152616"/>
-            </a:xfrm>
-            <a:prstGeom prst="parallelogram">
-              <a:avLst>
-                <a:gd name="adj" fmla="val 85851"/>
-              </a:avLst>
-            </a:prstGeom>
-            <a:solidFill>
-              <a:srgbClr val="00B0F0"/>
-            </a:solidFill>
-            <a:ln>
-              <a:solidFill>
-                <a:srgbClr val="8AC9F2"/>
-              </a:solidFill>
-            </a:ln>
-          </p:spPr>
-          <p:style>
-            <a:lnRef idx="2">
-              <a:schemeClr val="accent1">
-                <a:shade val="50000"/>
-              </a:schemeClr>
-            </a:lnRef>
-            <a:fillRef idx="1">
-              <a:schemeClr val="accent1"/>
-            </a:fillRef>
-            <a:effectRef idx="0">
-              <a:schemeClr val="accent1"/>
-            </a:effectRef>
-            <a:fontRef idx="minor">
-              <a:schemeClr val="lt1"/>
-            </a:fontRef>
-          </p:style>
-          <p:txBody>
-            <a:bodyPr rtlCol="0" anchor="ctr"/>
-            <a:lstStyle/>
-            <a:p>
-              <a:pPr algn="ctr"/>
-              <a:endParaRPr lang="zh-CN" altLang="en-US">
-                <a:solidFill>
-                  <a:srgbClr val="00B0F0"/>
-                </a:solidFill>
-                <a:cs typeface="+mn-ea"/>
-                <a:sym typeface="+mn-lt"/>
-              </a:endParaRPr>
-            </a:p>
-          </p:txBody>
-        </p:sp>
-        <p:sp>
-          <p:nvSpPr>
-            <p:cNvPr id="34" name="平行四边形 33">
-              <a:extLst>
-                <a:ext uri="{FF2B5EF4-FFF2-40B4-BE49-F238E27FC236}">
-                  <a16:creationId xmlns:a16="http://schemas.microsoft.com/office/drawing/2014/main" id="{5DC59707-5DAB-496E-B198-F4A8A04AFA9D}"/>
-                </a:ext>
-              </a:extLst>
-            </p:cNvPr>
-            <p:cNvSpPr/>
-            <p:nvPr/>
-          </p:nvSpPr>
-          <p:spPr>
-            <a:xfrm>
-              <a:off x="8218436" y="703736"/>
-              <a:ext cx="228008" cy="152616"/>
-            </a:xfrm>
-            <a:prstGeom prst="parallelogram">
-              <a:avLst>
-                <a:gd name="adj" fmla="val 85851"/>
-              </a:avLst>
-            </a:prstGeom>
-            <a:solidFill>
-              <a:srgbClr val="00B0F0"/>
-            </a:solidFill>
-            <a:ln>
-              <a:solidFill>
-                <a:srgbClr val="8AC9F2"/>
-              </a:solidFill>
-            </a:ln>
-          </p:spPr>
-          <p:style>
-            <a:lnRef idx="2">
-              <a:schemeClr val="accent1">
-                <a:shade val="50000"/>
-              </a:schemeClr>
-            </a:lnRef>
-            <a:fillRef idx="1">
-              <a:schemeClr val="accent1"/>
-            </a:fillRef>
-            <a:effectRef idx="0">
-              <a:schemeClr val="accent1"/>
-            </a:effectRef>
-            <a:fontRef idx="minor">
-              <a:schemeClr val="lt1"/>
-            </a:fontRef>
-          </p:style>
-          <p:txBody>
-            <a:bodyPr rtlCol="0" anchor="ctr"/>
-            <a:lstStyle/>
-            <a:p>
-              <a:pPr algn="ctr"/>
-              <a:endParaRPr lang="zh-CN" altLang="en-US">
-                <a:solidFill>
-                  <a:srgbClr val="00B0F0"/>
-                </a:solidFill>
-                <a:cs typeface="+mn-ea"/>
-                <a:sym typeface="+mn-lt"/>
-              </a:endParaRPr>
-            </a:p>
-          </p:txBody>
-        </p:sp>
-        <p:sp>
-          <p:nvSpPr>
-            <p:cNvPr id="35" name="平行四边形 34">
-              <a:extLst>
-                <a:ext uri="{FF2B5EF4-FFF2-40B4-BE49-F238E27FC236}">
-                  <a16:creationId xmlns:a16="http://schemas.microsoft.com/office/drawing/2014/main" id="{E921E137-6C8D-4D54-B32B-49ED31BFC0C5}"/>
-                </a:ext>
-              </a:extLst>
-            </p:cNvPr>
-            <p:cNvSpPr/>
-            <p:nvPr/>
-          </p:nvSpPr>
-          <p:spPr>
-            <a:xfrm>
-              <a:off x="8359672" y="703736"/>
-              <a:ext cx="228008" cy="152616"/>
-            </a:xfrm>
-            <a:prstGeom prst="parallelogram">
-              <a:avLst>
-                <a:gd name="adj" fmla="val 85851"/>
-              </a:avLst>
-            </a:prstGeom>
-            <a:solidFill>
-              <a:srgbClr val="00B0F0"/>
-            </a:solidFill>
-            <a:ln>
-              <a:solidFill>
-                <a:srgbClr val="8AC9F2"/>
-              </a:solidFill>
-            </a:ln>
-          </p:spPr>
-          <p:style>
-            <a:lnRef idx="2">
-              <a:schemeClr val="accent1">
-                <a:shade val="50000"/>
-              </a:schemeClr>
-            </a:lnRef>
-            <a:fillRef idx="1">
-              <a:schemeClr val="accent1"/>
-            </a:fillRef>
-            <a:effectRef idx="0">
-              <a:schemeClr val="accent1"/>
-            </a:effectRef>
-            <a:fontRef idx="minor">
-              <a:schemeClr val="lt1"/>
-            </a:fontRef>
-          </p:style>
-          <p:txBody>
-            <a:bodyPr rtlCol="0" anchor="ctr"/>
-            <a:lstStyle/>
-            <a:p>
-              <a:pPr algn="ctr"/>
-              <a:endParaRPr lang="zh-CN" altLang="en-US">
-                <a:solidFill>
-                  <a:srgbClr val="00B0F0"/>
-                </a:solidFill>
-                <a:cs typeface="+mn-ea"/>
-                <a:sym typeface="+mn-lt"/>
-              </a:endParaRPr>
-            </a:p>
-          </p:txBody>
-        </p:sp>
-        <p:sp>
-          <p:nvSpPr>
-            <p:cNvPr id="36" name="平行四边形 35">
-              <a:extLst>
-                <a:ext uri="{FF2B5EF4-FFF2-40B4-BE49-F238E27FC236}">
-                  <a16:creationId xmlns:a16="http://schemas.microsoft.com/office/drawing/2014/main" id="{E8C9A7A1-BCFA-4A83-8EE3-D44F91FF68AB}"/>
-                </a:ext>
-              </a:extLst>
-            </p:cNvPr>
-            <p:cNvSpPr/>
-            <p:nvPr/>
-          </p:nvSpPr>
-          <p:spPr>
-            <a:xfrm>
-              <a:off x="8500908" y="703736"/>
-              <a:ext cx="228008" cy="152616"/>
-            </a:xfrm>
-            <a:prstGeom prst="parallelogram">
-              <a:avLst>
-                <a:gd name="adj" fmla="val 85851"/>
-              </a:avLst>
-            </a:prstGeom>
-            <a:solidFill>
-              <a:srgbClr val="00B0F0"/>
-            </a:solidFill>
-            <a:ln>
-              <a:solidFill>
-                <a:srgbClr val="8AC9F2"/>
-              </a:solidFill>
-            </a:ln>
-          </p:spPr>
-          <p:style>
-            <a:lnRef idx="2">
-              <a:schemeClr val="accent1">
-                <a:shade val="50000"/>
-              </a:schemeClr>
-            </a:lnRef>
-            <a:fillRef idx="1">
-              <a:schemeClr val="accent1"/>
-            </a:fillRef>
-            <a:effectRef idx="0">
-              <a:schemeClr val="accent1"/>
-            </a:effectRef>
-            <a:fontRef idx="minor">
-              <a:schemeClr val="lt1"/>
-            </a:fontRef>
-          </p:style>
-          <p:txBody>
-            <a:bodyPr rtlCol="0" anchor="ctr"/>
-            <a:lstStyle/>
-            <a:p>
-              <a:pPr algn="ctr"/>
-              <a:endParaRPr lang="zh-CN" altLang="en-US">
-                <a:solidFill>
-                  <a:srgbClr val="00B0F0"/>
-                </a:solidFill>
-                <a:cs typeface="+mn-ea"/>
-                <a:sym typeface="+mn-lt"/>
-              </a:endParaRPr>
-            </a:p>
-          </p:txBody>
-        </p:sp>
-        <p:sp>
-          <p:nvSpPr>
-            <p:cNvPr id="37" name="平行四边形 36">
-              <a:extLst>
-                <a:ext uri="{FF2B5EF4-FFF2-40B4-BE49-F238E27FC236}">
-                  <a16:creationId xmlns:a16="http://schemas.microsoft.com/office/drawing/2014/main" id="{08164ECD-6B29-4DA1-83BC-EF2DE43CFFEB}"/>
-                </a:ext>
-              </a:extLst>
-            </p:cNvPr>
-            <p:cNvSpPr/>
-            <p:nvPr/>
-          </p:nvSpPr>
-          <p:spPr>
-            <a:xfrm>
-              <a:off x="8642144" y="703736"/>
-              <a:ext cx="228008" cy="152616"/>
-            </a:xfrm>
-            <a:prstGeom prst="parallelogram">
-              <a:avLst>
-                <a:gd name="adj" fmla="val 85851"/>
-              </a:avLst>
-            </a:prstGeom>
-            <a:solidFill>
-              <a:srgbClr val="00B0F0"/>
-            </a:solidFill>
-            <a:ln>
-              <a:solidFill>
-                <a:srgbClr val="8AC9F2"/>
-              </a:solidFill>
-            </a:ln>
-          </p:spPr>
-          <p:style>
-            <a:lnRef idx="2">
-              <a:schemeClr val="accent1">
-                <a:shade val="50000"/>
-              </a:schemeClr>
-            </a:lnRef>
-            <a:fillRef idx="1">
-              <a:schemeClr val="accent1"/>
-            </a:fillRef>
-            <a:effectRef idx="0">
-              <a:schemeClr val="accent1"/>
-            </a:effectRef>
-            <a:fontRef idx="minor">
-              <a:schemeClr val="lt1"/>
-            </a:fontRef>
-          </p:style>
-          <p:txBody>
-            <a:bodyPr rtlCol="0" anchor="ctr"/>
-            <a:lstStyle/>
-            <a:p>
-              <a:pPr algn="ctr"/>
-              <a:endParaRPr lang="zh-CN" altLang="en-US">
-                <a:solidFill>
-                  <a:srgbClr val="00B0F0"/>
-                </a:solidFill>
-                <a:cs typeface="+mn-ea"/>
-                <a:sym typeface="+mn-lt"/>
-              </a:endParaRPr>
-            </a:p>
-          </p:txBody>
-        </p:sp>
-        <p:sp>
-          <p:nvSpPr>
-            <p:cNvPr id="38" name="平行四边形 37">
-              <a:extLst>
-                <a:ext uri="{FF2B5EF4-FFF2-40B4-BE49-F238E27FC236}">
-                  <a16:creationId xmlns:a16="http://schemas.microsoft.com/office/drawing/2014/main" id="{CEF13614-08B8-43B7-8638-CD100ECCE1A7}"/>
-                </a:ext>
-              </a:extLst>
-            </p:cNvPr>
-            <p:cNvSpPr/>
-            <p:nvPr/>
-          </p:nvSpPr>
-          <p:spPr>
-            <a:xfrm>
-              <a:off x="8783380" y="703736"/>
-              <a:ext cx="228008" cy="152616"/>
-            </a:xfrm>
-            <a:prstGeom prst="parallelogram">
-              <a:avLst>
-                <a:gd name="adj" fmla="val 85851"/>
-              </a:avLst>
-            </a:prstGeom>
-            <a:solidFill>
-              <a:srgbClr val="00B0F0"/>
-            </a:solidFill>
-            <a:ln>
-              <a:solidFill>
-                <a:srgbClr val="8AC9F2"/>
-              </a:solidFill>
-            </a:ln>
-          </p:spPr>
-          <p:style>
-            <a:lnRef idx="2">
-              <a:schemeClr val="accent1">
-                <a:shade val="50000"/>
-              </a:schemeClr>
-            </a:lnRef>
-            <a:fillRef idx="1">
-              <a:schemeClr val="accent1"/>
-            </a:fillRef>
-            <a:effectRef idx="0">
-              <a:schemeClr val="accent1"/>
-            </a:effectRef>
-            <a:fontRef idx="minor">
-              <a:schemeClr val="lt1"/>
-            </a:fontRef>
-          </p:style>
-          <p:txBody>
-            <a:bodyPr rtlCol="0" anchor="ctr"/>
-            <a:lstStyle/>
-            <a:p>
-              <a:pPr algn="ctr"/>
-              <a:endParaRPr lang="zh-CN" altLang="en-US">
-                <a:solidFill>
-                  <a:srgbClr val="00B0F0"/>
-                </a:solidFill>
-                <a:cs typeface="+mn-ea"/>
-                <a:sym typeface="+mn-lt"/>
-              </a:endParaRPr>
-            </a:p>
-          </p:txBody>
-        </p:sp>
-        <p:sp>
-          <p:nvSpPr>
-            <p:cNvPr id="39" name="平行四边形 38">
-              <a:extLst>
-                <a:ext uri="{FF2B5EF4-FFF2-40B4-BE49-F238E27FC236}">
-                  <a16:creationId xmlns:a16="http://schemas.microsoft.com/office/drawing/2014/main" id="{FBF7A9E3-2493-4871-896D-F3CABDF7B4DC}"/>
-                </a:ext>
-              </a:extLst>
-            </p:cNvPr>
-            <p:cNvSpPr/>
-            <p:nvPr/>
-          </p:nvSpPr>
-          <p:spPr>
-            <a:xfrm>
-              <a:off x="8924616" y="703736"/>
-              <a:ext cx="228008" cy="152616"/>
-            </a:xfrm>
-            <a:prstGeom prst="parallelogram">
-              <a:avLst>
-                <a:gd name="adj" fmla="val 85851"/>
-              </a:avLst>
-            </a:prstGeom>
-            <a:solidFill>
-              <a:srgbClr val="00B0F0"/>
-            </a:solidFill>
-            <a:ln>
-              <a:solidFill>
-                <a:srgbClr val="8AC9F2"/>
-              </a:solidFill>
-            </a:ln>
-          </p:spPr>
-          <p:style>
-            <a:lnRef idx="2">
-              <a:schemeClr val="accent1">
-                <a:shade val="50000"/>
-              </a:schemeClr>
-            </a:lnRef>
-            <a:fillRef idx="1">
-              <a:schemeClr val="accent1"/>
-            </a:fillRef>
-            <a:effectRef idx="0">
-              <a:schemeClr val="accent1"/>
-            </a:effectRef>
-            <a:fontRef idx="minor">
-              <a:schemeClr val="lt1"/>
-            </a:fontRef>
-          </p:style>
-          <p:txBody>
-            <a:bodyPr rtlCol="0" anchor="ctr"/>
-            <a:lstStyle/>
-            <a:p>
-              <a:pPr algn="ctr"/>
-              <a:endParaRPr lang="zh-CN" altLang="en-US">
-                <a:solidFill>
-                  <a:srgbClr val="00B0F0"/>
-                </a:solidFill>
-                <a:cs typeface="+mn-ea"/>
-                <a:sym typeface="+mn-lt"/>
-              </a:endParaRPr>
-            </a:p>
-          </p:txBody>
-        </p:sp>
-        <p:sp>
-          <p:nvSpPr>
-            <p:cNvPr id="40" name="平行四边形 39">
-              <a:extLst>
-                <a:ext uri="{FF2B5EF4-FFF2-40B4-BE49-F238E27FC236}">
-                  <a16:creationId xmlns:a16="http://schemas.microsoft.com/office/drawing/2014/main" id="{97FEB269-0DCC-4D4D-931A-AEBFAD5A6AF9}"/>
-                </a:ext>
-              </a:extLst>
-            </p:cNvPr>
-            <p:cNvSpPr/>
-            <p:nvPr/>
-          </p:nvSpPr>
-          <p:spPr>
-            <a:xfrm>
-              <a:off x="9065852" y="703736"/>
-              <a:ext cx="228008" cy="152616"/>
-            </a:xfrm>
-            <a:prstGeom prst="parallelogram">
-              <a:avLst>
-                <a:gd name="adj" fmla="val 85851"/>
-              </a:avLst>
-            </a:prstGeom>
-            <a:solidFill>
-              <a:srgbClr val="00B0F0"/>
-            </a:solidFill>
-            <a:ln>
-              <a:solidFill>
-                <a:srgbClr val="8AC9F2"/>
-              </a:solidFill>
-            </a:ln>
-          </p:spPr>
-          <p:style>
-            <a:lnRef idx="2">
-              <a:schemeClr val="accent1">
-                <a:shade val="50000"/>
-              </a:schemeClr>
-            </a:lnRef>
-            <a:fillRef idx="1">
-              <a:schemeClr val="accent1"/>
-            </a:fillRef>
-            <a:effectRef idx="0">
-              <a:schemeClr val="accent1"/>
-            </a:effectRef>
-            <a:fontRef idx="minor">
-              <a:schemeClr val="lt1"/>
-            </a:fontRef>
-          </p:style>
-          <p:txBody>
-            <a:bodyPr rtlCol="0" anchor="ctr"/>
-            <a:lstStyle/>
-            <a:p>
-              <a:pPr algn="ctr"/>
-              <a:endParaRPr lang="zh-CN" altLang="en-US">
-                <a:solidFill>
-                  <a:srgbClr val="00B0F0"/>
-                </a:solidFill>
-                <a:cs typeface="+mn-ea"/>
-                <a:sym typeface="+mn-lt"/>
-              </a:endParaRPr>
-            </a:p>
-          </p:txBody>
-        </p:sp>
-        <p:sp>
-          <p:nvSpPr>
-            <p:cNvPr id="41" name="平行四边形 40">
-              <a:extLst>
-                <a:ext uri="{FF2B5EF4-FFF2-40B4-BE49-F238E27FC236}">
-                  <a16:creationId xmlns:a16="http://schemas.microsoft.com/office/drawing/2014/main" id="{4EB2EC09-CEAC-4189-90B9-6882B0747ACE}"/>
-                </a:ext>
-              </a:extLst>
-            </p:cNvPr>
-            <p:cNvSpPr/>
-            <p:nvPr/>
-          </p:nvSpPr>
-          <p:spPr>
-            <a:xfrm>
-              <a:off x="9207088" y="703736"/>
-              <a:ext cx="228008" cy="152616"/>
-            </a:xfrm>
-            <a:prstGeom prst="parallelogram">
-              <a:avLst>
-                <a:gd name="adj" fmla="val 85851"/>
-              </a:avLst>
-            </a:prstGeom>
-            <a:solidFill>
-              <a:srgbClr val="00B0F0"/>
-            </a:solidFill>
-            <a:ln>
-              <a:solidFill>
-                <a:srgbClr val="8AC9F2"/>
-              </a:solidFill>
-            </a:ln>
-          </p:spPr>
-          <p:style>
-            <a:lnRef idx="2">
-              <a:schemeClr val="accent1">
-                <a:shade val="50000"/>
-              </a:schemeClr>
-            </a:lnRef>
-            <a:fillRef idx="1">
-              <a:schemeClr val="accent1"/>
-            </a:fillRef>
-            <a:effectRef idx="0">
-              <a:schemeClr val="accent1"/>
-            </a:effectRef>
-            <a:fontRef idx="minor">
-              <a:schemeClr val="lt1"/>
-            </a:fontRef>
-          </p:style>
-          <p:txBody>
-            <a:bodyPr rtlCol="0" anchor="ctr"/>
-            <a:lstStyle/>
-            <a:p>
-              <a:pPr algn="ctr"/>
-              <a:endParaRPr lang="zh-CN" altLang="en-US">
-                <a:solidFill>
-                  <a:srgbClr val="00B0F0"/>
-                </a:solidFill>
-                <a:cs typeface="+mn-ea"/>
-                <a:sym typeface="+mn-lt"/>
-              </a:endParaRPr>
-            </a:p>
-          </p:txBody>
-        </p:sp>
-        <p:sp>
-          <p:nvSpPr>
-            <p:cNvPr id="42" name="平行四边形 41">
-              <a:extLst>
-                <a:ext uri="{FF2B5EF4-FFF2-40B4-BE49-F238E27FC236}">
-                  <a16:creationId xmlns:a16="http://schemas.microsoft.com/office/drawing/2014/main" id="{82332C4C-9E83-4CA0-AF3C-E410B4AE2345}"/>
-                </a:ext>
-              </a:extLst>
-            </p:cNvPr>
-            <p:cNvSpPr/>
-            <p:nvPr/>
-          </p:nvSpPr>
-          <p:spPr>
-            <a:xfrm>
-              <a:off x="9348324" y="703736"/>
-              <a:ext cx="228008" cy="152616"/>
-            </a:xfrm>
-            <a:prstGeom prst="parallelogram">
-              <a:avLst>
-                <a:gd name="adj" fmla="val 85851"/>
-              </a:avLst>
-            </a:prstGeom>
-            <a:solidFill>
-              <a:srgbClr val="00B0F0"/>
-            </a:solidFill>
-            <a:ln>
-              <a:solidFill>
-                <a:srgbClr val="8AC9F2"/>
-              </a:solidFill>
-            </a:ln>
-          </p:spPr>
-          <p:style>
-            <a:lnRef idx="2">
-              <a:schemeClr val="accent1">
-                <a:shade val="50000"/>
-              </a:schemeClr>
-            </a:lnRef>
-            <a:fillRef idx="1">
-              <a:schemeClr val="accent1"/>
-            </a:fillRef>
-            <a:effectRef idx="0">
-              <a:schemeClr val="accent1"/>
-            </a:effectRef>
-            <a:fontRef idx="minor">
-              <a:schemeClr val="lt1"/>
-            </a:fontRef>
-          </p:style>
-          <p:txBody>
-            <a:bodyPr rtlCol="0" anchor="ctr"/>
-            <a:lstStyle/>
-            <a:p>
-              <a:pPr algn="ctr"/>
-              <a:endParaRPr lang="zh-CN" altLang="en-US">
-                <a:solidFill>
-                  <a:srgbClr val="00B0F0"/>
-                </a:solidFill>
-                <a:cs typeface="+mn-ea"/>
-                <a:sym typeface="+mn-lt"/>
-              </a:endParaRPr>
-            </a:p>
-          </p:txBody>
-        </p:sp>
-        <p:sp>
-          <p:nvSpPr>
-            <p:cNvPr id="43" name="平行四边形 42">
-              <a:extLst>
-                <a:ext uri="{FF2B5EF4-FFF2-40B4-BE49-F238E27FC236}">
-                  <a16:creationId xmlns:a16="http://schemas.microsoft.com/office/drawing/2014/main" id="{1D7A9779-E011-4DCC-960B-C2E80961E33D}"/>
-                </a:ext>
-              </a:extLst>
-            </p:cNvPr>
-            <p:cNvSpPr/>
-            <p:nvPr/>
-          </p:nvSpPr>
-          <p:spPr>
-            <a:xfrm>
-              <a:off x="9489560" y="703736"/>
-              <a:ext cx="228008" cy="152616"/>
-            </a:xfrm>
-            <a:prstGeom prst="parallelogram">
-              <a:avLst>
-                <a:gd name="adj" fmla="val 85851"/>
-              </a:avLst>
-            </a:prstGeom>
-            <a:solidFill>
-              <a:srgbClr val="00B0F0"/>
-            </a:solidFill>
-            <a:ln>
-              <a:solidFill>
-                <a:srgbClr val="8AC9F2"/>
-              </a:solidFill>
-            </a:ln>
-          </p:spPr>
-          <p:style>
-            <a:lnRef idx="2">
-              <a:schemeClr val="accent1">
-                <a:shade val="50000"/>
-              </a:schemeClr>
-            </a:lnRef>
-            <a:fillRef idx="1">
-              <a:schemeClr val="accent1"/>
-            </a:fillRef>
-            <a:effectRef idx="0">
-              <a:schemeClr val="accent1"/>
-            </a:effectRef>
-            <a:fontRef idx="minor">
-              <a:schemeClr val="lt1"/>
-            </a:fontRef>
-          </p:style>
-          <p:txBody>
-            <a:bodyPr rtlCol="0" anchor="ctr"/>
-            <a:lstStyle/>
-            <a:p>
-              <a:pPr algn="ctr"/>
-              <a:endParaRPr lang="zh-CN" altLang="en-US">
-                <a:solidFill>
-                  <a:srgbClr val="00B0F0"/>
-                </a:solidFill>
-                <a:cs typeface="+mn-ea"/>
-                <a:sym typeface="+mn-lt"/>
-              </a:endParaRPr>
-            </a:p>
-          </p:txBody>
-        </p:sp>
-        <p:sp>
-          <p:nvSpPr>
-            <p:cNvPr id="44" name="平行四边形 43">
-              <a:extLst>
-                <a:ext uri="{FF2B5EF4-FFF2-40B4-BE49-F238E27FC236}">
-                  <a16:creationId xmlns:a16="http://schemas.microsoft.com/office/drawing/2014/main" id="{CDE236C9-B805-4E1F-8F56-3A09EB9B9392}"/>
-                </a:ext>
-              </a:extLst>
-            </p:cNvPr>
-            <p:cNvSpPr/>
-            <p:nvPr/>
-          </p:nvSpPr>
-          <p:spPr>
-            <a:xfrm>
-              <a:off x="9630796" y="703736"/>
-              <a:ext cx="228008" cy="152616"/>
-            </a:xfrm>
-            <a:prstGeom prst="parallelogram">
-              <a:avLst>
-                <a:gd name="adj" fmla="val 85851"/>
-              </a:avLst>
-            </a:prstGeom>
-            <a:solidFill>
-              <a:srgbClr val="00B0F0"/>
-            </a:solidFill>
-            <a:ln>
-              <a:solidFill>
-                <a:srgbClr val="8AC9F2"/>
-              </a:solidFill>
-            </a:ln>
-          </p:spPr>
-          <p:style>
-            <a:lnRef idx="2">
-              <a:schemeClr val="accent1">
-                <a:shade val="50000"/>
-              </a:schemeClr>
-            </a:lnRef>
-            <a:fillRef idx="1">
-              <a:schemeClr val="accent1"/>
-            </a:fillRef>
-            <a:effectRef idx="0">
-              <a:schemeClr val="accent1"/>
-            </a:effectRef>
-            <a:fontRef idx="minor">
-              <a:schemeClr val="lt1"/>
-            </a:fontRef>
-          </p:style>
-          <p:txBody>
-            <a:bodyPr rtlCol="0" anchor="ctr"/>
-            <a:lstStyle/>
-            <a:p>
-              <a:pPr algn="ctr"/>
-              <a:endParaRPr lang="zh-CN" altLang="en-US">
-                <a:solidFill>
-                  <a:srgbClr val="00B0F0"/>
-                </a:solidFill>
-                <a:cs typeface="+mn-ea"/>
-                <a:sym typeface="+mn-lt"/>
-              </a:endParaRPr>
-            </a:p>
-          </p:txBody>
-        </p:sp>
-        <p:sp>
-          <p:nvSpPr>
-            <p:cNvPr id="45" name="平行四边形 44">
-              <a:extLst>
-                <a:ext uri="{FF2B5EF4-FFF2-40B4-BE49-F238E27FC236}">
-                  <a16:creationId xmlns:a16="http://schemas.microsoft.com/office/drawing/2014/main" id="{B78DB060-547A-4081-AC56-25F144593D62}"/>
-                </a:ext>
-              </a:extLst>
-            </p:cNvPr>
-            <p:cNvSpPr/>
-            <p:nvPr/>
-          </p:nvSpPr>
-          <p:spPr>
-            <a:xfrm>
-              <a:off x="9772032" y="703736"/>
-              <a:ext cx="228008" cy="152616"/>
-            </a:xfrm>
-            <a:prstGeom prst="parallelogram">
-              <a:avLst>
-                <a:gd name="adj" fmla="val 85851"/>
-              </a:avLst>
-            </a:prstGeom>
-            <a:solidFill>
-              <a:srgbClr val="00B0F0"/>
-            </a:solidFill>
-            <a:ln>
-              <a:solidFill>
-                <a:srgbClr val="8AC9F2"/>
-              </a:solidFill>
-            </a:ln>
-          </p:spPr>
-          <p:style>
-            <a:lnRef idx="2">
-              <a:schemeClr val="accent1">
-                <a:shade val="50000"/>
-              </a:schemeClr>
-            </a:lnRef>
-            <a:fillRef idx="1">
-              <a:schemeClr val="accent1"/>
-            </a:fillRef>
-            <a:effectRef idx="0">
-              <a:schemeClr val="accent1"/>
-            </a:effectRef>
-            <a:fontRef idx="minor">
-              <a:schemeClr val="lt1"/>
-            </a:fontRef>
-          </p:style>
-          <p:txBody>
-            <a:bodyPr rtlCol="0" anchor="ctr"/>
-            <a:lstStyle/>
-            <a:p>
-              <a:pPr algn="ctr"/>
-              <a:endParaRPr lang="zh-CN" altLang="en-US">
-                <a:solidFill>
-                  <a:srgbClr val="00B0F0"/>
-                </a:solidFill>
-                <a:cs typeface="+mn-ea"/>
-                <a:sym typeface="+mn-lt"/>
-              </a:endParaRPr>
-            </a:p>
-          </p:txBody>
-        </p:sp>
-        <p:sp>
-          <p:nvSpPr>
-            <p:cNvPr id="46" name="平行四边形 45">
-              <a:extLst>
-                <a:ext uri="{FF2B5EF4-FFF2-40B4-BE49-F238E27FC236}">
-                  <a16:creationId xmlns:a16="http://schemas.microsoft.com/office/drawing/2014/main" id="{B6FB55EC-28EF-4984-ACAE-8B4FBA7012B1}"/>
-                </a:ext>
-              </a:extLst>
-            </p:cNvPr>
-            <p:cNvSpPr/>
-            <p:nvPr/>
-          </p:nvSpPr>
-          <p:spPr>
-            <a:xfrm>
-              <a:off x="9913268" y="703736"/>
-              <a:ext cx="228008" cy="152616"/>
-            </a:xfrm>
-            <a:prstGeom prst="parallelogram">
-              <a:avLst>
-                <a:gd name="adj" fmla="val 85851"/>
-              </a:avLst>
-            </a:prstGeom>
-            <a:solidFill>
-              <a:srgbClr val="00B0F0"/>
-            </a:solidFill>
-            <a:ln>
-              <a:solidFill>
-                <a:srgbClr val="8AC9F2"/>
-              </a:solidFill>
-            </a:ln>
-          </p:spPr>
-          <p:style>
-            <a:lnRef idx="2">
-              <a:schemeClr val="accent1">
-                <a:shade val="50000"/>
-              </a:schemeClr>
-            </a:lnRef>
-            <a:fillRef idx="1">
-              <a:schemeClr val="accent1"/>
-            </a:fillRef>
-            <a:effectRef idx="0">
-              <a:schemeClr val="accent1"/>
-            </a:effectRef>
-            <a:fontRef idx="minor">
-              <a:schemeClr val="lt1"/>
-            </a:fontRef>
-          </p:style>
-          <p:txBody>
-            <a:bodyPr rtlCol="0" anchor="ctr"/>
-            <a:lstStyle/>
-            <a:p>
-              <a:pPr algn="ctr"/>
-              <a:endParaRPr lang="zh-CN" altLang="en-US">
-                <a:solidFill>
-                  <a:srgbClr val="00B0F0"/>
-                </a:solidFill>
-                <a:cs typeface="+mn-ea"/>
-                <a:sym typeface="+mn-lt"/>
-              </a:endParaRPr>
-            </a:p>
-          </p:txBody>
-        </p:sp>
-        <p:sp>
-          <p:nvSpPr>
-            <p:cNvPr id="47" name="平行四边形 46">
-              <a:extLst>
-                <a:ext uri="{FF2B5EF4-FFF2-40B4-BE49-F238E27FC236}">
-                  <a16:creationId xmlns:a16="http://schemas.microsoft.com/office/drawing/2014/main" id="{98FE23BF-1420-4367-A998-4C48C30DA5C2}"/>
-                </a:ext>
-              </a:extLst>
-            </p:cNvPr>
-            <p:cNvSpPr/>
-            <p:nvPr/>
-          </p:nvSpPr>
-          <p:spPr>
-            <a:xfrm>
-              <a:off x="10054504" y="703736"/>
-              <a:ext cx="228008" cy="152616"/>
-            </a:xfrm>
-            <a:prstGeom prst="parallelogram">
-              <a:avLst>
-                <a:gd name="adj" fmla="val 85851"/>
-              </a:avLst>
-            </a:prstGeom>
-            <a:solidFill>
-              <a:srgbClr val="00B0F0"/>
-            </a:solidFill>
-            <a:ln>
-              <a:solidFill>
-                <a:srgbClr val="8AC9F2"/>
-              </a:solidFill>
-            </a:ln>
-          </p:spPr>
-          <p:style>
-            <a:lnRef idx="2">
-              <a:schemeClr val="accent1">
-                <a:shade val="50000"/>
-              </a:schemeClr>
-            </a:lnRef>
-            <a:fillRef idx="1">
-              <a:schemeClr val="accent1"/>
-            </a:fillRef>
-            <a:effectRef idx="0">
-              <a:schemeClr val="accent1"/>
-            </a:effectRef>
-            <a:fontRef idx="minor">
-              <a:schemeClr val="lt1"/>
-            </a:fontRef>
-          </p:style>
-          <p:txBody>
-            <a:bodyPr rtlCol="0" anchor="ctr"/>
-            <a:lstStyle/>
-            <a:p>
-              <a:pPr algn="ctr"/>
-              <a:endParaRPr lang="zh-CN" altLang="en-US">
-                <a:solidFill>
-                  <a:srgbClr val="00B0F0"/>
-                </a:solidFill>
-                <a:cs typeface="+mn-ea"/>
-                <a:sym typeface="+mn-lt"/>
-              </a:endParaRPr>
-            </a:p>
-          </p:txBody>
-        </p:sp>
-        <p:sp>
-          <p:nvSpPr>
-            <p:cNvPr id="48" name="平行四边形 47">
-              <a:extLst>
-                <a:ext uri="{FF2B5EF4-FFF2-40B4-BE49-F238E27FC236}">
-                  <a16:creationId xmlns:a16="http://schemas.microsoft.com/office/drawing/2014/main" id="{18B16B14-962F-492B-8F9B-F080D6157525}"/>
-                </a:ext>
-              </a:extLst>
-            </p:cNvPr>
-            <p:cNvSpPr/>
-            <p:nvPr/>
-          </p:nvSpPr>
-          <p:spPr>
-            <a:xfrm>
-              <a:off x="10195740" y="703736"/>
-              <a:ext cx="228008" cy="152616"/>
-            </a:xfrm>
-            <a:prstGeom prst="parallelogram">
-              <a:avLst>
-                <a:gd name="adj" fmla="val 85851"/>
-              </a:avLst>
-            </a:prstGeom>
-            <a:solidFill>
-              <a:srgbClr val="00B0F0"/>
-            </a:solidFill>
-            <a:ln>
-              <a:solidFill>
-                <a:srgbClr val="8AC9F2"/>
-              </a:solidFill>
-            </a:ln>
-          </p:spPr>
-          <p:style>
-            <a:lnRef idx="2">
-              <a:schemeClr val="accent1">
-                <a:shade val="50000"/>
-              </a:schemeClr>
-            </a:lnRef>
-            <a:fillRef idx="1">
-              <a:schemeClr val="accent1"/>
-            </a:fillRef>
-            <a:effectRef idx="0">
-              <a:schemeClr val="accent1"/>
-            </a:effectRef>
-            <a:fontRef idx="minor">
-              <a:schemeClr val="lt1"/>
-            </a:fontRef>
-          </p:style>
-          <p:txBody>
-            <a:bodyPr rtlCol="0" anchor="ctr"/>
-            <a:lstStyle/>
-            <a:p>
-              <a:pPr algn="ctr"/>
-              <a:endParaRPr lang="zh-CN" altLang="en-US">
-                <a:solidFill>
-                  <a:srgbClr val="00B0F0"/>
-                </a:solidFill>
-                <a:cs typeface="+mn-ea"/>
-                <a:sym typeface="+mn-lt"/>
-              </a:endParaRPr>
-            </a:p>
-          </p:txBody>
-        </p:sp>
-        <p:sp>
-          <p:nvSpPr>
-            <p:cNvPr id="49" name="平行四边形 48">
-              <a:extLst>
-                <a:ext uri="{FF2B5EF4-FFF2-40B4-BE49-F238E27FC236}">
-                  <a16:creationId xmlns:a16="http://schemas.microsoft.com/office/drawing/2014/main" id="{195C36B9-C63B-4940-AE3C-F68DF8BA2620}"/>
-                </a:ext>
-              </a:extLst>
-            </p:cNvPr>
-            <p:cNvSpPr/>
-            <p:nvPr/>
-          </p:nvSpPr>
-          <p:spPr>
-            <a:xfrm>
-              <a:off x="10336976" y="703736"/>
-              <a:ext cx="228008" cy="152616"/>
-            </a:xfrm>
-            <a:prstGeom prst="parallelogram">
-              <a:avLst>
-                <a:gd name="adj" fmla="val 85851"/>
-              </a:avLst>
-            </a:prstGeom>
-            <a:solidFill>
-              <a:srgbClr val="00B0F0"/>
-            </a:solidFill>
-            <a:ln>
-              <a:solidFill>
-                <a:srgbClr val="8AC9F2"/>
-              </a:solidFill>
-            </a:ln>
-          </p:spPr>
-          <p:style>
-            <a:lnRef idx="2">
-              <a:schemeClr val="accent1">
-                <a:shade val="50000"/>
-              </a:schemeClr>
-            </a:lnRef>
-            <a:fillRef idx="1">
-              <a:schemeClr val="accent1"/>
-            </a:fillRef>
-            <a:effectRef idx="0">
-              <a:schemeClr val="accent1"/>
-            </a:effectRef>
-            <a:fontRef idx="minor">
-              <a:schemeClr val="lt1"/>
-            </a:fontRef>
-          </p:style>
-          <p:txBody>
-            <a:bodyPr rtlCol="0" anchor="ctr"/>
-            <a:lstStyle/>
-            <a:p>
-              <a:pPr algn="ctr"/>
-              <a:endParaRPr lang="zh-CN" altLang="en-US">
-                <a:solidFill>
-                  <a:srgbClr val="00B0F0"/>
-                </a:solidFill>
-                <a:cs typeface="+mn-ea"/>
-                <a:sym typeface="+mn-lt"/>
-              </a:endParaRPr>
-            </a:p>
-          </p:txBody>
-        </p:sp>
-        <p:sp>
-          <p:nvSpPr>
-            <p:cNvPr id="50" name="平行四边形 49">
-              <a:extLst>
-                <a:ext uri="{FF2B5EF4-FFF2-40B4-BE49-F238E27FC236}">
-                  <a16:creationId xmlns:a16="http://schemas.microsoft.com/office/drawing/2014/main" id="{7813A685-CF74-4CBF-B639-E6D85C5280BE}"/>
-                </a:ext>
-              </a:extLst>
-            </p:cNvPr>
-            <p:cNvSpPr/>
-            <p:nvPr/>
-          </p:nvSpPr>
-          <p:spPr>
-            <a:xfrm>
-              <a:off x="10478212" y="703736"/>
-              <a:ext cx="228008" cy="152616"/>
-            </a:xfrm>
-            <a:prstGeom prst="parallelogram">
-              <a:avLst>
-                <a:gd name="adj" fmla="val 85851"/>
-              </a:avLst>
-            </a:prstGeom>
-            <a:solidFill>
-              <a:srgbClr val="00B0F0"/>
-            </a:solidFill>
-            <a:ln>
-              <a:solidFill>
-                <a:srgbClr val="8AC9F2"/>
-              </a:solidFill>
-            </a:ln>
-          </p:spPr>
-          <p:style>
-            <a:lnRef idx="2">
-              <a:schemeClr val="accent1">
-                <a:shade val="50000"/>
-              </a:schemeClr>
-            </a:lnRef>
-            <a:fillRef idx="1">
-              <a:schemeClr val="accent1"/>
-            </a:fillRef>
-            <a:effectRef idx="0">
-              <a:schemeClr val="accent1"/>
-            </a:effectRef>
-            <a:fontRef idx="minor">
-              <a:schemeClr val="lt1"/>
-            </a:fontRef>
-          </p:style>
-          <p:txBody>
-            <a:bodyPr rtlCol="0" anchor="ctr"/>
-            <a:lstStyle/>
-            <a:p>
-              <a:pPr algn="ctr"/>
-              <a:endParaRPr lang="zh-CN" altLang="en-US">
-                <a:solidFill>
-                  <a:srgbClr val="00B0F0"/>
-                </a:solidFill>
-                <a:cs typeface="+mn-ea"/>
-                <a:sym typeface="+mn-lt"/>
-              </a:endParaRPr>
-            </a:p>
-          </p:txBody>
-        </p:sp>
-        <p:sp>
-          <p:nvSpPr>
-            <p:cNvPr id="51" name="平行四边形 50">
-              <a:extLst>
-                <a:ext uri="{FF2B5EF4-FFF2-40B4-BE49-F238E27FC236}">
-                  <a16:creationId xmlns:a16="http://schemas.microsoft.com/office/drawing/2014/main" id="{C21C4AC7-C51A-4EF7-8754-9B0EEA3CE171}"/>
-                </a:ext>
-              </a:extLst>
-            </p:cNvPr>
-            <p:cNvSpPr/>
-            <p:nvPr/>
-          </p:nvSpPr>
-          <p:spPr>
-            <a:xfrm>
-              <a:off x="10619448" y="703736"/>
-              <a:ext cx="228008" cy="152616"/>
-            </a:xfrm>
-            <a:prstGeom prst="parallelogram">
-              <a:avLst>
-                <a:gd name="adj" fmla="val 85851"/>
-              </a:avLst>
-            </a:prstGeom>
-            <a:solidFill>
-              <a:srgbClr val="00B0F0"/>
-            </a:solidFill>
-            <a:ln>
-              <a:solidFill>
-                <a:srgbClr val="8AC9F2"/>
-              </a:solidFill>
-            </a:ln>
-          </p:spPr>
-          <p:style>
-            <a:lnRef idx="2">
-              <a:schemeClr val="accent1">
-                <a:shade val="50000"/>
-              </a:schemeClr>
-            </a:lnRef>
-            <a:fillRef idx="1">
-              <a:schemeClr val="accent1"/>
-            </a:fillRef>
-            <a:effectRef idx="0">
-              <a:schemeClr val="accent1"/>
-            </a:effectRef>
-            <a:fontRef idx="minor">
-              <a:schemeClr val="lt1"/>
-            </a:fontRef>
-          </p:style>
-          <p:txBody>
-            <a:bodyPr rtlCol="0" anchor="ctr"/>
-            <a:lstStyle/>
-            <a:p>
-              <a:pPr algn="ctr"/>
-              <a:endParaRPr lang="zh-CN" altLang="en-US">
-                <a:solidFill>
-                  <a:srgbClr val="00B0F0"/>
-                </a:solidFill>
-                <a:cs typeface="+mn-ea"/>
-                <a:sym typeface="+mn-lt"/>
-              </a:endParaRPr>
-            </a:p>
-          </p:txBody>
-        </p:sp>
-        <p:sp>
-          <p:nvSpPr>
-            <p:cNvPr id="52" name="平行四边形 51">
-              <a:extLst>
-                <a:ext uri="{FF2B5EF4-FFF2-40B4-BE49-F238E27FC236}">
-                  <a16:creationId xmlns:a16="http://schemas.microsoft.com/office/drawing/2014/main" id="{198ADC9E-54F0-4588-B7AA-E18E8E7CDFDF}"/>
-                </a:ext>
-              </a:extLst>
-            </p:cNvPr>
-            <p:cNvSpPr/>
-            <p:nvPr/>
-          </p:nvSpPr>
-          <p:spPr>
-            <a:xfrm>
-              <a:off x="10760684" y="703736"/>
-              <a:ext cx="228008" cy="152616"/>
-            </a:xfrm>
-            <a:prstGeom prst="parallelogram">
-              <a:avLst>
-                <a:gd name="adj" fmla="val 85851"/>
-              </a:avLst>
-            </a:prstGeom>
-            <a:solidFill>
-              <a:srgbClr val="00B0F0"/>
-            </a:solidFill>
-            <a:ln>
-              <a:solidFill>
-                <a:srgbClr val="8AC9F2"/>
-              </a:solidFill>
-            </a:ln>
-          </p:spPr>
-          <p:style>
-            <a:lnRef idx="2">
-              <a:schemeClr val="accent1">
-                <a:shade val="50000"/>
-              </a:schemeClr>
-            </a:lnRef>
-            <a:fillRef idx="1">
-              <a:schemeClr val="accent1"/>
-            </a:fillRef>
-            <a:effectRef idx="0">
-              <a:schemeClr val="accent1"/>
-            </a:effectRef>
-            <a:fontRef idx="minor">
-              <a:schemeClr val="lt1"/>
-            </a:fontRef>
-          </p:style>
-          <p:txBody>
-            <a:bodyPr rtlCol="0" anchor="ctr"/>
-            <a:lstStyle/>
-            <a:p>
-              <a:pPr algn="ctr"/>
-              <a:endParaRPr lang="zh-CN" altLang="en-US">
-                <a:solidFill>
-                  <a:srgbClr val="00B0F0"/>
-                </a:solidFill>
-                <a:cs typeface="+mn-ea"/>
-                <a:sym typeface="+mn-lt"/>
-              </a:endParaRPr>
-            </a:p>
-          </p:txBody>
-        </p:sp>
-        <p:sp>
-          <p:nvSpPr>
-            <p:cNvPr id="53" name="平行四边形 52">
-              <a:extLst>
-                <a:ext uri="{FF2B5EF4-FFF2-40B4-BE49-F238E27FC236}">
-                  <a16:creationId xmlns:a16="http://schemas.microsoft.com/office/drawing/2014/main" id="{DE316397-B0D0-4A14-9339-C2D566FB9890}"/>
-                </a:ext>
-              </a:extLst>
-            </p:cNvPr>
-            <p:cNvSpPr/>
-            <p:nvPr/>
-          </p:nvSpPr>
-          <p:spPr>
-            <a:xfrm>
-              <a:off x="10901920" y="703736"/>
-              <a:ext cx="228008" cy="152616"/>
-            </a:xfrm>
-            <a:prstGeom prst="parallelogram">
-              <a:avLst>
-                <a:gd name="adj" fmla="val 85851"/>
-              </a:avLst>
-            </a:prstGeom>
-            <a:solidFill>
-              <a:srgbClr val="00B0F0"/>
-            </a:solidFill>
-            <a:ln>
-              <a:solidFill>
-                <a:srgbClr val="8AC9F2"/>
-              </a:solidFill>
-            </a:ln>
-          </p:spPr>
-          <p:style>
-            <a:lnRef idx="2">
-              <a:schemeClr val="accent1">
-                <a:shade val="50000"/>
-              </a:schemeClr>
-            </a:lnRef>
-            <a:fillRef idx="1">
-              <a:schemeClr val="accent1"/>
-            </a:fillRef>
-            <a:effectRef idx="0">
-              <a:schemeClr val="accent1"/>
-            </a:effectRef>
-            <a:fontRef idx="minor">
-              <a:schemeClr val="lt1"/>
-            </a:fontRef>
-          </p:style>
-          <p:txBody>
-            <a:bodyPr rtlCol="0" anchor="ctr"/>
-            <a:lstStyle/>
-            <a:p>
-              <a:pPr algn="ctr"/>
-              <a:endParaRPr lang="zh-CN" altLang="en-US">
-                <a:solidFill>
-                  <a:srgbClr val="00B0F0"/>
-                </a:solidFill>
-                <a:cs typeface="+mn-ea"/>
-                <a:sym typeface="+mn-lt"/>
-              </a:endParaRPr>
-            </a:p>
-          </p:txBody>
-        </p:sp>
-        <p:sp>
-          <p:nvSpPr>
-            <p:cNvPr id="54" name="平行四边形 53">
-              <a:extLst>
-                <a:ext uri="{FF2B5EF4-FFF2-40B4-BE49-F238E27FC236}">
-                  <a16:creationId xmlns:a16="http://schemas.microsoft.com/office/drawing/2014/main" id="{62AEF47F-8546-42A2-8182-0403305C7CCC}"/>
-                </a:ext>
-              </a:extLst>
-            </p:cNvPr>
-            <p:cNvSpPr/>
-            <p:nvPr/>
-          </p:nvSpPr>
-          <p:spPr>
-            <a:xfrm>
-              <a:off x="11043156" y="703736"/>
-              <a:ext cx="228008" cy="152616"/>
-            </a:xfrm>
-            <a:prstGeom prst="parallelogram">
-              <a:avLst>
-                <a:gd name="adj" fmla="val 85851"/>
-              </a:avLst>
-            </a:prstGeom>
-            <a:solidFill>
-              <a:srgbClr val="00B0F0"/>
-            </a:solidFill>
-            <a:ln>
-              <a:solidFill>
-                <a:srgbClr val="8AC9F2"/>
-              </a:solidFill>
-            </a:ln>
-          </p:spPr>
-          <p:style>
-            <a:lnRef idx="2">
-              <a:schemeClr val="accent1">
-                <a:shade val="50000"/>
-              </a:schemeClr>
-            </a:lnRef>
-            <a:fillRef idx="1">
-              <a:schemeClr val="accent1"/>
-            </a:fillRef>
-            <a:effectRef idx="0">
-              <a:schemeClr val="accent1"/>
-            </a:effectRef>
-            <a:fontRef idx="minor">
-              <a:schemeClr val="lt1"/>
-            </a:fontRef>
-          </p:style>
-          <p:txBody>
-            <a:bodyPr rtlCol="0" anchor="ctr"/>
-            <a:lstStyle/>
-            <a:p>
-              <a:pPr algn="ctr"/>
-              <a:endParaRPr lang="zh-CN" altLang="en-US">
-                <a:solidFill>
-                  <a:srgbClr val="00B0F0"/>
-                </a:solidFill>
-                <a:cs typeface="+mn-ea"/>
-                <a:sym typeface="+mn-lt"/>
-              </a:endParaRPr>
-            </a:p>
-          </p:txBody>
-        </p:sp>
-        <p:sp>
-          <p:nvSpPr>
-            <p:cNvPr id="55" name="平行四边形 54">
-              <a:extLst>
-                <a:ext uri="{FF2B5EF4-FFF2-40B4-BE49-F238E27FC236}">
-                  <a16:creationId xmlns:a16="http://schemas.microsoft.com/office/drawing/2014/main" id="{F2F61E24-12BB-4EAB-BB42-E3721ED463D0}"/>
-                </a:ext>
-              </a:extLst>
-            </p:cNvPr>
-            <p:cNvSpPr/>
-            <p:nvPr/>
-          </p:nvSpPr>
-          <p:spPr>
-            <a:xfrm>
-              <a:off x="11184392" y="703736"/>
-              <a:ext cx="228008" cy="152616"/>
-            </a:xfrm>
-            <a:prstGeom prst="parallelogram">
-              <a:avLst>
-                <a:gd name="adj" fmla="val 85851"/>
-              </a:avLst>
-            </a:prstGeom>
-            <a:solidFill>
-              <a:srgbClr val="00B0F0"/>
-            </a:solidFill>
-            <a:ln>
-              <a:solidFill>
-                <a:srgbClr val="8AC9F2"/>
-              </a:solidFill>
-            </a:ln>
-          </p:spPr>
-          <p:style>
-            <a:lnRef idx="2">
-              <a:schemeClr val="accent1">
-                <a:shade val="50000"/>
-              </a:schemeClr>
-            </a:lnRef>
-            <a:fillRef idx="1">
-              <a:schemeClr val="accent1"/>
-            </a:fillRef>
-            <a:effectRef idx="0">
-              <a:schemeClr val="accent1"/>
-            </a:effectRef>
-            <a:fontRef idx="minor">
-              <a:schemeClr val="lt1"/>
-            </a:fontRef>
-          </p:style>
-          <p:txBody>
-            <a:bodyPr rtlCol="0" anchor="ctr"/>
-            <a:lstStyle/>
-            <a:p>
-              <a:pPr algn="ctr"/>
-              <a:endParaRPr lang="zh-CN" altLang="en-US">
-                <a:solidFill>
-                  <a:srgbClr val="00B0F0"/>
-                </a:solidFill>
-                <a:cs typeface="+mn-ea"/>
-                <a:sym typeface="+mn-lt"/>
-              </a:endParaRPr>
-            </a:p>
-          </p:txBody>
-        </p:sp>
-        <p:sp>
-          <p:nvSpPr>
-            <p:cNvPr id="56" name="平行四边形 55">
-              <a:extLst>
-                <a:ext uri="{FF2B5EF4-FFF2-40B4-BE49-F238E27FC236}">
-                  <a16:creationId xmlns:a16="http://schemas.microsoft.com/office/drawing/2014/main" id="{4A161F1F-711D-4352-BA52-4885653953E7}"/>
-                </a:ext>
-              </a:extLst>
-            </p:cNvPr>
-            <p:cNvSpPr/>
-            <p:nvPr/>
-          </p:nvSpPr>
-          <p:spPr>
-            <a:xfrm>
-              <a:off x="11325628" y="703736"/>
-              <a:ext cx="228008" cy="152616"/>
-            </a:xfrm>
-            <a:prstGeom prst="parallelogram">
-              <a:avLst>
-                <a:gd name="adj" fmla="val 85851"/>
-              </a:avLst>
-            </a:prstGeom>
-            <a:solidFill>
-              <a:srgbClr val="00B0F0"/>
-            </a:solidFill>
-            <a:ln>
-              <a:solidFill>
-                <a:srgbClr val="8AC9F2"/>
-              </a:solidFill>
-            </a:ln>
-          </p:spPr>
-          <p:style>
-            <a:lnRef idx="2">
-              <a:schemeClr val="accent1">
-                <a:shade val="50000"/>
-              </a:schemeClr>
-            </a:lnRef>
-            <a:fillRef idx="1">
-              <a:schemeClr val="accent1"/>
-            </a:fillRef>
-            <a:effectRef idx="0">
-              <a:schemeClr val="accent1"/>
-            </a:effectRef>
-            <a:fontRef idx="minor">
-              <a:schemeClr val="lt1"/>
-            </a:fontRef>
-          </p:style>
-          <p:txBody>
-            <a:bodyPr rtlCol="0" anchor="ctr"/>
-            <a:lstStyle/>
-            <a:p>
-              <a:pPr algn="ctr"/>
-              <a:endParaRPr lang="zh-CN" altLang="en-US">
-                <a:solidFill>
-                  <a:srgbClr val="00B0F0"/>
-                </a:solidFill>
-                <a:cs typeface="+mn-ea"/>
-                <a:sym typeface="+mn-lt"/>
-              </a:endParaRPr>
-            </a:p>
-          </p:txBody>
-        </p:sp>
-        <p:sp>
-          <p:nvSpPr>
-            <p:cNvPr id="57" name="平行四边形 56">
-              <a:extLst>
-                <a:ext uri="{FF2B5EF4-FFF2-40B4-BE49-F238E27FC236}">
-                  <a16:creationId xmlns:a16="http://schemas.microsoft.com/office/drawing/2014/main" id="{A2C88A09-38D8-4963-B496-BE9965209C66}"/>
-                </a:ext>
-              </a:extLst>
-            </p:cNvPr>
-            <p:cNvSpPr/>
-            <p:nvPr/>
-          </p:nvSpPr>
-          <p:spPr>
-            <a:xfrm>
-              <a:off x="11466864" y="703736"/>
-              <a:ext cx="228008" cy="152616"/>
-            </a:xfrm>
-            <a:prstGeom prst="parallelogram">
-              <a:avLst>
-                <a:gd name="adj" fmla="val 85851"/>
-              </a:avLst>
-            </a:prstGeom>
-            <a:solidFill>
-              <a:srgbClr val="00B0F0"/>
-            </a:solidFill>
-            <a:ln>
-              <a:solidFill>
-                <a:srgbClr val="8AC9F2"/>
-              </a:solidFill>
-            </a:ln>
-          </p:spPr>
-          <p:style>
-            <a:lnRef idx="2">
-              <a:schemeClr val="accent1">
-                <a:shade val="50000"/>
-              </a:schemeClr>
-            </a:lnRef>
-            <a:fillRef idx="1">
-              <a:schemeClr val="accent1"/>
-            </a:fillRef>
-            <a:effectRef idx="0">
-              <a:schemeClr val="accent1"/>
-            </a:effectRef>
-            <a:fontRef idx="minor">
-              <a:schemeClr val="lt1"/>
-            </a:fontRef>
-          </p:style>
-          <p:txBody>
-            <a:bodyPr rtlCol="0" anchor="ctr"/>
-            <a:lstStyle/>
-            <a:p>
-              <a:pPr algn="ctr"/>
-              <a:endParaRPr lang="zh-CN" altLang="en-US">
-                <a:solidFill>
-                  <a:srgbClr val="00B0F0"/>
-                </a:solidFill>
-                <a:cs typeface="+mn-ea"/>
-                <a:sym typeface="+mn-lt"/>
-              </a:endParaRPr>
-            </a:p>
-          </p:txBody>
-        </p:sp>
-        <p:sp>
-          <p:nvSpPr>
-            <p:cNvPr id="58" name="平行四边形 57">
-              <a:extLst>
-                <a:ext uri="{FF2B5EF4-FFF2-40B4-BE49-F238E27FC236}">
-                  <a16:creationId xmlns:a16="http://schemas.microsoft.com/office/drawing/2014/main" id="{88D3835D-ECB1-409D-86ED-2C238D2A9278}"/>
-                </a:ext>
-              </a:extLst>
-            </p:cNvPr>
-            <p:cNvSpPr/>
-            <p:nvPr/>
-          </p:nvSpPr>
-          <p:spPr>
-            <a:xfrm>
-              <a:off x="11608100" y="703736"/>
-              <a:ext cx="228008" cy="152616"/>
-            </a:xfrm>
-            <a:prstGeom prst="parallelogram">
-              <a:avLst>
-                <a:gd name="adj" fmla="val 85851"/>
-              </a:avLst>
-            </a:prstGeom>
-            <a:solidFill>
-              <a:srgbClr val="00B0F0"/>
-            </a:solidFill>
-            <a:ln>
-              <a:solidFill>
-                <a:srgbClr val="8AC9F2"/>
-              </a:solidFill>
-            </a:ln>
-          </p:spPr>
-          <p:style>
-            <a:lnRef idx="2">
-              <a:schemeClr val="accent1">
-                <a:shade val="50000"/>
-              </a:schemeClr>
-            </a:lnRef>
-            <a:fillRef idx="1">
-              <a:schemeClr val="accent1"/>
-            </a:fillRef>
-            <a:effectRef idx="0">
-              <a:schemeClr val="accent1"/>
-            </a:effectRef>
-            <a:fontRef idx="minor">
-              <a:schemeClr val="lt1"/>
-            </a:fontRef>
-          </p:style>
-          <p:txBody>
-            <a:bodyPr rtlCol="0" anchor="ctr"/>
-            <a:lstStyle/>
-            <a:p>
-              <a:pPr algn="ctr"/>
-              <a:endParaRPr lang="zh-CN" altLang="en-US">
-                <a:solidFill>
-                  <a:srgbClr val="00B0F0"/>
-                </a:solidFill>
-                <a:cs typeface="+mn-ea"/>
-                <a:sym typeface="+mn-lt"/>
-              </a:endParaRPr>
-            </a:p>
-          </p:txBody>
-        </p:sp>
-        <p:sp>
-          <p:nvSpPr>
-            <p:cNvPr id="59" name="平行四边形 58">
-              <a:extLst>
-                <a:ext uri="{FF2B5EF4-FFF2-40B4-BE49-F238E27FC236}">
-                  <a16:creationId xmlns:a16="http://schemas.microsoft.com/office/drawing/2014/main" id="{FC80CD4B-F966-42FF-B384-24F185E19474}"/>
-                </a:ext>
-              </a:extLst>
-            </p:cNvPr>
-            <p:cNvSpPr/>
-            <p:nvPr/>
-          </p:nvSpPr>
-          <p:spPr>
-            <a:xfrm>
-              <a:off x="11749332" y="703736"/>
-              <a:ext cx="228008" cy="152616"/>
-            </a:xfrm>
-            <a:prstGeom prst="parallelogram">
-              <a:avLst>
-                <a:gd name="adj" fmla="val 85851"/>
-              </a:avLst>
-            </a:prstGeom>
-            <a:solidFill>
-              <a:srgbClr val="00B0F0"/>
-            </a:solidFill>
-            <a:ln>
-              <a:solidFill>
-                <a:srgbClr val="8AC9F2"/>
-              </a:solidFill>
-            </a:ln>
-          </p:spPr>
-          <p:style>
-            <a:lnRef idx="2">
-              <a:schemeClr val="accent1">
-                <a:shade val="50000"/>
-              </a:schemeClr>
-            </a:lnRef>
-            <a:fillRef idx="1">
-              <a:schemeClr val="accent1"/>
-            </a:fillRef>
-            <a:effectRef idx="0">
-              <a:schemeClr val="accent1"/>
-            </a:effectRef>
-            <a:fontRef idx="minor">
-              <a:schemeClr val="lt1"/>
-            </a:fontRef>
-          </p:style>
-          <p:txBody>
-            <a:bodyPr rtlCol="0" anchor="ctr"/>
-            <a:lstStyle/>
-            <a:p>
-              <a:pPr algn="ctr"/>
-              <a:endParaRPr lang="zh-CN" altLang="en-US">
-                <a:solidFill>
-                  <a:srgbClr val="00B0F0"/>
-                </a:solidFill>
-                <a:cs typeface="+mn-ea"/>
-                <a:sym typeface="+mn-lt"/>
-              </a:endParaRPr>
-            </a:p>
-          </p:txBody>
-        </p:sp>
-      </p:grpSp>
-      <p:pic>
-        <p:nvPicPr>
-          <p:cNvPr id="61" name="图片 60">
-            <a:extLst>
-              <a:ext uri="{FF2B5EF4-FFF2-40B4-BE49-F238E27FC236}">
-                <a16:creationId xmlns:a16="http://schemas.microsoft.com/office/drawing/2014/main" id="{2E72300A-D5D3-462F-8050-6A2053A9B321}"/>
-              </a:ext>
-            </a:extLst>
-          </p:cNvPr>
-          <p:cNvPicPr>
-            <a:picLocks noChangeAspect="1"/>
-          </p:cNvPicPr>
-          <p:nvPr/>
-        </p:nvPicPr>
-        <p:blipFill rotWithShape="1">
-          <a:blip r:embed="rId3" cstate="screen">
-            <a:extLst>
-              <a:ext uri="{28A0092B-C50C-407E-A947-70E740481C1C}">
-                <a14:useLocalDpi xmlns:a14="http://schemas.microsoft.com/office/drawing/2010/main"/>
-              </a:ext>
-            </a:extLst>
-          </a:blip>
-          <a:srcRect/>
-          <a:stretch/>
-        </p:blipFill>
-        <p:spPr>
-          <a:xfrm rot="5400000">
-            <a:off x="7541908" y="-263462"/>
-            <a:ext cx="2172006" cy="2698930"/>
-          </a:xfrm>
-          <a:prstGeom prst="rect">
-            <a:avLst/>
-          </a:prstGeom>
-        </p:spPr>
-      </p:pic>
-      <p:pic>
-        <p:nvPicPr>
-          <p:cNvPr id="62" name="图片 61">
-            <a:extLst>
-              <a:ext uri="{FF2B5EF4-FFF2-40B4-BE49-F238E27FC236}">
-                <a16:creationId xmlns:a16="http://schemas.microsoft.com/office/drawing/2014/main" id="{6CF64242-10FE-4CB2-9B7B-208A9DF881BD}"/>
-              </a:ext>
-            </a:extLst>
-          </p:cNvPr>
-          <p:cNvPicPr>
-            <a:picLocks noChangeAspect="1"/>
-          </p:cNvPicPr>
-          <p:nvPr/>
-        </p:nvPicPr>
-        <p:blipFill rotWithShape="1">
-          <a:blip r:embed="rId4" cstate="screen">
-            <a:extLst>
-              <a:ext uri="{28A0092B-C50C-407E-A947-70E740481C1C}">
-                <a14:useLocalDpi xmlns:a14="http://schemas.microsoft.com/office/drawing/2010/main"/>
-              </a:ext>
-            </a:extLst>
-          </a:blip>
-          <a:srcRect/>
-          <a:stretch/>
-        </p:blipFill>
-        <p:spPr>
-          <a:xfrm rot="5400000" flipH="1" flipV="1">
-            <a:off x="1861834" y="4418272"/>
-            <a:ext cx="2175805" cy="2703651"/>
-          </a:xfrm>
-          <a:prstGeom prst="rect">
-            <a:avLst/>
-          </a:prstGeom>
-        </p:spPr>
-      </p:pic>
-    </p:spTree>
-    <p:extLst>
-      <p:ext uri="{BB962C8B-B14F-4D97-AF65-F5344CB8AC3E}">
-        <p14:creationId xmlns:p14="http://schemas.microsoft.com/office/powerpoint/2010/main" val="2035741295"/>
-      </p:ext>
-    </p:extLst>
-  </p:cSld>
-  <p:clrMapOvr>
-    <a:masterClrMapping/>
-  </p:clrMapOvr>
-  <mc:AlternateContent xmlns:mc="http://schemas.openxmlformats.org/markup-compatibility/2006" xmlns:p14="http://schemas.microsoft.com/office/powerpoint/2010/main">
-    <mc:Choice Requires="p14">
-      <p:transition p14:dur="250">
-        <p:fade/>
-      </p:transition>
-    </mc:Choice>
-    <mc:Fallback xmlns="">
-      <p:transition>
-        <p:fade/>
-      </p:transition>
-    </mc:Fallback>
-  </mc:AlternateContent>
-  <p:timing>
-    <p:tnLst>
-      <p:par>
-        <p:cTn id="1" dur="indefinite" restart="never" nodeType="tmRoot">
-          <p:childTnLst>
-            <p:seq concurrent="1" nextAc="seek">
-              <p:cTn id="2" dur="indefinite" nodeType="mainSeq">
-                <p:childTnLst>
-                  <p:par>
-                    <p:cTn id="3" fill="hold">
-                      <p:stCondLst>
-                        <p:cond delay="indefinite"/>
-                        <p:cond evt="onBegin" delay="0">
-                          <p:tn val="2"/>
-                        </p:cond>
-                      </p:stCondLst>
-                      <p:childTnLst>
-                        <p:par>
-                          <p:cTn id="4" fill="hold">
-                            <p:stCondLst>
-                              <p:cond delay="0"/>
-                            </p:stCondLst>
-                            <p:childTnLst>
-                              <p:par>
-                                <p:cTn id="5" presetID="14" presetClass="entr" presetSubtype="10" fill="hold" nodeType="withEffect">
-                                  <p:stCondLst>
-                                    <p:cond delay="0"/>
-                                  </p:stCondLst>
-                                  <p:childTnLst>
-                                    <p:set>
-                                      <p:cBhvr>
-                                        <p:cTn id="6" dur="1" fill="hold">
-                                          <p:stCondLst>
-                                            <p:cond delay="0"/>
-                                          </p:stCondLst>
-                                        </p:cTn>
-                                        <p:tgtEl>
-                                          <p:spTgt spid="61"/>
-                                        </p:tgtEl>
-                                        <p:attrNameLst>
-                                          <p:attrName>style.visibility</p:attrName>
-                                        </p:attrNameLst>
-                                      </p:cBhvr>
-                                      <p:to>
-                                        <p:strVal val="visible"/>
-                                      </p:to>
-                                    </p:set>
-                                    <p:animEffect transition="in" filter="randombar(horizontal)">
-                                      <p:cBhvr>
-                                        <p:cTn id="7" dur="500"/>
-                                        <p:tgtEl>
-                                          <p:spTgt spid="61"/>
-                                        </p:tgtEl>
-                                      </p:cBhvr>
-                                    </p:animEffect>
-                                  </p:childTnLst>
-                                </p:cTn>
-                              </p:par>
-                              <p:par>
-                                <p:cTn id="8" presetID="14" presetClass="entr" presetSubtype="10" fill="hold" nodeType="withEffect">
-                                  <p:stCondLst>
-                                    <p:cond delay="0"/>
-                                  </p:stCondLst>
-                                  <p:childTnLst>
-                                    <p:set>
-                                      <p:cBhvr>
-                                        <p:cTn id="9" dur="1" fill="hold">
-                                          <p:stCondLst>
-                                            <p:cond delay="0"/>
-                                          </p:stCondLst>
-                                        </p:cTn>
-                                        <p:tgtEl>
-                                          <p:spTgt spid="62"/>
-                                        </p:tgtEl>
-                                        <p:attrNameLst>
-                                          <p:attrName>style.visibility</p:attrName>
-                                        </p:attrNameLst>
-                                      </p:cBhvr>
-                                      <p:to>
-                                        <p:strVal val="visible"/>
-                                      </p:to>
-                                    </p:set>
-                                    <p:animEffect transition="in" filter="randombar(horizontal)">
-                                      <p:cBhvr>
-                                        <p:cTn id="10" dur="500"/>
-                                        <p:tgtEl>
-                                          <p:spTgt spid="62"/>
-                                        </p:tgtEl>
-                                      </p:cBhvr>
-                                    </p:animEffect>
-                                  </p:childTnLst>
-                                </p:cTn>
-                              </p:par>
-                              <p:par>
-                                <p:cTn id="11" presetID="42" presetClass="entr" presetSubtype="0" fill="hold" nodeType="withEffect">
-                                  <p:stCondLst>
-                                    <p:cond delay="0"/>
-                                  </p:stCondLst>
-                                  <p:childTnLst>
-                                    <p:set>
-                                      <p:cBhvr>
-                                        <p:cTn id="12" dur="1" fill="hold">
-                                          <p:stCondLst>
-                                            <p:cond delay="0"/>
-                                          </p:stCondLst>
-                                        </p:cTn>
-                                        <p:tgtEl>
-                                          <p:spTgt spid="25"/>
-                                        </p:tgtEl>
-                                        <p:attrNameLst>
-                                          <p:attrName>style.visibility</p:attrName>
-                                        </p:attrNameLst>
-                                      </p:cBhvr>
-                                      <p:to>
-                                        <p:strVal val="visible"/>
-                                      </p:to>
-                                    </p:set>
-                                    <p:animEffect transition="in" filter="fade">
-                                      <p:cBhvr>
-                                        <p:cTn id="13" dur="500"/>
-                                        <p:tgtEl>
-                                          <p:spTgt spid="25"/>
-                                        </p:tgtEl>
-                                      </p:cBhvr>
-                                    </p:animEffect>
-                                    <p:anim calcmode="lin" valueType="num">
-                                      <p:cBhvr>
-                                        <p:cTn id="14" dur="500" fill="hold"/>
-                                        <p:tgtEl>
-                                          <p:spTgt spid="25"/>
-                                        </p:tgtEl>
-                                        <p:attrNameLst>
-                                          <p:attrName>ppt_x</p:attrName>
-                                        </p:attrNameLst>
-                                      </p:cBhvr>
-                                      <p:tavLst>
-                                        <p:tav tm="0">
-                                          <p:val>
-                                            <p:strVal val="#ppt_x"/>
-                                          </p:val>
-                                        </p:tav>
-                                        <p:tav tm="100000">
-                                          <p:val>
-                                            <p:strVal val="#ppt_x"/>
-                                          </p:val>
-                                        </p:tav>
-                                      </p:tavLst>
-                                    </p:anim>
-                                    <p:anim calcmode="lin" valueType="num">
-                                      <p:cBhvr>
-                                        <p:cTn id="15" dur="500" fill="hold"/>
-                                        <p:tgtEl>
-                                          <p:spTgt spid="25"/>
-                                        </p:tgtEl>
-                                        <p:attrNameLst>
-                                          <p:attrName>ppt_y</p:attrName>
-                                        </p:attrNameLst>
-                                      </p:cBhvr>
-                                      <p:tavLst>
-                                        <p:tav tm="0">
-                                          <p:val>
-                                            <p:strVal val="#ppt_y+.1"/>
-                                          </p:val>
-                                        </p:tav>
-                                        <p:tav tm="100000">
-                                          <p:val>
-                                            <p:strVal val="#ppt_y"/>
-                                          </p:val>
-                                        </p:tav>
-                                      </p:tavLst>
-                                    </p:anim>
-                                  </p:childTnLst>
-                                </p:cTn>
-                              </p:par>
-                              <p:par>
-                                <p:cTn id="16" presetID="14" presetClass="entr" presetSubtype="10" fill="hold" grpId="0" nodeType="withEffect">
-                                  <p:stCondLst>
-                                    <p:cond delay="0"/>
-                                  </p:stCondLst>
-                                  <p:childTnLst>
-                                    <p:set>
-                                      <p:cBhvr>
-                                        <p:cTn id="17" dur="1" fill="hold">
-                                          <p:stCondLst>
-                                            <p:cond delay="0"/>
-                                          </p:stCondLst>
-                                        </p:cTn>
-                                        <p:tgtEl>
-                                          <p:spTgt spid="23"/>
-                                        </p:tgtEl>
-                                        <p:attrNameLst>
-                                          <p:attrName>style.visibility</p:attrName>
-                                        </p:attrNameLst>
-                                      </p:cBhvr>
-                                      <p:to>
-                                        <p:strVal val="visible"/>
-                                      </p:to>
-                                    </p:set>
-                                    <p:animEffect transition="in" filter="randombar(horizontal)">
-                                      <p:cBhvr>
-                                        <p:cTn id="18" dur="500"/>
-                                        <p:tgtEl>
-                                          <p:spTgt spid="23"/>
-                                        </p:tgtEl>
-                                      </p:cBhvr>
-                                    </p:animEffect>
-                                  </p:childTnLst>
-                                </p:cTn>
-                              </p:par>
-                            </p:childTnLst>
-                          </p:cTn>
-                        </p:par>
-                      </p:childTnLst>
-                    </p:cTn>
-                  </p:par>
-                </p:childTnLst>
-              </p:cTn>
-              <p:prevCondLst>
-                <p:cond evt="onPrev" delay="0">
-                  <p:tgtEl>
-                    <p:sldTgt/>
-                  </p:tgtEl>
-                </p:cond>
-              </p:prevCondLst>
-              <p:nextCondLst>
-                <p:cond evt="onNext" delay="0">
-                  <p:tgtEl>
-                    <p:sldTgt/>
-                  </p:tgtEl>
-                </p:cond>
-              </p:nextCondLst>
-            </p:seq>
-          </p:childTnLst>
-        </p:cTn>
-      </p:par>
-    </p:tnLst>
-    <p:bldLst>
-      <p:bldP spid="23" grpId="0"/>
-    </p:bldLst>
-  </p:timing>
-</p:sld>
-</file>
-
 <file path=ppt/tags/tag1.xml><?xml version="1.0" encoding="utf-8"?>
 <p:tagLst xmlns:a="http://schemas.openxmlformats.org/drawingml/2006/main" xmlns:r="http://schemas.openxmlformats.org/officeDocument/2006/relationships" xmlns:p="http://schemas.openxmlformats.org/presentationml/2006/main">
   <p:tag name="ISPRING_PRESENTATION_TITLE" val="PowerPoint 演示文稿"/>

--- a/Blockchain Ticketing System Mid Defence presentation.pptx
+++ b/Blockchain Ticketing System Mid Defence presentation.pptx
@@ -22638,20 +22638,12 @@
               <a:buChar char="•"/>
             </a:pPr>
             <a:r>
-              <a:rPr lang="en-US" sz="4000" dirty="0" err="1">
-                <a:solidFill>
-                  <a:srgbClr val="00B0F0"/>
-                </a:solidFill>
-              </a:rPr>
-              <a:t>Literatrure</a:t>
-            </a:r>
-            <a:r>
               <a:rPr lang="en-US" sz="4000" dirty="0">
                 <a:solidFill>
                   <a:srgbClr val="00B0F0"/>
                 </a:solidFill>
               </a:rPr>
-              <a:t> review Added.</a:t>
+              <a:t>Literature review Added.</a:t>
             </a:r>
           </a:p>
           <a:p>
